--- a/Slides/04. Aplicação Gráfica.pptx
+++ b/Slides/04. Aplicação Gráfica.pptx
@@ -5,33 +5,34 @@
     <p:sldMasterId id="2147483687" r:id="rId1"/>
   </p:sldMasterIdLst>
   <p:notesMasterIdLst>
-    <p:notesMasterId r:id="rId26"/>
+    <p:notesMasterId r:id="rId27"/>
   </p:notesMasterIdLst>
   <p:sldIdLst>
     <p:sldId id="368" r:id="rId2"/>
     <p:sldId id="335" r:id="rId3"/>
-    <p:sldId id="373" r:id="rId4"/>
-    <p:sldId id="337" r:id="rId5"/>
-    <p:sldId id="338" r:id="rId6"/>
-    <p:sldId id="328" r:id="rId7"/>
-    <p:sldId id="333" r:id="rId8"/>
-    <p:sldId id="334" r:id="rId9"/>
-    <p:sldId id="374" r:id="rId10"/>
-    <p:sldId id="370" r:id="rId11"/>
-    <p:sldId id="375" r:id="rId12"/>
-    <p:sldId id="352" r:id="rId13"/>
-    <p:sldId id="343" r:id="rId14"/>
-    <p:sldId id="344" r:id="rId15"/>
-    <p:sldId id="345" r:id="rId16"/>
-    <p:sldId id="346" r:id="rId17"/>
-    <p:sldId id="347" r:id="rId18"/>
-    <p:sldId id="350" r:id="rId19"/>
-    <p:sldId id="341" r:id="rId20"/>
-    <p:sldId id="342" r:id="rId21"/>
-    <p:sldId id="377" r:id="rId22"/>
-    <p:sldId id="351" r:id="rId23"/>
-    <p:sldId id="325" r:id="rId24"/>
-    <p:sldId id="376" r:id="rId25"/>
+    <p:sldId id="378" r:id="rId4"/>
+    <p:sldId id="373" r:id="rId5"/>
+    <p:sldId id="337" r:id="rId6"/>
+    <p:sldId id="338" r:id="rId7"/>
+    <p:sldId id="328" r:id="rId8"/>
+    <p:sldId id="333" r:id="rId9"/>
+    <p:sldId id="334" r:id="rId10"/>
+    <p:sldId id="374" r:id="rId11"/>
+    <p:sldId id="370" r:id="rId12"/>
+    <p:sldId id="375" r:id="rId13"/>
+    <p:sldId id="352" r:id="rId14"/>
+    <p:sldId id="343" r:id="rId15"/>
+    <p:sldId id="344" r:id="rId16"/>
+    <p:sldId id="345" r:id="rId17"/>
+    <p:sldId id="346" r:id="rId18"/>
+    <p:sldId id="347" r:id="rId19"/>
+    <p:sldId id="350" r:id="rId20"/>
+    <p:sldId id="341" r:id="rId21"/>
+    <p:sldId id="342" r:id="rId22"/>
+    <p:sldId id="377" r:id="rId23"/>
+    <p:sldId id="351" r:id="rId24"/>
+    <p:sldId id="325" r:id="rId25"/>
+    <p:sldId id="376" r:id="rId26"/>
   </p:sldIdLst>
   <p:sldSz cx="12192000" cy="6858000"/>
   <p:notesSz cx="6858000" cy="9144000"/>
@@ -144,7 +145,8 @@
 <file path=ppt/revisionInfo.xml><?xml version="1.0" encoding="utf-8"?>
 <p1510:revInfo xmlns:a="http://schemas.openxmlformats.org/drawingml/2006/main" xmlns:r="http://schemas.openxmlformats.org/officeDocument/2006/relationships" xmlns:p1510="http://schemas.microsoft.com/office/powerpoint/2015/10/main">
   <p1510:revLst>
-    <p1510:client id="{9A01F439-0366-4ACC-92A2-5F4FB11B3F26}" v="38" dt="2021-07-31T17:55:27.054"/>
+    <p1510:client id="{576C14E6-4442-E74D-A8B8-078CDB698255}" v="1" dt="2021-08-02T01:19:09.570"/>
+    <p1510:client id="{9A01F439-0366-4ACC-92A2-5F4FB11B3F26}" v="11" dt="2021-08-02T05:32:41.306"/>
   </p1510:revLst>
 </p1510:revInfo>
 </file>
@@ -5205,19 +5207,34 @@
   </pc:docChgLst>
   <pc:docChgLst>
     <pc:chgData name="Judson Santiago" userId="ebb108da2f256286" providerId="LiveId" clId="{9A01F439-0366-4ACC-92A2-5F4FB11B3F26}"/>
-    <pc:docChg chg="undo custSel addSld modSld modMainMaster">
-      <pc:chgData name="Judson Santiago" userId="ebb108da2f256286" providerId="LiveId" clId="{9A01F439-0366-4ACC-92A2-5F4FB11B3F26}" dt="2021-07-31T18:06:01.105" v="815" actId="6549"/>
+    <pc:docChg chg="undo custSel addSld delSld modSld modMainMaster">
+      <pc:chgData name="Judson Santiago" userId="ebb108da2f256286" providerId="LiveId" clId="{9A01F439-0366-4ACC-92A2-5F4FB11B3F26}" dt="2021-08-02T07:39:37.479" v="2479" actId="20577"/>
       <pc:docMkLst>
         <pc:docMk/>
       </pc:docMkLst>
       <pc:sldChg chg="modSp mod">
-        <pc:chgData name="Judson Santiago" userId="ebb108da2f256286" providerId="LiveId" clId="{9A01F439-0366-4ACC-92A2-5F4FB11B3F26}" dt="2021-07-31T04:27:19.933" v="195" actId="20577"/>
+        <pc:chgData name="Judson Santiago" userId="ebb108da2f256286" providerId="LiveId" clId="{9A01F439-0366-4ACC-92A2-5F4FB11B3F26}" dt="2021-08-02T07:38:57.372" v="2476" actId="207"/>
+        <pc:sldMkLst>
+          <pc:docMk/>
+          <pc:sldMk cId="904695914" sldId="325"/>
+        </pc:sldMkLst>
+        <pc:spChg chg="mod">
+          <ac:chgData name="Judson Santiago" userId="ebb108da2f256286" providerId="LiveId" clId="{9A01F439-0366-4ACC-92A2-5F4FB11B3F26}" dt="2021-08-02T07:38:57.372" v="2476" actId="207"/>
+          <ac:spMkLst>
+            <pc:docMk/>
+            <pc:sldMk cId="904695914" sldId="325"/>
+            <ac:spMk id="2" creationId="{00000000-0000-0000-0000-000000000000}"/>
+          </ac:spMkLst>
+        </pc:spChg>
+      </pc:sldChg>
+      <pc:sldChg chg="modSp mod modNotesTx">
+        <pc:chgData name="Judson Santiago" userId="ebb108da2f256286" providerId="LiveId" clId="{9A01F439-0366-4ACC-92A2-5F4FB11B3F26}" dt="2021-08-02T05:15:07.665" v="1994" actId="1038"/>
         <pc:sldMkLst>
           <pc:docMk/>
           <pc:sldMk cId="3616194188" sldId="328"/>
         </pc:sldMkLst>
         <pc:spChg chg="mod">
-          <ac:chgData name="Judson Santiago" userId="ebb108da2f256286" providerId="LiveId" clId="{9A01F439-0366-4ACC-92A2-5F4FB11B3F26}" dt="2021-07-31T04:25:53.270" v="161" actId="948"/>
+          <ac:chgData name="Judson Santiago" userId="ebb108da2f256286" providerId="LiveId" clId="{9A01F439-0366-4ACC-92A2-5F4FB11B3F26}" dt="2021-08-02T05:12:01.557" v="1905" actId="6549"/>
           <ac:spMkLst>
             <pc:docMk/>
             <pc:sldMk cId="3616194188" sldId="328"/>
@@ -5249,7 +5266,7 @@
           </ac:spMkLst>
         </pc:spChg>
         <pc:spChg chg="mod">
-          <ac:chgData name="Judson Santiago" userId="ebb108da2f256286" providerId="LiveId" clId="{9A01F439-0366-4ACC-92A2-5F4FB11B3F26}" dt="2021-07-31T04:27:10.755" v="176" actId="20577"/>
+          <ac:chgData name="Judson Santiago" userId="ebb108da2f256286" providerId="LiveId" clId="{9A01F439-0366-4ACC-92A2-5F4FB11B3F26}" dt="2021-08-02T05:15:07.665" v="1994" actId="1038"/>
           <ac:spMkLst>
             <pc:docMk/>
             <pc:sldMk cId="3616194188" sldId="328"/>
@@ -5264,6 +5281,74 @@
             <ac:grpSpMk id="6" creationId="{6568BE5B-E030-4792-B9B2-0884F3210FBA}"/>
           </ac:grpSpMkLst>
         </pc:grpChg>
+      </pc:sldChg>
+      <pc:sldChg chg="modSp mod">
+        <pc:chgData name="Judson Santiago" userId="ebb108da2f256286" providerId="LiveId" clId="{9A01F439-0366-4ACC-92A2-5F4FB11B3F26}" dt="2021-08-02T05:26:23.112" v="2182" actId="20577"/>
+        <pc:sldMkLst>
+          <pc:docMk/>
+          <pc:sldMk cId="2344508535" sldId="334"/>
+        </pc:sldMkLst>
+        <pc:spChg chg="mod">
+          <ac:chgData name="Judson Santiago" userId="ebb108da2f256286" providerId="LiveId" clId="{9A01F439-0366-4ACC-92A2-5F4FB11B3F26}" dt="2021-08-02T05:26:23.112" v="2182" actId="20577"/>
+          <ac:spMkLst>
+            <pc:docMk/>
+            <pc:sldMk cId="2344508535" sldId="334"/>
+            <ac:spMk id="2" creationId="{00000000-0000-0000-0000-000000000000}"/>
+          </ac:spMkLst>
+        </pc:spChg>
+      </pc:sldChg>
+      <pc:sldChg chg="modSp mod">
+        <pc:chgData name="Judson Santiago" userId="ebb108da2f256286" providerId="LiveId" clId="{9A01F439-0366-4ACC-92A2-5F4FB11B3F26}" dt="2021-08-02T04:04:48.555" v="947" actId="113"/>
+        <pc:sldMkLst>
+          <pc:docMk/>
+          <pc:sldMk cId="3812489390" sldId="335"/>
+        </pc:sldMkLst>
+        <pc:spChg chg="mod">
+          <ac:chgData name="Judson Santiago" userId="ebb108da2f256286" providerId="LiveId" clId="{9A01F439-0366-4ACC-92A2-5F4FB11B3F26}" dt="2021-08-02T04:04:48.555" v="947" actId="113"/>
+          <ac:spMkLst>
+            <pc:docMk/>
+            <pc:sldMk cId="3812489390" sldId="335"/>
+            <ac:spMk id="2" creationId="{00000000-0000-0000-0000-000000000000}"/>
+          </ac:spMkLst>
+        </pc:spChg>
+      </pc:sldChg>
+      <pc:sldChg chg="modNotesTx">
+        <pc:chgData name="Judson Santiago" userId="ebb108da2f256286" providerId="LiveId" clId="{9A01F439-0366-4ACC-92A2-5F4FB11B3F26}" dt="2021-08-02T04:55:22.875" v="1482" actId="20577"/>
+        <pc:sldMkLst>
+          <pc:docMk/>
+          <pc:sldMk cId="4087299910" sldId="337"/>
+        </pc:sldMkLst>
+      </pc:sldChg>
+      <pc:sldChg chg="modSp mod modNotesTx">
+        <pc:chgData name="Judson Santiago" userId="ebb108da2f256286" providerId="LiveId" clId="{9A01F439-0366-4ACC-92A2-5F4FB11B3F26}" dt="2021-08-02T05:06:16.974" v="1690" actId="113"/>
+        <pc:sldMkLst>
+          <pc:docMk/>
+          <pc:sldMk cId="13048297" sldId="338"/>
+        </pc:sldMkLst>
+        <pc:spChg chg="mod">
+          <ac:chgData name="Judson Santiago" userId="ebb108da2f256286" providerId="LiveId" clId="{9A01F439-0366-4ACC-92A2-5F4FB11B3F26}" dt="2021-08-02T05:06:12.474" v="1688" actId="113"/>
+          <ac:spMkLst>
+            <pc:docMk/>
+            <pc:sldMk cId="13048297" sldId="338"/>
+            <ac:spMk id="19" creationId="{1D7EB56F-5709-4676-B1DF-BCC362C41884}"/>
+          </ac:spMkLst>
+        </pc:spChg>
+        <pc:spChg chg="mod">
+          <ac:chgData name="Judson Santiago" userId="ebb108da2f256286" providerId="LiveId" clId="{9A01F439-0366-4ACC-92A2-5F4FB11B3F26}" dt="2021-08-02T05:06:16.974" v="1690" actId="113"/>
+          <ac:spMkLst>
+            <pc:docMk/>
+            <pc:sldMk cId="13048297" sldId="338"/>
+            <ac:spMk id="28" creationId="{A322A2A9-8E83-4C3F-9D7B-2D1003905537}"/>
+          </ac:spMkLst>
+        </pc:spChg>
+        <pc:cxnChg chg="mod">
+          <ac:chgData name="Judson Santiago" userId="ebb108da2f256286" providerId="LiveId" clId="{9A01F439-0366-4ACC-92A2-5F4FB11B3F26}" dt="2021-08-02T05:00:59.840" v="1609" actId="14100"/>
+          <ac:cxnSpMkLst>
+            <pc:docMk/>
+            <pc:sldMk cId="13048297" sldId="338"/>
+            <ac:cxnSpMk id="22" creationId="{00000000-0000-0000-0000-000000000000}"/>
+          </ac:cxnSpMkLst>
+        </pc:cxnChg>
       </pc:sldChg>
       <pc:sldChg chg="addSp delSp modSp mod modNotesTx">
         <pc:chgData name="Judson Santiago" userId="ebb108da2f256286" providerId="LiveId" clId="{9A01F439-0366-4ACC-92A2-5F4FB11B3F26}" dt="2021-07-31T18:04:56.999" v="733" actId="1582"/>
@@ -5328,6 +5413,108 @@
           </ac:cxnSpMkLst>
         </pc:cxnChg>
       </pc:sldChg>
+      <pc:sldChg chg="modSp mod">
+        <pc:chgData name="Judson Santiago" userId="ebb108da2f256286" providerId="LiveId" clId="{9A01F439-0366-4ACC-92A2-5F4FB11B3F26}" dt="2021-08-02T07:01:15.932" v="2281" actId="20577"/>
+        <pc:sldMkLst>
+          <pc:docMk/>
+          <pc:sldMk cId="3028919146" sldId="343"/>
+        </pc:sldMkLst>
+        <pc:spChg chg="mod">
+          <ac:chgData name="Judson Santiago" userId="ebb108da2f256286" providerId="LiveId" clId="{9A01F439-0366-4ACC-92A2-5F4FB11B3F26}" dt="2021-08-02T07:00:57.813" v="2253" actId="20577"/>
+          <ac:spMkLst>
+            <pc:docMk/>
+            <pc:sldMk cId="3028919146" sldId="343"/>
+            <ac:spMk id="25" creationId="{00000000-0000-0000-0000-000000000000}"/>
+          </ac:spMkLst>
+        </pc:spChg>
+        <pc:spChg chg="mod">
+          <ac:chgData name="Judson Santiago" userId="ebb108da2f256286" providerId="LiveId" clId="{9A01F439-0366-4ACC-92A2-5F4FB11B3F26}" dt="2021-08-02T07:01:01.153" v="2257" actId="20577"/>
+          <ac:spMkLst>
+            <pc:docMk/>
+            <pc:sldMk cId="3028919146" sldId="343"/>
+            <ac:spMk id="29" creationId="{00000000-0000-0000-0000-000000000000}"/>
+          </ac:spMkLst>
+        </pc:spChg>
+        <pc:spChg chg="mod">
+          <ac:chgData name="Judson Santiago" userId="ebb108da2f256286" providerId="LiveId" clId="{9A01F439-0366-4ACC-92A2-5F4FB11B3F26}" dt="2021-08-02T07:01:03.583" v="2261" actId="20577"/>
+          <ac:spMkLst>
+            <pc:docMk/>
+            <pc:sldMk cId="3028919146" sldId="343"/>
+            <ac:spMk id="37" creationId="{00000000-0000-0000-0000-000000000000}"/>
+          </ac:spMkLst>
+        </pc:spChg>
+        <pc:spChg chg="mod">
+          <ac:chgData name="Judson Santiago" userId="ebb108da2f256286" providerId="LiveId" clId="{9A01F439-0366-4ACC-92A2-5F4FB11B3F26}" dt="2021-08-02T07:01:06.153" v="2265" actId="20577"/>
+          <ac:spMkLst>
+            <pc:docMk/>
+            <pc:sldMk cId="3028919146" sldId="343"/>
+            <ac:spMk id="38" creationId="{00000000-0000-0000-0000-000000000000}"/>
+          </ac:spMkLst>
+        </pc:spChg>
+        <pc:spChg chg="mod">
+          <ac:chgData name="Judson Santiago" userId="ebb108da2f256286" providerId="LiveId" clId="{9A01F439-0366-4ACC-92A2-5F4FB11B3F26}" dt="2021-08-02T07:01:08.552" v="2269" actId="20577"/>
+          <ac:spMkLst>
+            <pc:docMk/>
+            <pc:sldMk cId="3028919146" sldId="343"/>
+            <ac:spMk id="39" creationId="{00000000-0000-0000-0000-000000000000}"/>
+          </ac:spMkLst>
+        </pc:spChg>
+        <pc:spChg chg="mod">
+          <ac:chgData name="Judson Santiago" userId="ebb108da2f256286" providerId="LiveId" clId="{9A01F439-0366-4ACC-92A2-5F4FB11B3F26}" dt="2021-08-02T07:01:10.713" v="2273" actId="20577"/>
+          <ac:spMkLst>
+            <pc:docMk/>
+            <pc:sldMk cId="3028919146" sldId="343"/>
+            <ac:spMk id="40" creationId="{00000000-0000-0000-0000-000000000000}"/>
+          </ac:spMkLst>
+        </pc:spChg>
+        <pc:spChg chg="mod">
+          <ac:chgData name="Judson Santiago" userId="ebb108da2f256286" providerId="LiveId" clId="{9A01F439-0366-4ACC-92A2-5F4FB11B3F26}" dt="2021-08-02T07:01:13.103" v="2277" actId="20577"/>
+          <ac:spMkLst>
+            <pc:docMk/>
+            <pc:sldMk cId="3028919146" sldId="343"/>
+            <ac:spMk id="41" creationId="{00000000-0000-0000-0000-000000000000}"/>
+          </ac:spMkLst>
+        </pc:spChg>
+        <pc:spChg chg="mod">
+          <ac:chgData name="Judson Santiago" userId="ebb108da2f256286" providerId="LiveId" clId="{9A01F439-0366-4ACC-92A2-5F4FB11B3F26}" dt="2021-08-02T07:01:15.932" v="2281" actId="20577"/>
+          <ac:spMkLst>
+            <pc:docMk/>
+            <pc:sldMk cId="3028919146" sldId="343"/>
+            <ac:spMk id="42" creationId="{00000000-0000-0000-0000-000000000000}"/>
+          </ac:spMkLst>
+        </pc:spChg>
+      </pc:sldChg>
+      <pc:sldChg chg="modSp mod">
+        <pc:chgData name="Judson Santiago" userId="ebb108da2f256286" providerId="LiveId" clId="{9A01F439-0366-4ACC-92A2-5F4FB11B3F26}" dt="2021-08-02T06:59:09.595" v="2217" actId="1037"/>
+        <pc:sldMkLst>
+          <pc:docMk/>
+          <pc:sldMk cId="1953005069" sldId="344"/>
+        </pc:sldMkLst>
+        <pc:spChg chg="mod">
+          <ac:chgData name="Judson Santiago" userId="ebb108da2f256286" providerId="LiveId" clId="{9A01F439-0366-4ACC-92A2-5F4FB11B3F26}" dt="2021-08-02T06:58:56.165" v="2206" actId="1037"/>
+          <ac:spMkLst>
+            <pc:docMk/>
+            <pc:sldMk cId="1953005069" sldId="344"/>
+            <ac:spMk id="14" creationId="{00000000-0000-0000-0000-000000000000}"/>
+          </ac:spMkLst>
+        </pc:spChg>
+        <pc:spChg chg="mod">
+          <ac:chgData name="Judson Santiago" userId="ebb108da2f256286" providerId="LiveId" clId="{9A01F439-0366-4ACC-92A2-5F4FB11B3F26}" dt="2021-08-02T06:59:02.915" v="2212" actId="1037"/>
+          <ac:spMkLst>
+            <pc:docMk/>
+            <pc:sldMk cId="1953005069" sldId="344"/>
+            <ac:spMk id="20" creationId="{00000000-0000-0000-0000-000000000000}"/>
+          </ac:spMkLst>
+        </pc:spChg>
+        <pc:spChg chg="mod">
+          <ac:chgData name="Judson Santiago" userId="ebb108da2f256286" providerId="LiveId" clId="{9A01F439-0366-4ACC-92A2-5F4FB11B3F26}" dt="2021-08-02T06:59:09.595" v="2217" actId="1037"/>
+          <ac:spMkLst>
+            <pc:docMk/>
+            <pc:sldMk cId="1953005069" sldId="344"/>
+            <ac:spMk id="23" creationId="{00000000-0000-0000-0000-000000000000}"/>
+          </ac:spMkLst>
+        </pc:spChg>
+      </pc:sldChg>
       <pc:sldChg chg="addSp delSp modSp mod">
         <pc:chgData name="Judson Santiago" userId="ebb108da2f256286" providerId="LiveId" clId="{9A01F439-0366-4ACC-92A2-5F4FB11B3F26}" dt="2021-07-31T17:23:25.734" v="313" actId="164"/>
         <pc:sldMkLst>
@@ -5430,6 +5617,148 @@
             <ac:cxnSpMk id="33" creationId="{B60EF53E-855F-4A34-BF4A-DEE135C03643}"/>
           </ac:cxnSpMkLst>
         </pc:cxnChg>
+      </pc:sldChg>
+      <pc:sldChg chg="modSp mod modNotesTx">
+        <pc:chgData name="Judson Santiago" userId="ebb108da2f256286" providerId="LiveId" clId="{9A01F439-0366-4ACC-92A2-5F4FB11B3F26}" dt="2021-08-02T07:13:54.602" v="2450" actId="20577"/>
+        <pc:sldMkLst>
+          <pc:docMk/>
+          <pc:sldMk cId="551671186" sldId="347"/>
+        </pc:sldMkLst>
+        <pc:spChg chg="mod">
+          <ac:chgData name="Judson Santiago" userId="ebb108da2f256286" providerId="LiveId" clId="{9A01F439-0366-4ACC-92A2-5F4FB11B3F26}" dt="2021-08-02T07:08:45.269" v="2286" actId="20577"/>
+          <ac:spMkLst>
+            <pc:docMk/>
+            <pc:sldMk cId="551671186" sldId="347"/>
+            <ac:spMk id="14" creationId="{00000000-0000-0000-0000-000000000000}"/>
+          </ac:spMkLst>
+        </pc:spChg>
+        <pc:spChg chg="mod">
+          <ac:chgData name="Judson Santiago" userId="ebb108da2f256286" providerId="LiveId" clId="{9A01F439-0366-4ACC-92A2-5F4FB11B3F26}" dt="2021-08-02T07:09:19.940" v="2298" actId="20577"/>
+          <ac:spMkLst>
+            <pc:docMk/>
+            <pc:sldMk cId="551671186" sldId="347"/>
+            <ac:spMk id="19" creationId="{00000000-0000-0000-0000-000000000000}"/>
+          </ac:spMkLst>
+        </pc:spChg>
+        <pc:spChg chg="mod">
+          <ac:chgData name="Judson Santiago" userId="ebb108da2f256286" providerId="LiveId" clId="{9A01F439-0366-4ACC-92A2-5F4FB11B3F26}" dt="2021-08-02T07:08:37.253" v="2283" actId="20577"/>
+          <ac:spMkLst>
+            <pc:docMk/>
+            <pc:sldMk cId="551671186" sldId="347"/>
+            <ac:spMk id="27" creationId="{00000000-0000-0000-0000-000000000000}"/>
+          </ac:spMkLst>
+        </pc:spChg>
+        <pc:spChg chg="mod">
+          <ac:chgData name="Judson Santiago" userId="ebb108da2f256286" providerId="LiveId" clId="{9A01F439-0366-4ACC-92A2-5F4FB11B3F26}" dt="2021-08-02T07:09:15.629" v="2297" actId="20577"/>
+          <ac:spMkLst>
+            <pc:docMk/>
+            <pc:sldMk cId="551671186" sldId="347"/>
+            <ac:spMk id="31" creationId="{00000000-0000-0000-0000-000000000000}"/>
+          </ac:spMkLst>
+        </pc:spChg>
+        <pc:spChg chg="mod">
+          <ac:chgData name="Judson Santiago" userId="ebb108da2f256286" providerId="LiveId" clId="{9A01F439-0366-4ACC-92A2-5F4FB11B3F26}" dt="2021-08-02T07:09:09.621" v="2293" actId="20577"/>
+          <ac:spMkLst>
+            <pc:docMk/>
+            <pc:sldMk cId="551671186" sldId="347"/>
+            <ac:spMk id="38" creationId="{00000000-0000-0000-0000-000000000000}"/>
+          </ac:spMkLst>
+        </pc:spChg>
+        <pc:spChg chg="mod">
+          <ac:chgData name="Judson Santiago" userId="ebb108da2f256286" providerId="LiveId" clId="{9A01F439-0366-4ACC-92A2-5F4FB11B3F26}" dt="2021-08-02T07:08:48.854" v="2287" actId="20577"/>
+          <ac:spMkLst>
+            <pc:docMk/>
+            <pc:sldMk cId="551671186" sldId="347"/>
+            <ac:spMk id="40" creationId="{00000000-0000-0000-0000-000000000000}"/>
+          </ac:spMkLst>
+        </pc:spChg>
+        <pc:spChg chg="mod">
+          <ac:chgData name="Judson Santiago" userId="ebb108da2f256286" providerId="LiveId" clId="{9A01F439-0366-4ACC-92A2-5F4FB11B3F26}" dt="2021-08-02T07:09:06.677" v="2292" actId="20577"/>
+          <ac:spMkLst>
+            <pc:docMk/>
+            <pc:sldMk cId="551671186" sldId="347"/>
+            <ac:spMk id="43" creationId="{00000000-0000-0000-0000-000000000000}"/>
+          </ac:spMkLst>
+        </pc:spChg>
+        <pc:spChg chg="mod">
+          <ac:chgData name="Judson Santiago" userId="ebb108da2f256286" providerId="LiveId" clId="{9A01F439-0366-4ACC-92A2-5F4FB11B3F26}" dt="2021-08-02T07:08:54.037" v="2290" actId="20577"/>
+          <ac:spMkLst>
+            <pc:docMk/>
+            <pc:sldMk cId="551671186" sldId="347"/>
+            <ac:spMk id="45" creationId="{00000000-0000-0000-0000-000000000000}"/>
+          </ac:spMkLst>
+        </pc:spChg>
+        <pc:spChg chg="mod">
+          <ac:chgData name="Judson Santiago" userId="ebb108da2f256286" providerId="LiveId" clId="{9A01F439-0366-4ACC-92A2-5F4FB11B3F26}" dt="2021-08-02T07:08:33.389" v="2282" actId="20577"/>
+          <ac:spMkLst>
+            <pc:docMk/>
+            <pc:sldMk cId="551671186" sldId="347"/>
+            <ac:spMk id="52" creationId="{00000000-0000-0000-0000-000000000000}"/>
+          </ac:spMkLst>
+        </pc:spChg>
+        <pc:spChg chg="mod">
+          <ac:chgData name="Judson Santiago" userId="ebb108da2f256286" providerId="LiveId" clId="{9A01F439-0366-4ACC-92A2-5F4FB11B3F26}" dt="2021-08-02T07:09:23.013" v="2299" actId="20577"/>
+          <ac:spMkLst>
+            <pc:docMk/>
+            <pc:sldMk cId="551671186" sldId="347"/>
+            <ac:spMk id="54" creationId="{00000000-0000-0000-0000-000000000000}"/>
+          </ac:spMkLst>
+        </pc:spChg>
+      </pc:sldChg>
+      <pc:sldChg chg="modSp mod">
+        <pc:chgData name="Judson Santiago" userId="ebb108da2f256286" providerId="LiveId" clId="{9A01F439-0366-4ACC-92A2-5F4FB11B3F26}" dt="2021-08-02T07:15:47.226" v="2470" actId="20577"/>
+        <pc:sldMkLst>
+          <pc:docMk/>
+          <pc:sldMk cId="1616468799" sldId="350"/>
+        </pc:sldMkLst>
+        <pc:spChg chg="mod">
+          <ac:chgData name="Judson Santiago" userId="ebb108da2f256286" providerId="LiveId" clId="{9A01F439-0366-4ACC-92A2-5F4FB11B3F26}" dt="2021-08-02T07:15:34.570" v="2458" actId="20577"/>
+          <ac:spMkLst>
+            <pc:docMk/>
+            <pc:sldMk cId="1616468799" sldId="350"/>
+            <ac:spMk id="10" creationId="{00000000-0000-0000-0000-000000000000}"/>
+          </ac:spMkLst>
+        </pc:spChg>
+        <pc:spChg chg="mod">
+          <ac:chgData name="Judson Santiago" userId="ebb108da2f256286" providerId="LiveId" clId="{9A01F439-0366-4ACC-92A2-5F4FB11B3F26}" dt="2021-08-02T07:15:38.945" v="2462" actId="20577"/>
+          <ac:spMkLst>
+            <pc:docMk/>
+            <pc:sldMk cId="1616468799" sldId="350"/>
+            <ac:spMk id="11" creationId="{00000000-0000-0000-0000-000000000000}"/>
+          </ac:spMkLst>
+        </pc:spChg>
+        <pc:spChg chg="mod">
+          <ac:chgData name="Judson Santiago" userId="ebb108da2f256286" providerId="LiveId" clId="{9A01F439-0366-4ACC-92A2-5F4FB11B3F26}" dt="2021-08-02T07:15:42.986" v="2466" actId="20577"/>
+          <ac:spMkLst>
+            <pc:docMk/>
+            <pc:sldMk cId="1616468799" sldId="350"/>
+            <ac:spMk id="15" creationId="{00000000-0000-0000-0000-000000000000}"/>
+          </ac:spMkLst>
+        </pc:spChg>
+        <pc:spChg chg="mod">
+          <ac:chgData name="Judson Santiago" userId="ebb108da2f256286" providerId="LiveId" clId="{9A01F439-0366-4ACC-92A2-5F4FB11B3F26}" dt="2021-08-02T07:15:47.226" v="2470" actId="20577"/>
+          <ac:spMkLst>
+            <pc:docMk/>
+            <pc:sldMk cId="1616468799" sldId="350"/>
+            <ac:spMk id="19" creationId="{00000000-0000-0000-0000-000000000000}"/>
+          </ac:spMkLst>
+        </pc:spChg>
+        <pc:spChg chg="mod">
+          <ac:chgData name="Judson Santiago" userId="ebb108da2f256286" providerId="LiveId" clId="{9A01F439-0366-4ACC-92A2-5F4FB11B3F26}" dt="2021-08-02T07:15:25.114" v="2452" actId="6549"/>
+          <ac:spMkLst>
+            <pc:docMk/>
+            <pc:sldMk cId="1616468799" sldId="350"/>
+            <ac:spMk id="34" creationId="{00000000-0000-0000-0000-000000000000}"/>
+          </ac:spMkLst>
+        </pc:spChg>
+        <pc:spChg chg="mod">
+          <ac:chgData name="Judson Santiago" userId="ebb108da2f256286" providerId="LiveId" clId="{9A01F439-0366-4ACC-92A2-5F4FB11B3F26}" dt="2021-08-02T07:15:30.002" v="2454" actId="6549"/>
+          <ac:spMkLst>
+            <pc:docMk/>
+            <pc:sldMk cId="1616468799" sldId="350"/>
+            <ac:spMk id="35" creationId="{00000000-0000-0000-0000-000000000000}"/>
+          </ac:spMkLst>
+        </pc:spChg>
       </pc:sldChg>
       <pc:sldChg chg="addSp modSp mod">
         <pc:chgData name="Judson Santiago" userId="ebb108da2f256286" providerId="LiveId" clId="{9A01F439-0366-4ACC-92A2-5F4FB11B3F26}" dt="2021-07-31T17:55:55.745" v="732" actId="1076"/>
@@ -5517,8 +5846,23 @@
           <pc:sldMk cId="2641470585" sldId="368"/>
         </pc:sldMkLst>
       </pc:sldChg>
+      <pc:sldChg chg="modSp mod">
+        <pc:chgData name="Judson Santiago" userId="ebb108da2f256286" providerId="LiveId" clId="{9A01F439-0366-4ACC-92A2-5F4FB11B3F26}" dt="2021-08-02T05:32:33.656" v="2189" actId="20577"/>
+        <pc:sldMkLst>
+          <pc:docMk/>
+          <pc:sldMk cId="833684812" sldId="370"/>
+        </pc:sldMkLst>
+        <pc:spChg chg="mod">
+          <ac:chgData name="Judson Santiago" userId="ebb108da2f256286" providerId="LiveId" clId="{9A01F439-0366-4ACC-92A2-5F4FB11B3F26}" dt="2021-08-02T05:32:33.656" v="2189" actId="20577"/>
+          <ac:spMkLst>
+            <pc:docMk/>
+            <pc:sldMk cId="833684812" sldId="370"/>
+            <ac:spMk id="4" creationId="{00000000-0000-0000-0000-000000000000}"/>
+          </ac:spMkLst>
+        </pc:spChg>
+      </pc:sldChg>
       <pc:sldChg chg="addSp delSp modSp mod">
-        <pc:chgData name="Judson Santiago" userId="ebb108da2f256286" providerId="LiveId" clId="{9A01F439-0366-4ACC-92A2-5F4FB11B3F26}" dt="2021-07-31T04:21:51.998" v="134" actId="1036"/>
+        <pc:chgData name="Judson Santiago" userId="ebb108da2f256286" providerId="LiveId" clId="{9A01F439-0366-4ACC-92A2-5F4FB11B3F26}" dt="2021-08-02T05:04:08.686" v="1685" actId="14100"/>
         <pc:sldMkLst>
           <pc:docMk/>
           <pc:sldMk cId="2826300944" sldId="373"/>
@@ -5540,7 +5884,7 @@
           </ac:spMkLst>
         </pc:spChg>
         <pc:spChg chg="mod topLvl">
-          <ac:chgData name="Judson Santiago" userId="ebb108da2f256286" providerId="LiveId" clId="{9A01F439-0366-4ACC-92A2-5F4FB11B3F26}" dt="2021-07-31T04:15:14.740" v="19" actId="165"/>
+          <ac:chgData name="Judson Santiago" userId="ebb108da2f256286" providerId="LiveId" clId="{9A01F439-0366-4ACC-92A2-5F4FB11B3F26}" dt="2021-08-02T05:03:51.307" v="1669" actId="1036"/>
           <ac:spMkLst>
             <pc:docMk/>
             <pc:sldMk cId="2826300944" sldId="373"/>
@@ -5548,7 +5892,7 @@
           </ac:spMkLst>
         </pc:spChg>
         <pc:spChg chg="mod topLvl">
-          <ac:chgData name="Judson Santiago" userId="ebb108da2f256286" providerId="LiveId" clId="{9A01F439-0366-4ACC-92A2-5F4FB11B3F26}" dt="2021-07-31T04:15:14.740" v="19" actId="165"/>
+          <ac:chgData name="Judson Santiago" userId="ebb108da2f256286" providerId="LiveId" clId="{9A01F439-0366-4ACC-92A2-5F4FB11B3F26}" dt="2021-08-02T05:03:51.307" v="1669" actId="1036"/>
           <ac:spMkLst>
             <pc:docMk/>
             <pc:sldMk cId="2826300944" sldId="373"/>
@@ -5556,7 +5900,7 @@
           </ac:spMkLst>
         </pc:spChg>
         <pc:spChg chg="mod topLvl">
-          <ac:chgData name="Judson Santiago" userId="ebb108da2f256286" providerId="LiveId" clId="{9A01F439-0366-4ACC-92A2-5F4FB11B3F26}" dt="2021-07-31T04:15:14.740" v="19" actId="165"/>
+          <ac:chgData name="Judson Santiago" userId="ebb108da2f256286" providerId="LiveId" clId="{9A01F439-0366-4ACC-92A2-5F4FB11B3F26}" dt="2021-08-02T05:03:51.307" v="1669" actId="1036"/>
           <ac:spMkLst>
             <pc:docMk/>
             <pc:sldMk cId="2826300944" sldId="373"/>
@@ -5564,7 +5908,7 @@
           </ac:spMkLst>
         </pc:spChg>
         <pc:spChg chg="mod topLvl">
-          <ac:chgData name="Judson Santiago" userId="ebb108da2f256286" providerId="LiveId" clId="{9A01F439-0366-4ACC-92A2-5F4FB11B3F26}" dt="2021-07-31T04:15:14.740" v="19" actId="165"/>
+          <ac:chgData name="Judson Santiago" userId="ebb108da2f256286" providerId="LiveId" clId="{9A01F439-0366-4ACC-92A2-5F4FB11B3F26}" dt="2021-08-02T05:03:51.307" v="1669" actId="1036"/>
           <ac:spMkLst>
             <pc:docMk/>
             <pc:sldMk cId="2826300944" sldId="373"/>
@@ -5572,7 +5916,7 @@
           </ac:spMkLst>
         </pc:spChg>
         <pc:spChg chg="mod topLvl">
-          <ac:chgData name="Judson Santiago" userId="ebb108da2f256286" providerId="LiveId" clId="{9A01F439-0366-4ACC-92A2-5F4FB11B3F26}" dt="2021-07-31T04:16:05.004" v="26" actId="12788"/>
+          <ac:chgData name="Judson Santiago" userId="ebb108da2f256286" providerId="LiveId" clId="{9A01F439-0366-4ACC-92A2-5F4FB11B3F26}" dt="2021-08-02T05:03:51.307" v="1669" actId="1036"/>
           <ac:spMkLst>
             <pc:docMk/>
             <pc:sldMk cId="2826300944" sldId="373"/>
@@ -5580,7 +5924,7 @@
           </ac:spMkLst>
         </pc:spChg>
         <pc:spChg chg="mod topLvl">
-          <ac:chgData name="Judson Santiago" userId="ebb108da2f256286" providerId="LiveId" clId="{9A01F439-0366-4ACC-92A2-5F4FB11B3F26}" dt="2021-07-31T04:16:05.004" v="26" actId="12788"/>
+          <ac:chgData name="Judson Santiago" userId="ebb108da2f256286" providerId="LiveId" clId="{9A01F439-0366-4ACC-92A2-5F4FB11B3F26}" dt="2021-08-02T05:03:51.307" v="1669" actId="1036"/>
           <ac:spMkLst>
             <pc:docMk/>
             <pc:sldMk cId="2826300944" sldId="373"/>
@@ -5588,7 +5932,7 @@
           </ac:spMkLst>
         </pc:spChg>
         <pc:spChg chg="mod topLvl">
-          <ac:chgData name="Judson Santiago" userId="ebb108da2f256286" providerId="LiveId" clId="{9A01F439-0366-4ACC-92A2-5F4FB11B3F26}" dt="2021-07-31T04:15:14.740" v="19" actId="165"/>
+          <ac:chgData name="Judson Santiago" userId="ebb108da2f256286" providerId="LiveId" clId="{9A01F439-0366-4ACC-92A2-5F4FB11B3F26}" dt="2021-08-02T05:03:51.307" v="1669" actId="1036"/>
           <ac:spMkLst>
             <pc:docMk/>
             <pc:sldMk cId="2826300944" sldId="373"/>
@@ -5596,7 +5940,7 @@
           </ac:spMkLst>
         </pc:spChg>
         <pc:spChg chg="mod topLvl">
-          <ac:chgData name="Judson Santiago" userId="ebb108da2f256286" providerId="LiveId" clId="{9A01F439-0366-4ACC-92A2-5F4FB11B3F26}" dt="2021-07-31T04:15:14.740" v="19" actId="165"/>
+          <ac:chgData name="Judson Santiago" userId="ebb108da2f256286" providerId="LiveId" clId="{9A01F439-0366-4ACC-92A2-5F4FB11B3F26}" dt="2021-08-02T05:03:59.626" v="1683" actId="1035"/>
           <ac:spMkLst>
             <pc:docMk/>
             <pc:sldMk cId="2826300944" sldId="373"/>
@@ -5604,7 +5948,7 @@
           </ac:spMkLst>
         </pc:spChg>
         <pc:spChg chg="mod topLvl">
-          <ac:chgData name="Judson Santiago" userId="ebb108da2f256286" providerId="LiveId" clId="{9A01F439-0366-4ACC-92A2-5F4FB11B3F26}" dt="2021-07-31T04:21:51.998" v="134" actId="1036"/>
+          <ac:chgData name="Judson Santiago" userId="ebb108da2f256286" providerId="LiveId" clId="{9A01F439-0366-4ACC-92A2-5F4FB11B3F26}" dt="2021-08-02T05:03:51.307" v="1669" actId="1036"/>
           <ac:spMkLst>
             <pc:docMk/>
             <pc:sldMk cId="2826300944" sldId="373"/>
@@ -5660,7 +6004,7 @@
           </ac:spMkLst>
         </pc:spChg>
         <pc:spChg chg="mod topLvl">
-          <ac:chgData name="Judson Santiago" userId="ebb108da2f256286" providerId="LiveId" clId="{9A01F439-0366-4ACC-92A2-5F4FB11B3F26}" dt="2021-07-31T04:15:14.740" v="19" actId="165"/>
+          <ac:chgData name="Judson Santiago" userId="ebb108da2f256286" providerId="LiveId" clId="{9A01F439-0366-4ACC-92A2-5F4FB11B3F26}" dt="2021-08-02T05:03:59.626" v="1683" actId="1035"/>
           <ac:spMkLst>
             <pc:docMk/>
             <pc:sldMk cId="2826300944" sldId="373"/>
@@ -5748,7 +6092,7 @@
           </ac:spMkLst>
         </pc:spChg>
         <pc:grpChg chg="mod topLvl">
-          <ac:chgData name="Judson Santiago" userId="ebb108da2f256286" providerId="LiveId" clId="{9A01F439-0366-4ACC-92A2-5F4FB11B3F26}" dt="2021-07-31T04:20:17.116" v="91" actId="1076"/>
+          <ac:chgData name="Judson Santiago" userId="ebb108da2f256286" providerId="LiveId" clId="{9A01F439-0366-4ACC-92A2-5F4FB11B3F26}" dt="2021-08-02T05:03:59.626" v="1683" actId="1035"/>
           <ac:grpSpMkLst>
             <pc:docMk/>
             <pc:sldMk cId="2826300944" sldId="373"/>
@@ -5764,7 +6108,7 @@
           </ac:grpSpMkLst>
         </pc:grpChg>
         <pc:cxnChg chg="mod topLvl">
-          <ac:chgData name="Judson Santiago" userId="ebb108da2f256286" providerId="LiveId" clId="{9A01F439-0366-4ACC-92A2-5F4FB11B3F26}" dt="2021-07-31T04:16:05.004" v="26" actId="12788"/>
+          <ac:chgData name="Judson Santiago" userId="ebb108da2f256286" providerId="LiveId" clId="{9A01F439-0366-4ACC-92A2-5F4FB11B3F26}" dt="2021-08-02T05:03:51.307" v="1669" actId="1036"/>
           <ac:cxnSpMkLst>
             <pc:docMk/>
             <pc:sldMk cId="2826300944" sldId="373"/>
@@ -5772,7 +6116,7 @@
           </ac:cxnSpMkLst>
         </pc:cxnChg>
         <pc:cxnChg chg="mod topLvl">
-          <ac:chgData name="Judson Santiago" userId="ebb108da2f256286" providerId="LiveId" clId="{9A01F439-0366-4ACC-92A2-5F4FB11B3F26}" dt="2021-07-31T04:16:05.004" v="26" actId="12788"/>
+          <ac:chgData name="Judson Santiago" userId="ebb108da2f256286" providerId="LiveId" clId="{9A01F439-0366-4ACC-92A2-5F4FB11B3F26}" dt="2021-08-02T05:03:51.307" v="1669" actId="1036"/>
           <ac:cxnSpMkLst>
             <pc:docMk/>
             <pc:sldMk cId="2826300944" sldId="373"/>
@@ -5780,7 +6124,7 @@
           </ac:cxnSpMkLst>
         </pc:cxnChg>
         <pc:cxnChg chg="mod topLvl">
-          <ac:chgData name="Judson Santiago" userId="ebb108da2f256286" providerId="LiveId" clId="{9A01F439-0366-4ACC-92A2-5F4FB11B3F26}" dt="2021-07-31T04:20:17.116" v="91" actId="1076"/>
+          <ac:chgData name="Judson Santiago" userId="ebb108da2f256286" providerId="LiveId" clId="{9A01F439-0366-4ACC-92A2-5F4FB11B3F26}" dt="2021-08-02T05:04:08.686" v="1685" actId="14100"/>
           <ac:cxnSpMkLst>
             <pc:docMk/>
             <pc:sldMk cId="2826300944" sldId="373"/>
@@ -5788,7 +6132,7 @@
           </ac:cxnSpMkLst>
         </pc:cxnChg>
         <pc:cxnChg chg="mod topLvl">
-          <ac:chgData name="Judson Santiago" userId="ebb108da2f256286" providerId="LiveId" clId="{9A01F439-0366-4ACC-92A2-5F4FB11B3F26}" dt="2021-07-31T04:20:17.116" v="91" actId="1076"/>
+          <ac:chgData name="Judson Santiago" userId="ebb108da2f256286" providerId="LiveId" clId="{9A01F439-0366-4ACC-92A2-5F4FB11B3F26}" dt="2021-08-02T05:03:59.626" v="1683" actId="1035"/>
           <ac:cxnSpMkLst>
             <pc:docMk/>
             <pc:sldMk cId="2826300944" sldId="373"/>
@@ -5796,7 +6140,7 @@
           </ac:cxnSpMkLst>
         </pc:cxnChg>
         <pc:cxnChg chg="mod topLvl">
-          <ac:chgData name="Judson Santiago" userId="ebb108da2f256286" providerId="LiveId" clId="{9A01F439-0366-4ACC-92A2-5F4FB11B3F26}" dt="2021-07-31T04:15:14.740" v="19" actId="165"/>
+          <ac:chgData name="Judson Santiago" userId="ebb108da2f256286" providerId="LiveId" clId="{9A01F439-0366-4ACC-92A2-5F4FB11B3F26}" dt="2021-08-02T05:03:59.626" v="1683" actId="1035"/>
           <ac:cxnSpMkLst>
             <pc:docMk/>
             <pc:sldMk cId="2826300944" sldId="373"/>
@@ -5804,7 +6148,7 @@
           </ac:cxnSpMkLst>
         </pc:cxnChg>
         <pc:cxnChg chg="mod topLvl">
-          <ac:chgData name="Judson Santiago" userId="ebb108da2f256286" providerId="LiveId" clId="{9A01F439-0366-4ACC-92A2-5F4FB11B3F26}" dt="2021-07-31T04:15:14.740" v="19" actId="165"/>
+          <ac:chgData name="Judson Santiago" userId="ebb108da2f256286" providerId="LiveId" clId="{9A01F439-0366-4ACC-92A2-5F4FB11B3F26}" dt="2021-08-02T05:03:51.307" v="1669" actId="1036"/>
           <ac:cxnSpMkLst>
             <pc:docMk/>
             <pc:sldMk cId="2826300944" sldId="373"/>
@@ -5819,6 +6163,92 @@
             <ac:cxnSpMk id="34" creationId="{8F4B8E01-BE28-4611-ADD8-8BE371AB4C10}"/>
           </ac:cxnSpMkLst>
         </pc:cxnChg>
+      </pc:sldChg>
+      <pc:sldChg chg="modSp mod">
+        <pc:chgData name="Judson Santiago" userId="ebb108da2f256286" providerId="LiveId" clId="{9A01F439-0366-4ACC-92A2-5F4FB11B3F26}" dt="2021-08-02T07:00:30.113" v="2249" actId="20577"/>
+        <pc:sldMkLst>
+          <pc:docMk/>
+          <pc:sldMk cId="3815613831" sldId="375"/>
+        </pc:sldMkLst>
+        <pc:spChg chg="mod">
+          <ac:chgData name="Judson Santiago" userId="ebb108da2f256286" providerId="LiveId" clId="{9A01F439-0366-4ACC-92A2-5F4FB11B3F26}" dt="2021-08-02T07:00:21.863" v="2237" actId="20577"/>
+          <ac:spMkLst>
+            <pc:docMk/>
+            <pc:sldMk cId="3815613831" sldId="375"/>
+            <ac:spMk id="11" creationId="{9FA7BD58-C68D-4748-8645-F930106E51E3}"/>
+          </ac:spMkLst>
+        </pc:spChg>
+        <pc:spChg chg="mod">
+          <ac:chgData name="Judson Santiago" userId="ebb108da2f256286" providerId="LiveId" clId="{9A01F439-0366-4ACC-92A2-5F4FB11B3F26}" dt="2021-08-02T07:00:25.043" v="2241" actId="20577"/>
+          <ac:spMkLst>
+            <pc:docMk/>
+            <pc:sldMk cId="3815613831" sldId="375"/>
+            <ac:spMk id="12" creationId="{E1B5CCDA-3D5E-44AA-B0FD-B6C6730832FD}"/>
+          </ac:spMkLst>
+        </pc:spChg>
+        <pc:spChg chg="mod">
+          <ac:chgData name="Judson Santiago" userId="ebb108da2f256286" providerId="LiveId" clId="{9A01F439-0366-4ACC-92A2-5F4FB11B3F26}" dt="2021-08-02T07:00:27.603" v="2245" actId="20577"/>
+          <ac:spMkLst>
+            <pc:docMk/>
+            <pc:sldMk cId="3815613831" sldId="375"/>
+            <ac:spMk id="16" creationId="{965DE21C-8AFD-47A1-ADA0-EDC6139C09B4}"/>
+          </ac:spMkLst>
+        </pc:spChg>
+        <pc:spChg chg="mod">
+          <ac:chgData name="Judson Santiago" userId="ebb108da2f256286" providerId="LiveId" clId="{9A01F439-0366-4ACC-92A2-5F4FB11B3F26}" dt="2021-08-02T07:00:30.113" v="2249" actId="20577"/>
+          <ac:spMkLst>
+            <pc:docMk/>
+            <pc:sldMk cId="3815613831" sldId="375"/>
+            <ac:spMk id="20" creationId="{8E72DB22-B7A4-4C99-B7C2-BF1851367E8E}"/>
+          </ac:spMkLst>
+        </pc:spChg>
+        <pc:spChg chg="mod">
+          <ac:chgData name="Judson Santiago" userId="ebb108da2f256286" providerId="LiveId" clId="{9A01F439-0366-4ACC-92A2-5F4FB11B3F26}" dt="2021-08-02T06:59:49.644" v="2225" actId="20577"/>
+          <ac:spMkLst>
+            <pc:docMk/>
+            <pc:sldMk cId="3815613831" sldId="375"/>
+            <ac:spMk id="29" creationId="{B196B340-D300-4663-933B-AE200D5C4D45}"/>
+          </ac:spMkLst>
+        </pc:spChg>
+        <pc:spChg chg="mod">
+          <ac:chgData name="Judson Santiago" userId="ebb108da2f256286" providerId="LiveId" clId="{9A01F439-0366-4ACC-92A2-5F4FB11B3F26}" dt="2021-08-02T06:59:52.944" v="2229" actId="20577"/>
+          <ac:spMkLst>
+            <pc:docMk/>
+            <pc:sldMk cId="3815613831" sldId="375"/>
+            <ac:spMk id="30" creationId="{354B41CA-F986-4C18-BE73-1C805A6CD170}"/>
+          </ac:spMkLst>
+        </pc:spChg>
+        <pc:spChg chg="mod">
+          <ac:chgData name="Judson Santiago" userId="ebb108da2f256286" providerId="LiveId" clId="{9A01F439-0366-4ACC-92A2-5F4FB11B3F26}" dt="2021-08-02T07:00:18.853" v="2233" actId="20577"/>
+          <ac:spMkLst>
+            <pc:docMk/>
+            <pc:sldMk cId="3815613831" sldId="375"/>
+            <ac:spMk id="34" creationId="{3E1ACC75-A42B-4BFE-A217-BDD4C2EADA36}"/>
+          </ac:spMkLst>
+        </pc:spChg>
+        <pc:spChg chg="mod">
+          <ac:chgData name="Judson Santiago" userId="ebb108da2f256286" providerId="LiveId" clId="{9A01F439-0366-4ACC-92A2-5F4FB11B3F26}" dt="2021-08-02T06:59:45.664" v="2221" actId="20577"/>
+          <ac:spMkLst>
+            <pc:docMk/>
+            <pc:sldMk cId="3815613831" sldId="375"/>
+            <ac:spMk id="38" creationId="{93BC7DE8-8203-4E08-ADA1-E97685BAB202}"/>
+          </ac:spMkLst>
+        </pc:spChg>
+      </pc:sldChg>
+      <pc:sldChg chg="modSp mod">
+        <pc:chgData name="Judson Santiago" userId="ebb108da2f256286" providerId="LiveId" clId="{9A01F439-0366-4ACC-92A2-5F4FB11B3F26}" dt="2021-08-02T07:39:37.479" v="2479" actId="20577"/>
+        <pc:sldMkLst>
+          <pc:docMk/>
+          <pc:sldMk cId="2363922116" sldId="376"/>
+        </pc:sldMkLst>
+        <pc:spChg chg="mod">
+          <ac:chgData name="Judson Santiago" userId="ebb108da2f256286" providerId="LiveId" clId="{9A01F439-0366-4ACC-92A2-5F4FB11B3F26}" dt="2021-08-02T07:39:37.479" v="2479" actId="20577"/>
+          <ac:spMkLst>
+            <pc:docMk/>
+            <pc:sldMk cId="2363922116" sldId="376"/>
+            <ac:spMk id="3" creationId="{7DC37E7E-6FB6-4F90-AC16-8463ED18306C}"/>
+          </ac:spMkLst>
+        </pc:spChg>
       </pc:sldChg>
       <pc:sldChg chg="addSp delSp modSp add mod modNotesTx">
         <pc:chgData name="Judson Santiago" userId="ebb108da2f256286" providerId="LiveId" clId="{9A01F439-0366-4ACC-92A2-5F4FB11B3F26}" dt="2021-07-31T18:05:11.312" v="734" actId="1582"/>
@@ -6082,6 +6512,60 @@
             <ac:cxnSpMk id="44" creationId="{C8EEBAA5-945C-48FF-8F2B-81BDF50CF5FC}"/>
           </ac:cxnSpMkLst>
         </pc:cxnChg>
+      </pc:sldChg>
+      <pc:sldChg chg="new del">
+        <pc:chgData name="Judson Santiago" userId="ebb108da2f256286" providerId="LiveId" clId="{9A01F439-0366-4ACC-92A2-5F4FB11B3F26}" dt="2021-08-02T04:02:29.051" v="817" actId="680"/>
+        <pc:sldMkLst>
+          <pc:docMk/>
+          <pc:sldMk cId="1915853733" sldId="378"/>
+        </pc:sldMkLst>
+      </pc:sldChg>
+      <pc:sldChg chg="addSp delSp modSp add mod modAnim">
+        <pc:chgData name="Judson Santiago" userId="ebb108da2f256286" providerId="LiveId" clId="{9A01F439-0366-4ACC-92A2-5F4FB11B3F26}" dt="2021-08-02T04:37:15.066" v="1474" actId="20577"/>
+        <pc:sldMkLst>
+          <pc:docMk/>
+          <pc:sldMk cId="2454946794" sldId="378"/>
+        </pc:sldMkLst>
+        <pc:spChg chg="mod">
+          <ac:chgData name="Judson Santiago" userId="ebb108da2f256286" providerId="LiveId" clId="{9A01F439-0366-4ACC-92A2-5F4FB11B3F26}" dt="2021-08-02T04:37:15.066" v="1474" actId="20577"/>
+          <ac:spMkLst>
+            <pc:docMk/>
+            <pc:sldMk cId="2454946794" sldId="378"/>
+            <ac:spMk id="2" creationId="{00000000-0000-0000-0000-000000000000}"/>
+          </ac:spMkLst>
+        </pc:spChg>
+        <pc:spChg chg="add mod">
+          <ac:chgData name="Judson Santiago" userId="ebb108da2f256286" providerId="LiveId" clId="{9A01F439-0366-4ACC-92A2-5F4FB11B3F26}" dt="2021-08-02T04:28:44.533" v="1453" actId="1076"/>
+          <ac:spMkLst>
+            <pc:docMk/>
+            <pc:sldMk cId="2454946794" sldId="378"/>
+            <ac:spMk id="6" creationId="{423EFE73-4405-43CF-9C3B-D123D0D5D140}"/>
+          </ac:spMkLst>
+        </pc:spChg>
+        <pc:grpChg chg="del">
+          <ac:chgData name="Judson Santiago" userId="ebb108da2f256286" providerId="LiveId" clId="{9A01F439-0366-4ACC-92A2-5F4FB11B3F26}" dt="2021-08-02T04:03:08.716" v="868" actId="478"/>
+          <ac:grpSpMkLst>
+            <pc:docMk/>
+            <pc:sldMk cId="2454946794" sldId="378"/>
+            <ac:grpSpMk id="19" creationId="{E482FE94-F63F-46CA-A8B2-0DA9F216F942}"/>
+          </ac:grpSpMkLst>
+        </pc:grpChg>
+        <pc:grpChg chg="del">
+          <ac:chgData name="Judson Santiago" userId="ebb108da2f256286" providerId="LiveId" clId="{9A01F439-0366-4ACC-92A2-5F4FB11B3F26}" dt="2021-08-02T04:03:08.716" v="868" actId="478"/>
+          <ac:grpSpMkLst>
+            <pc:docMk/>
+            <pc:sldMk cId="2454946794" sldId="378"/>
+            <ac:grpSpMk id="20" creationId="{AC6DF218-8CCA-44D1-A3B7-FF1008E74091}"/>
+          </ac:grpSpMkLst>
+        </pc:grpChg>
+        <pc:picChg chg="add mod modCrop">
+          <ac:chgData name="Judson Santiago" userId="ebb108da2f256286" providerId="LiveId" clId="{9A01F439-0366-4ACC-92A2-5F4FB11B3F26}" dt="2021-08-02T04:28:21.411" v="1441" actId="1076"/>
+          <ac:picMkLst>
+            <pc:docMk/>
+            <pc:sldMk cId="2454946794" sldId="378"/>
+            <ac:picMk id="4" creationId="{9065903C-0BB9-4894-A480-0C6ABAEDA6E1}"/>
+          </ac:picMkLst>
+        </pc:picChg>
       </pc:sldChg>
       <pc:sldMasterChg chg="addSp modSp">
         <pc:chgData name="Judson Santiago" userId="ebb108da2f256286" providerId="LiveId" clId="{9A01F439-0366-4ACC-92A2-5F4FB11B3F26}" dt="2021-07-26T00:51:27.610" v="0"/>
@@ -6201,7 +6685,7 @@
           <a:p>
             <a:fld id="{A27D232B-A0D8-4A8D-9E79-3B9997589889}" type="datetimeFigureOut">
               <a:rPr lang="pt-BR" smtClean="0"/>
-              <a:t>31/07/2021</a:t>
+              <a:t>02/08/2021</a:t>
             </a:fld>
             <a:endParaRPr lang="pt-BR"/>
           </a:p>
@@ -6623,7 +7107,10 @@
           <a:bodyPr/>
           <a:lstStyle/>
           <a:p>
-            <a:endParaRPr lang="pt-BR" dirty="0"/>
+            <a:r>
+              <a:rPr lang="pt-BR" dirty="0"/>
+              <a:t>Velocidade = Espaço / Tempo, então atualiza-se a posição dos objetos multiplicando suas velocidades pelo tempo transcorrido.</a:t>
+            </a:r>
           </a:p>
         </p:txBody>
       </p:sp>
@@ -6634,7 +7121,7 @@
             <a:spLocks noGrp="1"/>
           </p:cNvSpPr>
           <p:nvPr>
-            <p:ph type="sldNum" sz="quarter" idx="5"/>
+            <p:ph type="sldNum" sz="quarter" idx="10"/>
           </p:nvPr>
         </p:nvSpPr>
         <p:spPr/>
@@ -6645,7 +7132,7 @@
             <a:fld id="{EF334A8D-C5BE-432D-90D0-92D67DD437AB}" type="slidenum">
               <a:rPr lang="pt-BR" smtClean="0"/>
               <a:pPr/>
-              <a:t>20</a:t>
+              <a:t>18</a:t>
             </a:fld>
             <a:endParaRPr lang="pt-BR"/>
           </a:p>
@@ -6654,7 +7141,7 @@
     </p:spTree>
     <p:extLst>
       <p:ext uri="{BB962C8B-B14F-4D97-AF65-F5344CB8AC3E}">
-        <p14:creationId xmlns:p14="http://schemas.microsoft.com/office/powerpoint/2010/main" val="198548495"/>
+        <p14:creationId xmlns:p14="http://schemas.microsoft.com/office/powerpoint/2010/main" val="2757804921"/>
       </p:ext>
     </p:extLst>
   </p:cSld>
@@ -6691,7 +7178,12 @@
             <p:ph type="sldImg"/>
           </p:nvPr>
         </p:nvSpPr>
-        <p:spPr/>
+        <p:spPr>
+          <a:xfrm>
+            <a:off x="381000" y="685800"/>
+            <a:ext cx="6096000" cy="3429000"/>
+          </a:xfrm>
+        </p:spPr>
       </p:sp>
       <p:sp>
         <p:nvSpPr>
@@ -6708,6 +7200,18 @@
           <a:bodyPr/>
           <a:lstStyle/>
           <a:p>
+            <a:r>
+              <a:rPr lang="pt-BR" dirty="0" err="1"/>
+              <a:t>timeGetTime</a:t>
+            </a:r>
+            <a:r>
+              <a:rPr lang="pt-BR" dirty="0"/>
+              <a:t> – é</a:t>
+            </a:r>
+            <a:r>
+              <a:rPr lang="pt-BR" baseline="0" dirty="0"/>
+              <a:t> uma função da biblioteca de Multimídia do Windows (precisa vincular a winmm.lib).</a:t>
+            </a:r>
             <a:endParaRPr lang="pt-BR" dirty="0"/>
           </a:p>
         </p:txBody>
@@ -6719,7 +7223,7 @@
             <a:spLocks noGrp="1"/>
           </p:cNvSpPr>
           <p:nvPr>
-            <p:ph type="sldNum" sz="quarter" idx="5"/>
+            <p:ph type="sldNum" sz="quarter" idx="10"/>
           </p:nvPr>
         </p:nvSpPr>
         <p:spPr/>
@@ -6730,7 +7234,7 @@
             <a:fld id="{EF334A8D-C5BE-432D-90D0-92D67DD437AB}" type="slidenum">
               <a:rPr lang="pt-BR" smtClean="0"/>
               <a:pPr/>
-              <a:t>21</a:t>
+              <a:t>20</a:t>
             </a:fld>
             <a:endParaRPr lang="pt-BR"/>
           </a:p>
@@ -6739,7 +7243,7 @@
     </p:spTree>
     <p:extLst>
       <p:ext uri="{BB962C8B-B14F-4D97-AF65-F5344CB8AC3E}">
-        <p14:creationId xmlns:p14="http://schemas.microsoft.com/office/powerpoint/2010/main" val="248740546"/>
+        <p14:creationId xmlns:p14="http://schemas.microsoft.com/office/powerpoint/2010/main" val="3488057894"/>
       </p:ext>
     </p:extLst>
   </p:cSld>
@@ -6793,55 +7297,6 @@
           <a:bodyPr/>
           <a:lstStyle/>
           <a:p>
-            <a:pPr marL="0" marR="0" lvl="0" indent="0" algn="l" defTabSz="914400" rtl="0" eaLnBrk="1" fontAlgn="auto" latinLnBrk="0" hangingPunct="1">
-              <a:lnSpc>
-                <a:spcPct val="100000"/>
-              </a:lnSpc>
-              <a:spcBef>
-                <a:spcPts val="0"/>
-              </a:spcBef>
-              <a:spcAft>
-                <a:spcPts val="0"/>
-              </a:spcAft>
-              <a:buClrTx/>
-              <a:buSzTx/>
-              <a:buFontTx/>
-              <a:buNone/>
-              <a:tabLst/>
-              <a:defRPr/>
-            </a:pPr>
-            <a:r>
-              <a:rPr lang="pt-BR" sz="1200" dirty="0">
-                <a:solidFill>
-                  <a:schemeClr val="bg1"/>
-                </a:solidFill>
-              </a:rPr>
-              <a:t>» Mostrar projeto </a:t>
-            </a:r>
-            <a:r>
-              <a:rPr lang="pt-BR" sz="1200" b="1" dirty="0" err="1">
-                <a:solidFill>
-                  <a:schemeClr val="bg1"/>
-                </a:solidFill>
-              </a:rPr>
-              <a:t>TimerDXUT</a:t>
-            </a:r>
-            <a:r>
-              <a:rPr lang="pt-BR" sz="1200" b="1" dirty="0">
-                <a:solidFill>
-                  <a:schemeClr val="bg1"/>
-                </a:solidFill>
-              </a:rPr>
-              <a:t> </a:t>
-            </a:r>
-            <a:r>
-              <a:rPr lang="pt-BR" sz="1200" dirty="0">
-                <a:solidFill>
-                  <a:schemeClr val="bg1"/>
-                </a:solidFill>
-              </a:rPr>
-              <a:t>do material de apoio</a:t>
-            </a:r>
             <a:endParaRPr lang="pt-BR" dirty="0"/>
           </a:p>
         </p:txBody>
@@ -6864,7 +7319,7 @@
             <a:fld id="{EF334A8D-C5BE-432D-90D0-92D67DD437AB}" type="slidenum">
               <a:rPr lang="pt-BR" smtClean="0"/>
               <a:pPr/>
-              <a:t>22</a:t>
+              <a:t>21</a:t>
             </a:fld>
             <a:endParaRPr lang="pt-BR"/>
           </a:p>
@@ -6873,7 +7328,7 @@
     </p:spTree>
     <p:extLst>
       <p:ext uri="{BB962C8B-B14F-4D97-AF65-F5344CB8AC3E}">
-        <p14:creationId xmlns:p14="http://schemas.microsoft.com/office/powerpoint/2010/main" val="1593273353"/>
+        <p14:creationId xmlns:p14="http://schemas.microsoft.com/office/powerpoint/2010/main" val="198548495"/>
       </p:ext>
     </p:extLst>
   </p:cSld>
@@ -6927,10 +7382,7 @@
           <a:bodyPr/>
           <a:lstStyle/>
           <a:p>
-            <a:r>
-              <a:rPr lang="pt-BR" dirty="0"/>
-              <a:t>Na próxima aula vamos estudar a infraestrutura do DirectX. Vamos começar a ver como integrar o DirectX na nossa aplicação, o que vai nos permitir utilizar a GPU e trabalhar com objetos 3D.</a:t>
-            </a:r>
+            <a:endParaRPr lang="pt-BR" dirty="0"/>
           </a:p>
         </p:txBody>
       </p:sp>
@@ -6949,9 +7401,231 @@
           <a:bodyPr/>
           <a:lstStyle/>
           <a:p>
+            <a:fld id="{EF334A8D-C5BE-432D-90D0-92D67DD437AB}" type="slidenum">
+              <a:rPr lang="pt-BR" smtClean="0"/>
+              <a:pPr/>
+              <a:t>22</a:t>
+            </a:fld>
+            <a:endParaRPr lang="pt-BR"/>
+          </a:p>
+        </p:txBody>
+      </p:sp>
+    </p:spTree>
+    <p:extLst>
+      <p:ext uri="{BB962C8B-B14F-4D97-AF65-F5344CB8AC3E}">
+        <p14:creationId xmlns:p14="http://schemas.microsoft.com/office/powerpoint/2010/main" val="248740546"/>
+      </p:ext>
+    </p:extLst>
+  </p:cSld>
+  <p:clrMapOvr>
+    <a:masterClrMapping/>
+  </p:clrMapOvr>
+</p:notes>
+</file>
+
+<file path=ppt/notesSlides/notesSlide14.xml><?xml version="1.0" encoding="utf-8"?>
+<p:notes xmlns:a="http://schemas.openxmlformats.org/drawingml/2006/main" xmlns:r="http://schemas.openxmlformats.org/officeDocument/2006/relationships" xmlns:p="http://schemas.openxmlformats.org/presentationml/2006/main">
+  <p:cSld>
+    <p:spTree>
+      <p:nvGrpSpPr>
+        <p:cNvPr id="1" name=""/>
+        <p:cNvGrpSpPr/>
+        <p:nvPr/>
+      </p:nvGrpSpPr>
+      <p:grpSpPr>
+        <a:xfrm>
+          <a:off x="0" y="0"/>
+          <a:ext cx="0" cy="0"/>
+          <a:chOff x="0" y="0"/>
+          <a:chExt cx="0" cy="0"/>
+        </a:xfrm>
+      </p:grpSpPr>
+      <p:sp>
+        <p:nvSpPr>
+          <p:cNvPr id="2" name="Espaço Reservado para Imagem de Slide 1"/>
+          <p:cNvSpPr>
+            <a:spLocks noGrp="1" noRot="1" noChangeAspect="1"/>
+          </p:cNvSpPr>
+          <p:nvPr>
+            <p:ph type="sldImg"/>
+          </p:nvPr>
+        </p:nvSpPr>
+        <p:spPr/>
+      </p:sp>
+      <p:sp>
+        <p:nvSpPr>
+          <p:cNvPr id="3" name="Espaço Reservado para Anotações 2"/>
+          <p:cNvSpPr>
+            <a:spLocks noGrp="1"/>
+          </p:cNvSpPr>
+          <p:nvPr>
+            <p:ph type="body" idx="1"/>
+          </p:nvPr>
+        </p:nvSpPr>
+        <p:spPr/>
+        <p:txBody>
+          <a:bodyPr/>
+          <a:lstStyle/>
+          <a:p>
+            <a:pPr marL="0" marR="0" lvl="0" indent="0" algn="l" defTabSz="914400" rtl="0" eaLnBrk="1" fontAlgn="auto" latinLnBrk="0" hangingPunct="1">
+              <a:lnSpc>
+                <a:spcPct val="100000"/>
+              </a:lnSpc>
+              <a:spcBef>
+                <a:spcPts val="0"/>
+              </a:spcBef>
+              <a:spcAft>
+                <a:spcPts val="0"/>
+              </a:spcAft>
+              <a:buClrTx/>
+              <a:buSzTx/>
+              <a:buFontTx/>
+              <a:buNone/>
+              <a:tabLst/>
+              <a:defRPr/>
+            </a:pPr>
+            <a:r>
+              <a:rPr lang="pt-BR" sz="1200" dirty="0">
+                <a:solidFill>
+                  <a:schemeClr val="bg1"/>
+                </a:solidFill>
+              </a:rPr>
+              <a:t>» Mostrar projeto </a:t>
+            </a:r>
+            <a:r>
+              <a:rPr lang="pt-BR" sz="1200" b="1" dirty="0" err="1">
+                <a:solidFill>
+                  <a:schemeClr val="bg1"/>
+                </a:solidFill>
+              </a:rPr>
+              <a:t>TimerDXUT</a:t>
+            </a:r>
+            <a:r>
+              <a:rPr lang="pt-BR" sz="1200" b="1" dirty="0">
+                <a:solidFill>
+                  <a:schemeClr val="bg1"/>
+                </a:solidFill>
+              </a:rPr>
+              <a:t> </a:t>
+            </a:r>
+            <a:r>
+              <a:rPr lang="pt-BR" sz="1200" dirty="0">
+                <a:solidFill>
+                  <a:schemeClr val="bg1"/>
+                </a:solidFill>
+              </a:rPr>
+              <a:t>do material de apoio</a:t>
+            </a:r>
+            <a:endParaRPr lang="pt-BR" dirty="0"/>
+          </a:p>
+        </p:txBody>
+      </p:sp>
+      <p:sp>
+        <p:nvSpPr>
+          <p:cNvPr id="4" name="Espaço Reservado para Número de Slide 3"/>
+          <p:cNvSpPr>
+            <a:spLocks noGrp="1"/>
+          </p:cNvSpPr>
+          <p:nvPr>
+            <p:ph type="sldNum" sz="quarter" idx="5"/>
+          </p:nvPr>
+        </p:nvSpPr>
+        <p:spPr/>
+        <p:txBody>
+          <a:bodyPr/>
+          <a:lstStyle/>
+          <a:p>
+            <a:fld id="{EF334A8D-C5BE-432D-90D0-92D67DD437AB}" type="slidenum">
+              <a:rPr lang="pt-BR" smtClean="0"/>
+              <a:pPr/>
+              <a:t>23</a:t>
+            </a:fld>
+            <a:endParaRPr lang="pt-BR"/>
+          </a:p>
+        </p:txBody>
+      </p:sp>
+    </p:spTree>
+    <p:extLst>
+      <p:ext uri="{BB962C8B-B14F-4D97-AF65-F5344CB8AC3E}">
+        <p14:creationId xmlns:p14="http://schemas.microsoft.com/office/powerpoint/2010/main" val="1593273353"/>
+      </p:ext>
+    </p:extLst>
+  </p:cSld>
+  <p:clrMapOvr>
+    <a:masterClrMapping/>
+  </p:clrMapOvr>
+</p:notes>
+</file>
+
+<file path=ppt/notesSlides/notesSlide15.xml><?xml version="1.0" encoding="utf-8"?>
+<p:notes xmlns:a="http://schemas.openxmlformats.org/drawingml/2006/main" xmlns:r="http://schemas.openxmlformats.org/officeDocument/2006/relationships" xmlns:p="http://schemas.openxmlformats.org/presentationml/2006/main">
+  <p:cSld>
+    <p:spTree>
+      <p:nvGrpSpPr>
+        <p:cNvPr id="1" name=""/>
+        <p:cNvGrpSpPr/>
+        <p:nvPr/>
+      </p:nvGrpSpPr>
+      <p:grpSpPr>
+        <a:xfrm>
+          <a:off x="0" y="0"/>
+          <a:ext cx="0" cy="0"/>
+          <a:chOff x="0" y="0"/>
+          <a:chExt cx="0" cy="0"/>
+        </a:xfrm>
+      </p:grpSpPr>
+      <p:sp>
+        <p:nvSpPr>
+          <p:cNvPr id="2" name="Espaço Reservado para Imagem de Slide 1"/>
+          <p:cNvSpPr>
+            <a:spLocks noGrp="1" noRot="1" noChangeAspect="1"/>
+          </p:cNvSpPr>
+          <p:nvPr>
+            <p:ph type="sldImg"/>
+          </p:nvPr>
+        </p:nvSpPr>
+        <p:spPr/>
+      </p:sp>
+      <p:sp>
+        <p:nvSpPr>
+          <p:cNvPr id="3" name="Espaço Reservado para Anotações 2"/>
+          <p:cNvSpPr>
+            <a:spLocks noGrp="1"/>
+          </p:cNvSpPr>
+          <p:nvPr>
+            <p:ph type="body" idx="1"/>
+          </p:nvPr>
+        </p:nvSpPr>
+        <p:spPr/>
+        <p:txBody>
+          <a:bodyPr/>
+          <a:lstStyle/>
+          <a:p>
+            <a:r>
+              <a:rPr lang="pt-BR" dirty="0"/>
+              <a:t>Na próxima aula vamos estudar a infraestrutura do DirectX. Vamos começar a ver como integrar o DirectX na nossa aplicação, o que vai nos permitir utilizar a GPU e trabalhar com objetos 3D.</a:t>
+            </a:r>
+          </a:p>
+        </p:txBody>
+      </p:sp>
+      <p:sp>
+        <p:nvSpPr>
+          <p:cNvPr id="4" name="Espaço Reservado para Número de Slide 3"/>
+          <p:cNvSpPr>
+            <a:spLocks noGrp="1"/>
+          </p:cNvSpPr>
+          <p:nvPr>
+            <p:ph type="sldNum" sz="quarter" idx="5"/>
+          </p:nvPr>
+        </p:nvSpPr>
+        <p:spPr/>
+        <p:txBody>
+          <a:bodyPr/>
+          <a:lstStyle/>
+          <a:p>
             <a:fld id="{6E9A670B-A0C8-46B4-A2C3-0F9D7276AEB5}" type="slidenum">
               <a:rPr lang="pt-BR" smtClean="0"/>
-              <a:t>24</a:t>
+              <a:t>25</a:t>
             </a:fld>
             <a:endParaRPr lang="pt-BR"/>
           </a:p>
@@ -7098,10 +7772,7 @@
           <a:bodyPr/>
           <a:lstStyle/>
           <a:p>
-            <a:r>
-              <a:rPr lang="pt-BR" dirty="0"/>
-              <a:t>O código de desenho da cena nem sempre é necessário. Se a cena não sofreu alterações não é preciso redesenhar.</a:t>
-            </a:r>
+            <a:endParaRPr lang="pt-BR" dirty="0"/>
           </a:p>
         </p:txBody>
       </p:sp>
@@ -7131,7 +7802,7 @@
     </p:spTree>
     <p:extLst>
       <p:ext uri="{BB962C8B-B14F-4D97-AF65-F5344CB8AC3E}">
-        <p14:creationId xmlns:p14="http://schemas.microsoft.com/office/powerpoint/2010/main" val="1205061273"/>
+        <p14:creationId xmlns:p14="http://schemas.microsoft.com/office/powerpoint/2010/main" val="2235034814"/>
       </p:ext>
     </p:extLst>
   </p:cSld>
@@ -7185,26 +7856,9 @@
           <a:bodyPr/>
           <a:lstStyle/>
           <a:p>
-            <a:pPr marL="0" marR="0" lvl="0" indent="0" algn="l" defTabSz="914400" rtl="0" eaLnBrk="1" fontAlgn="auto" latinLnBrk="0" hangingPunct="1">
-              <a:lnSpc>
-                <a:spcPct val="100000"/>
-              </a:lnSpc>
-              <a:spcBef>
-                <a:spcPts val="0"/>
-              </a:spcBef>
-              <a:spcAft>
-                <a:spcPts val="0"/>
-              </a:spcAft>
-              <a:buClrTx/>
-              <a:buSzTx/>
-              <a:buFontTx/>
-              <a:buNone/>
-              <a:tabLst/>
-              <a:defRPr/>
-            </a:pPr>
-            <a:r>
-              <a:rPr lang="pt-BR" b="0" dirty="0"/>
-              <a:t>A aplicação conterá também um app-&gt;Display( ) para permitir a exibição controlada de desenhos. A função app-&gt;Draw( ) é chamada automaticamente a cada ciclo do laço. App-&gt;Display( ) é chamada uma vez na criação da janela e depois deve ser chamada manualmente, dentro de app-&gt;Update( ), sempre que for preciso redesenhar a tela.</a:t>
+            <a:r>
+              <a:rPr lang="pt-BR" dirty="0"/>
+              <a:t>O código de desenho da cena nem sempre é necessário. Se a cena não sofreu alterações não é preciso redesenhar.</a:t>
             </a:r>
           </a:p>
         </p:txBody>
@@ -7224,10 +7878,9 @@
           <a:bodyPr/>
           <a:lstStyle/>
           <a:p>
-            <a:fld id="{EF334A8D-C5BE-432D-90D0-92D67DD437AB}" type="slidenum">
+            <a:fld id="{6E9A670B-A0C8-46B4-A2C3-0F9D7276AEB5}" type="slidenum">
               <a:rPr lang="pt-BR" smtClean="0"/>
-              <a:pPr/>
-              <a:t>5</a:t>
+              <a:t>4</a:t>
             </a:fld>
             <a:endParaRPr lang="pt-BR"/>
           </a:p>
@@ -7236,7 +7889,7 @@
     </p:spTree>
     <p:extLst>
       <p:ext uri="{BB962C8B-B14F-4D97-AF65-F5344CB8AC3E}">
-        <p14:creationId xmlns:p14="http://schemas.microsoft.com/office/powerpoint/2010/main" val="466444982"/>
+        <p14:creationId xmlns:p14="http://schemas.microsoft.com/office/powerpoint/2010/main" val="1205061273"/>
       </p:ext>
     </p:extLst>
   </p:cSld>
@@ -7273,12 +7926,7 @@
             <p:ph type="sldImg"/>
           </p:nvPr>
         </p:nvSpPr>
-        <p:spPr>
-          <a:xfrm>
-            <a:off x="381000" y="685800"/>
-            <a:ext cx="6096000" cy="3429000"/>
-          </a:xfrm>
-        </p:spPr>
+        <p:spPr/>
       </p:sp>
       <p:sp>
         <p:nvSpPr>
@@ -7306,7 +7954,7 @@
             <a:spLocks noGrp="1"/>
           </p:cNvSpPr>
           <p:nvPr>
-            <p:ph type="sldNum" sz="quarter" idx="10"/>
+            <p:ph type="sldNum" sz="quarter" idx="5"/>
           </p:nvPr>
         </p:nvSpPr>
         <p:spPr/>
@@ -7314,10 +7962,9 @@
           <a:bodyPr/>
           <a:lstStyle/>
           <a:p>
-            <a:fld id="{EF334A8D-C5BE-432D-90D0-92D67DD437AB}" type="slidenum">
+            <a:fld id="{6E9A670B-A0C8-46B4-A2C3-0F9D7276AEB5}" type="slidenum">
               <a:rPr lang="pt-BR" smtClean="0"/>
-              <a:pPr/>
-              <a:t>6</a:t>
+              <a:t>5</a:t>
             </a:fld>
             <a:endParaRPr lang="pt-BR"/>
           </a:p>
@@ -7326,7 +7973,7 @@
     </p:spTree>
     <p:extLst>
       <p:ext uri="{BB962C8B-B14F-4D97-AF65-F5344CB8AC3E}">
-        <p14:creationId xmlns:p14="http://schemas.microsoft.com/office/powerpoint/2010/main" val="670636839"/>
+        <p14:creationId xmlns:p14="http://schemas.microsoft.com/office/powerpoint/2010/main" val="3694066903"/>
       </p:ext>
     </p:extLst>
   </p:cSld>
@@ -7363,12 +8010,7 @@
             <p:ph type="sldImg"/>
           </p:nvPr>
         </p:nvSpPr>
-        <p:spPr>
-          <a:xfrm>
-            <a:off x="381000" y="685800"/>
-            <a:ext cx="6096000" cy="3429000"/>
-          </a:xfrm>
-        </p:spPr>
+        <p:spPr/>
       </p:sp>
       <p:sp>
         <p:nvSpPr>
@@ -7385,15 +8027,31 @@
           <a:bodyPr/>
           <a:lstStyle/>
           <a:p>
-            <a:r>
-              <a:rPr lang="pt-BR" dirty="0"/>
-              <a:t>Arquitetura baseada em composição</a:t>
-            </a:r>
-            <a:r>
-              <a:rPr lang="pt-BR" baseline="0" dirty="0"/>
-              <a:t> e herança.</a:t>
-            </a:r>
-            <a:endParaRPr lang="pt-BR" dirty="0"/>
+            <a:pPr marL="0" marR="0" lvl="0" indent="0" algn="l" defTabSz="914400" rtl="0" eaLnBrk="1" fontAlgn="auto" latinLnBrk="0" hangingPunct="1">
+              <a:lnSpc>
+                <a:spcPct val="100000"/>
+              </a:lnSpc>
+              <a:spcBef>
+                <a:spcPts val="0"/>
+              </a:spcBef>
+              <a:spcAft>
+                <a:spcPts val="0"/>
+              </a:spcAft>
+              <a:buClrTx/>
+              <a:buSzTx/>
+              <a:buFontTx/>
+              <a:buNone/>
+              <a:tabLst/>
+              <a:defRPr/>
+            </a:pPr>
+            <a:r>
+              <a:rPr lang="pt-BR" b="0" dirty="0" err="1"/>
+              <a:t>PeekMessage</a:t>
+            </a:r>
+            <a:r>
+              <a:rPr lang="pt-BR" b="0" dirty="0"/>
+              <a:t> retorna falso se a fila não possui mensagens. A aplicação conterá também um app-&gt;Display( ) para permitir a exibição controlada de desenhos. A função app-&gt;Draw( ) é chamada automaticamente a cada ciclo do laço. App-&gt;Display( ) é chamada uma vez na criação da janela e depois deve ser chamada manualmente, dentro de app-&gt;Update( ), sempre que for preciso redesenhar a tela.</a:t>
+            </a:r>
           </a:p>
         </p:txBody>
       </p:sp>
@@ -7404,7 +8062,7 @@
             <a:spLocks noGrp="1"/>
           </p:cNvSpPr>
           <p:nvPr>
-            <p:ph type="sldNum" sz="quarter" idx="10"/>
+            <p:ph type="sldNum" sz="quarter" idx="5"/>
           </p:nvPr>
         </p:nvSpPr>
         <p:spPr/>
@@ -7415,7 +8073,7 @@
             <a:fld id="{EF334A8D-C5BE-432D-90D0-92D67DD437AB}" type="slidenum">
               <a:rPr lang="pt-BR" smtClean="0"/>
               <a:pPr/>
-              <a:t>7</a:t>
+              <a:t>6</a:t>
             </a:fld>
             <a:endParaRPr lang="pt-BR"/>
           </a:p>
@@ -7424,7 +8082,7 @@
     </p:spTree>
     <p:extLst>
       <p:ext uri="{BB962C8B-B14F-4D97-AF65-F5344CB8AC3E}">
-        <p14:creationId xmlns:p14="http://schemas.microsoft.com/office/powerpoint/2010/main" val="218285584"/>
+        <p14:creationId xmlns:p14="http://schemas.microsoft.com/office/powerpoint/2010/main" val="466444982"/>
       </p:ext>
     </p:extLst>
   </p:cSld>
@@ -7483,48 +8141,10 @@
           <a:bodyPr/>
           <a:lstStyle/>
           <a:p>
-            <a:pPr marL="0" marR="0" lvl="0" indent="0" algn="l" defTabSz="914400" rtl="0" eaLnBrk="1" fontAlgn="auto" latinLnBrk="0" hangingPunct="1">
-              <a:lnSpc>
-                <a:spcPct val="100000"/>
-              </a:lnSpc>
-              <a:spcBef>
-                <a:spcPts val="0"/>
-              </a:spcBef>
-              <a:spcAft>
-                <a:spcPts val="0"/>
-              </a:spcAft>
-              <a:buClrTx/>
-              <a:buSzTx/>
-              <a:buFontTx/>
-              <a:buNone/>
-              <a:tabLst/>
-              <a:defRPr/>
-            </a:pPr>
-            <a:r>
-              <a:rPr lang="pt-BR" sz="1200" dirty="0">
-                <a:solidFill>
-                  <a:schemeClr val="bg1"/>
-                </a:solidFill>
-              </a:rPr>
-              <a:t>» Mostrar projeto </a:t>
-            </a:r>
-            <a:r>
-              <a:rPr lang="pt-BR" sz="1200" b="1" dirty="0" err="1">
-                <a:solidFill>
-                  <a:schemeClr val="bg1"/>
-                </a:solidFill>
-              </a:rPr>
-              <a:t>LoopDXUT</a:t>
-            </a:r>
-            <a:r>
-              <a:rPr lang="pt-BR" sz="1200" dirty="0">
-                <a:solidFill>
-                  <a:schemeClr val="bg1"/>
-                </a:solidFill>
-              </a:rPr>
-              <a:t> do material de apoio</a:t>
-            </a:r>
-            <a:endParaRPr lang="pt-BR" dirty="0"/>
+            <a:r>
+              <a:rPr lang="pt-BR" dirty="0"/>
+              <a:t>O motor gráfico vai servir não só para abstrair o laço principal, mas também a criação e configuração da janela e de vários outros sistemas.</a:t>
+            </a:r>
           </a:p>
         </p:txBody>
       </p:sp>
@@ -7546,7 +8166,7 @@
             <a:fld id="{EF334A8D-C5BE-432D-90D0-92D67DD437AB}" type="slidenum">
               <a:rPr lang="pt-BR" smtClean="0"/>
               <a:pPr/>
-              <a:t>10</a:t>
+              <a:t>7</a:t>
             </a:fld>
             <a:endParaRPr lang="pt-BR"/>
           </a:p>
@@ -7555,7 +8175,7 @@
     </p:spTree>
     <p:extLst>
       <p:ext uri="{BB962C8B-B14F-4D97-AF65-F5344CB8AC3E}">
-        <p14:creationId xmlns:p14="http://schemas.microsoft.com/office/powerpoint/2010/main" val="2162686420"/>
+        <p14:creationId xmlns:p14="http://schemas.microsoft.com/office/powerpoint/2010/main" val="670636839"/>
       </p:ext>
     </p:extLst>
   </p:cSld>
@@ -7592,7 +8212,12 @@
             <p:ph type="sldImg"/>
           </p:nvPr>
         </p:nvSpPr>
-        <p:spPr/>
+        <p:spPr>
+          <a:xfrm>
+            <a:off x="381000" y="685800"/>
+            <a:ext cx="6096000" cy="3429000"/>
+          </a:xfrm>
+        </p:spPr>
       </p:sp>
       <p:sp>
         <p:nvSpPr>
@@ -7609,6 +8234,14 @@
           <a:bodyPr/>
           <a:lstStyle/>
           <a:p>
+            <a:r>
+              <a:rPr lang="pt-BR" dirty="0"/>
+              <a:t>Arquitetura baseada em composição</a:t>
+            </a:r>
+            <a:r>
+              <a:rPr lang="pt-BR" baseline="0" dirty="0"/>
+              <a:t> e herança.</a:t>
+            </a:r>
             <a:endParaRPr lang="pt-BR" dirty="0"/>
           </a:p>
         </p:txBody>
@@ -7631,7 +8264,7 @@
             <a:fld id="{EF334A8D-C5BE-432D-90D0-92D67DD437AB}" type="slidenum">
               <a:rPr lang="pt-BR" smtClean="0"/>
               <a:pPr/>
-              <a:t>17</a:t>
+              <a:t>8</a:t>
             </a:fld>
             <a:endParaRPr lang="pt-BR"/>
           </a:p>
@@ -7640,7 +8273,7 @@
     </p:spTree>
     <p:extLst>
       <p:ext uri="{BB962C8B-B14F-4D97-AF65-F5344CB8AC3E}">
-        <p14:creationId xmlns:p14="http://schemas.microsoft.com/office/powerpoint/2010/main" val="2757804921"/>
+        <p14:creationId xmlns:p14="http://schemas.microsoft.com/office/powerpoint/2010/main" val="218285584"/>
       </p:ext>
     </p:extLst>
   </p:cSld>
@@ -7699,17 +8332,46 @@
           <a:bodyPr/>
           <a:lstStyle/>
           <a:p>
-            <a:r>
-              <a:rPr lang="pt-BR" dirty="0" err="1"/>
-              <a:t>timeGetTime</a:t>
-            </a:r>
-            <a:r>
-              <a:rPr lang="pt-BR" dirty="0"/>
-              <a:t> – é</a:t>
-            </a:r>
-            <a:r>
-              <a:rPr lang="pt-BR" baseline="0" dirty="0"/>
-              <a:t> uma função da biblioteca de Multimídia do Windows (precisa vincular a winmm.lib).</a:t>
+            <a:pPr marL="0" marR="0" lvl="0" indent="0" algn="l" defTabSz="914400" rtl="0" eaLnBrk="1" fontAlgn="auto" latinLnBrk="0" hangingPunct="1">
+              <a:lnSpc>
+                <a:spcPct val="100000"/>
+              </a:lnSpc>
+              <a:spcBef>
+                <a:spcPts val="0"/>
+              </a:spcBef>
+              <a:spcAft>
+                <a:spcPts val="0"/>
+              </a:spcAft>
+              <a:buClrTx/>
+              <a:buSzTx/>
+              <a:buFontTx/>
+              <a:buNone/>
+              <a:tabLst/>
+              <a:defRPr/>
+            </a:pPr>
+            <a:r>
+              <a:rPr lang="pt-BR" sz="1200" dirty="0">
+                <a:solidFill>
+                  <a:schemeClr val="bg1"/>
+                </a:solidFill>
+              </a:rPr>
+              <a:t>» Mostrar projeto </a:t>
+            </a:r>
+            <a:r>
+              <a:rPr lang="pt-BR" sz="1200" b="1" dirty="0" err="1">
+                <a:solidFill>
+                  <a:schemeClr val="bg1"/>
+                </a:solidFill>
+              </a:rPr>
+              <a:t>LoopDXUT</a:t>
+            </a:r>
+            <a:r>
+              <a:rPr lang="pt-BR" sz="1200" dirty="0">
+                <a:solidFill>
+                  <a:schemeClr val="bg1"/>
+                </a:solidFill>
+              </a:rPr>
+              <a:t> do material de apoio</a:t>
             </a:r>
             <a:endParaRPr lang="pt-BR" dirty="0"/>
           </a:p>
@@ -7733,7 +8395,7 @@
             <a:fld id="{EF334A8D-C5BE-432D-90D0-92D67DD437AB}" type="slidenum">
               <a:rPr lang="pt-BR" smtClean="0"/>
               <a:pPr/>
-              <a:t>19</a:t>
+              <a:t>11</a:t>
             </a:fld>
             <a:endParaRPr lang="pt-BR"/>
           </a:p>
@@ -7742,7 +8404,7 @@
     </p:spTree>
     <p:extLst>
       <p:ext uri="{BB962C8B-B14F-4D97-AF65-F5344CB8AC3E}">
-        <p14:creationId xmlns:p14="http://schemas.microsoft.com/office/powerpoint/2010/main" val="3488057894"/>
+        <p14:creationId xmlns:p14="http://schemas.microsoft.com/office/powerpoint/2010/main" val="2162686420"/>
       </p:ext>
     </p:extLst>
   </p:cSld>
@@ -8166,7 +8828,7 @@
           <a:p>
             <a:fld id="{48A87A34-81AB-432B-8DAE-1953F412C126}" type="datetimeFigureOut">
               <a:rPr lang="en-US" smtClean="0"/>
-              <a:t>7/31/2021</a:t>
+              <a:t>8/2/2021</a:t>
             </a:fld>
             <a:endParaRPr lang="en-US" dirty="0"/>
           </a:p>
@@ -8404,7 +9066,7 @@
             <a:fld id="{48A87A34-81AB-432B-8DAE-1953F412C126}" type="datetimeFigureOut">
               <a:rPr lang="en-US" smtClean="0"/>
               <a:pPr/>
-              <a:t>7/31/2021</a:t>
+              <a:t>8/2/2021</a:t>
             </a:fld>
             <a:endParaRPr lang="en-US" dirty="0"/>
           </a:p>
@@ -8721,7 +9383,7 @@
             <a:fld id="{48A87A34-81AB-432B-8DAE-1953F412C126}" type="datetimeFigureOut">
               <a:rPr lang="en-US" smtClean="0"/>
               <a:pPr/>
-              <a:t>7/31/2021</a:t>
+              <a:t>8/2/2021</a:t>
             </a:fld>
             <a:endParaRPr lang="en-US" dirty="0"/>
           </a:p>
@@ -9201,7 +9863,7 @@
             <a:fld id="{48A87A34-81AB-432B-8DAE-1953F412C126}" type="datetimeFigureOut">
               <a:rPr lang="en-US" smtClean="0"/>
               <a:pPr/>
-              <a:t>7/31/2021</a:t>
+              <a:t>8/2/2021</a:t>
             </a:fld>
             <a:endParaRPr lang="en-US" dirty="0"/>
           </a:p>
@@ -9753,7 +10415,7 @@
           <a:p>
             <a:fld id="{48A87A34-81AB-432B-8DAE-1953F412C126}" type="datetimeFigureOut">
               <a:rPr lang="en-US" smtClean="0"/>
-              <a:t>7/31/2021</a:t>
+              <a:t>8/2/2021</a:t>
             </a:fld>
             <a:endParaRPr lang="en-US" dirty="0"/>
           </a:p>
@@ -10542,7 +11204,7 @@
           <a:p>
             <a:fld id="{48A87A34-81AB-432B-8DAE-1953F412C126}" type="datetimeFigureOut">
               <a:rPr lang="en-US" smtClean="0"/>
-              <a:t>7/31/2021</a:t>
+              <a:t>8/2/2021</a:t>
             </a:fld>
             <a:endParaRPr lang="en-US" dirty="0"/>
           </a:p>
@@ -10737,7 +11399,7 @@
           <a:p>
             <a:fld id="{48A87A34-81AB-432B-8DAE-1953F412C126}" type="datetimeFigureOut">
               <a:rPr lang="en-US" smtClean="0"/>
-              <a:t>7/31/2021</a:t>
+              <a:t>8/2/2021</a:t>
             </a:fld>
             <a:endParaRPr lang="en-US" dirty="0"/>
           </a:p>
@@ -10977,7 +11639,7 @@
             <a:fld id="{48A87A34-81AB-432B-8DAE-1953F412C126}" type="datetimeFigureOut">
               <a:rPr lang="en-US" smtClean="0"/>
               <a:pPr/>
-              <a:t>7/31/2021</a:t>
+              <a:t>8/2/2021</a:t>
             </a:fld>
             <a:endParaRPr lang="en-US" dirty="0"/>
           </a:p>
@@ -11209,7 +11871,7 @@
           <a:p>
             <a:fld id="{48A87A34-81AB-432B-8DAE-1953F412C126}" type="datetimeFigureOut">
               <a:rPr lang="en-US" smtClean="0"/>
-              <a:t>7/31/2021</a:t>
+              <a:t>8/2/2021</a:t>
             </a:fld>
             <a:endParaRPr lang="en-US" dirty="0"/>
           </a:p>
@@ -11505,7 +12167,7 @@
             <a:fld id="{48A87A34-81AB-432B-8DAE-1953F412C126}" type="datetimeFigureOut">
               <a:rPr lang="en-US" smtClean="0"/>
               <a:pPr/>
-              <a:t>7/31/2021</a:t>
+              <a:t>8/2/2021</a:t>
             </a:fld>
             <a:endParaRPr lang="en-US" dirty="0"/>
           </a:p>
@@ -11761,7 +12423,7 @@
           <a:p>
             <a:fld id="{48A87A34-81AB-432B-8DAE-1953F412C126}" type="datetimeFigureOut">
               <a:rPr lang="en-US" smtClean="0"/>
-              <a:t>7/31/2021</a:t>
+              <a:t>8/2/2021</a:t>
             </a:fld>
             <a:endParaRPr lang="en-US" dirty="0"/>
           </a:p>
@@ -12159,7 +12821,7 @@
           <a:p>
             <a:fld id="{48A87A34-81AB-432B-8DAE-1953F412C126}" type="datetimeFigureOut">
               <a:rPr lang="en-US" smtClean="0"/>
-              <a:t>7/31/2021</a:t>
+              <a:t>8/2/2021</a:t>
             </a:fld>
             <a:endParaRPr lang="en-US" dirty="0"/>
           </a:p>
@@ -12297,7 +12959,7 @@
           <a:p>
             <a:fld id="{48A87A34-81AB-432B-8DAE-1953F412C126}" type="datetimeFigureOut">
               <a:rPr lang="en-US" smtClean="0"/>
-              <a:t>7/31/2021</a:t>
+              <a:t>8/2/2021</a:t>
             </a:fld>
             <a:endParaRPr lang="en-US" dirty="0"/>
           </a:p>
@@ -12402,7 +13064,7 @@
           <a:p>
             <a:fld id="{48A87A34-81AB-432B-8DAE-1953F412C126}" type="datetimeFigureOut">
               <a:rPr lang="en-US" smtClean="0"/>
-              <a:t>7/31/2021</a:t>
+              <a:t>8/2/2021</a:t>
             </a:fld>
             <a:endParaRPr lang="en-US" dirty="0"/>
           </a:p>
@@ -12651,7 +13313,7 @@
           <a:p>
             <a:fld id="{48A87A34-81AB-432B-8DAE-1953F412C126}" type="datetimeFigureOut">
               <a:rPr lang="en-US" smtClean="0"/>
-              <a:t>7/31/2021</a:t>
+              <a:t>8/2/2021</a:t>
             </a:fld>
             <a:endParaRPr lang="en-US" dirty="0"/>
           </a:p>
@@ -12908,7 +13570,7 @@
           <a:p>
             <a:fld id="{48A87A34-81AB-432B-8DAE-1953F412C126}" type="datetimeFigureOut">
               <a:rPr lang="en-US" smtClean="0"/>
-              <a:t>7/31/2021</a:t>
+              <a:t>8/2/2021</a:t>
             </a:fld>
             <a:endParaRPr lang="en-US" dirty="0"/>
           </a:p>
@@ -13158,7 +13820,7 @@
             <a:fld id="{48A87A34-81AB-432B-8DAE-1953F412C126}" type="datetimeFigureOut">
               <a:rPr lang="en-US" smtClean="0"/>
               <a:pPr/>
-              <a:t>7/31/2021</a:t>
+              <a:t>8/2/2021</a:t>
             </a:fld>
             <a:endParaRPr lang="en-US" dirty="0"/>
           </a:p>
@@ -13637,6 +14299,809 @@
       </p:grpSpPr>
       <p:sp>
         <p:nvSpPr>
+          <p:cNvPr id="2" name="Título 1">
+            <a:extLst>
+              <a:ext uri="{FF2B5EF4-FFF2-40B4-BE49-F238E27FC236}">
+                <a16:creationId xmlns:a16="http://schemas.microsoft.com/office/drawing/2014/main" id="{AF94B782-44C1-46C6-96BC-9B641997B772}"/>
+              </a:ext>
+            </a:extLst>
+          </p:cNvPr>
+          <p:cNvSpPr>
+            <a:spLocks noGrp="1"/>
+          </p:cNvSpPr>
+          <p:nvPr>
+            <p:ph type="title"/>
+          </p:nvPr>
+        </p:nvSpPr>
+        <p:spPr/>
+        <p:txBody>
+          <a:bodyPr/>
+          <a:lstStyle/>
+          <a:p>
+            <a:r>
+              <a:rPr lang="pt-BR" dirty="0"/>
+              <a:t>Usando o Motor</a:t>
+            </a:r>
+          </a:p>
+        </p:txBody>
+      </p:sp>
+      <p:sp>
+        <p:nvSpPr>
+          <p:cNvPr id="3" name="Espaço Reservado para Conteúdo 2">
+            <a:extLst>
+              <a:ext uri="{FF2B5EF4-FFF2-40B4-BE49-F238E27FC236}">
+                <a16:creationId xmlns:a16="http://schemas.microsoft.com/office/drawing/2014/main" id="{65D5ED6A-9666-43F7-BC6C-3282C111B1EC}"/>
+              </a:ext>
+            </a:extLst>
+          </p:cNvPr>
+          <p:cNvSpPr>
+            <a:spLocks noGrp="1"/>
+          </p:cNvSpPr>
+          <p:nvPr>
+            <p:ph idx="1"/>
+          </p:nvPr>
+        </p:nvSpPr>
+        <p:spPr/>
+        <p:txBody>
+          <a:bodyPr/>
+          <a:lstStyle/>
+          <a:p>
+            <a:r>
+              <a:rPr lang="pt-BR" dirty="0"/>
+              <a:t>A classe da aplicação:</a:t>
+            </a:r>
+          </a:p>
+        </p:txBody>
+      </p:sp>
+      <p:sp>
+        <p:nvSpPr>
+          <p:cNvPr id="4" name="Retângulo 3">
+            <a:extLst>
+              <a:ext uri="{FF2B5EF4-FFF2-40B4-BE49-F238E27FC236}">
+                <a16:creationId xmlns:a16="http://schemas.microsoft.com/office/drawing/2014/main" id="{CE6E7373-391A-424C-ABBD-959A1832B049}"/>
+              </a:ext>
+            </a:extLst>
+          </p:cNvPr>
+          <p:cNvSpPr/>
+          <p:nvPr/>
+        </p:nvSpPr>
+        <p:spPr>
+          <a:xfrm>
+            <a:off x="1223571" y="2825459"/>
+            <a:ext cx="4253584" cy="3139321"/>
+          </a:xfrm>
+          <a:prstGeom prst="rect">
+            <a:avLst/>
+          </a:prstGeom>
+        </p:spPr>
+        <p:txBody>
+          <a:bodyPr wrap="square">
+            <a:spAutoFit/>
+          </a:bodyPr>
+          <a:lstStyle/>
+          <a:p>
+            <a:r>
+              <a:rPr lang="pt-BR" dirty="0" err="1">
+                <a:solidFill>
+                  <a:schemeClr val="accent1"/>
+                </a:solidFill>
+                <a:latin typeface="Consolas" pitchFamily="49" charset="0"/>
+                <a:cs typeface="Consolas" pitchFamily="49" charset="0"/>
+              </a:rPr>
+              <a:t>class</a:t>
+            </a:r>
+            <a:r>
+              <a:rPr lang="pt-BR" dirty="0">
+                <a:latin typeface="Consolas" pitchFamily="49" charset="0"/>
+                <a:cs typeface="Consolas" pitchFamily="49" charset="0"/>
+              </a:rPr>
+              <a:t> </a:t>
+            </a:r>
+            <a:r>
+              <a:rPr lang="pt-BR" dirty="0">
+                <a:solidFill>
+                  <a:schemeClr val="accent3"/>
+                </a:solidFill>
+                <a:latin typeface="Consolas" pitchFamily="49" charset="0"/>
+                <a:cs typeface="Consolas" pitchFamily="49" charset="0"/>
+              </a:rPr>
+              <a:t>MyApp</a:t>
+            </a:r>
+            <a:r>
+              <a:rPr lang="pt-BR" dirty="0">
+                <a:latin typeface="Consolas" pitchFamily="49" charset="0"/>
+                <a:cs typeface="Consolas" pitchFamily="49" charset="0"/>
+              </a:rPr>
+              <a:t> : </a:t>
+            </a:r>
+            <a:r>
+              <a:rPr lang="pt-BR" dirty="0" err="1">
+                <a:solidFill>
+                  <a:schemeClr val="accent1"/>
+                </a:solidFill>
+                <a:latin typeface="Consolas" pitchFamily="49" charset="0"/>
+                <a:cs typeface="Consolas" pitchFamily="49" charset="0"/>
+              </a:rPr>
+              <a:t>public</a:t>
+            </a:r>
+            <a:r>
+              <a:rPr lang="pt-BR" dirty="0">
+                <a:latin typeface="Consolas" pitchFamily="49" charset="0"/>
+                <a:cs typeface="Consolas" pitchFamily="49" charset="0"/>
+              </a:rPr>
+              <a:t> App</a:t>
+            </a:r>
+          </a:p>
+          <a:p>
+            <a:r>
+              <a:rPr lang="pt-BR" dirty="0">
+                <a:latin typeface="Consolas" pitchFamily="49" charset="0"/>
+                <a:cs typeface="Consolas" pitchFamily="49" charset="0"/>
+              </a:rPr>
+              <a:t>{</a:t>
+            </a:r>
+          </a:p>
+          <a:p>
+            <a:r>
+              <a:rPr lang="pt-BR" dirty="0" err="1">
+                <a:solidFill>
+                  <a:schemeClr val="accent1"/>
+                </a:solidFill>
+                <a:latin typeface="Consolas" pitchFamily="49" charset="0"/>
+                <a:cs typeface="Consolas" pitchFamily="49" charset="0"/>
+              </a:rPr>
+              <a:t>private</a:t>
+            </a:r>
+            <a:r>
+              <a:rPr lang="pt-BR" dirty="0">
+                <a:latin typeface="Consolas" pitchFamily="49" charset="0"/>
+                <a:cs typeface="Consolas" pitchFamily="49" charset="0"/>
+              </a:rPr>
+              <a:t>:</a:t>
+            </a:r>
+          </a:p>
+          <a:p>
+            <a:r>
+              <a:rPr lang="pt-BR" dirty="0">
+                <a:latin typeface="Consolas" pitchFamily="49" charset="0"/>
+                <a:cs typeface="Consolas" pitchFamily="49" charset="0"/>
+              </a:rPr>
+              <a:t>	</a:t>
+            </a:r>
+            <a:r>
+              <a:rPr lang="pt-BR" dirty="0" err="1">
+                <a:solidFill>
+                  <a:schemeClr val="accent1"/>
+                </a:solidFill>
+                <a:latin typeface="Consolas" pitchFamily="49" charset="0"/>
+                <a:cs typeface="Consolas" pitchFamily="49" charset="0"/>
+              </a:rPr>
+              <a:t>int</a:t>
+            </a:r>
+            <a:r>
+              <a:rPr lang="pt-BR" dirty="0">
+                <a:latin typeface="Consolas" pitchFamily="49" charset="0"/>
+                <a:cs typeface="Consolas" pitchFamily="49" charset="0"/>
+              </a:rPr>
+              <a:t> x, y;</a:t>
+            </a:r>
+          </a:p>
+          <a:p>
+            <a:endParaRPr lang="pt-BR" dirty="0">
+              <a:latin typeface="Consolas" pitchFamily="49" charset="0"/>
+              <a:cs typeface="Consolas" pitchFamily="49" charset="0"/>
+            </a:endParaRPr>
+          </a:p>
+          <a:p>
+            <a:r>
+              <a:rPr lang="pt-BR" dirty="0" err="1">
+                <a:solidFill>
+                  <a:schemeClr val="accent1"/>
+                </a:solidFill>
+                <a:latin typeface="Consolas" pitchFamily="49" charset="0"/>
+                <a:cs typeface="Consolas" pitchFamily="49" charset="0"/>
+              </a:rPr>
+              <a:t>public</a:t>
+            </a:r>
+            <a:r>
+              <a:rPr lang="pt-BR" dirty="0">
+                <a:latin typeface="Consolas" pitchFamily="49" charset="0"/>
+                <a:cs typeface="Consolas" pitchFamily="49" charset="0"/>
+              </a:rPr>
+              <a:t>:</a:t>
+            </a:r>
+          </a:p>
+          <a:p>
+            <a:r>
+              <a:rPr lang="pt-BR" dirty="0">
+                <a:latin typeface="Consolas" pitchFamily="49" charset="0"/>
+                <a:cs typeface="Consolas" pitchFamily="49" charset="0"/>
+              </a:rPr>
+              <a:t>	</a:t>
+            </a:r>
+            <a:r>
+              <a:rPr lang="pt-BR" dirty="0" err="1">
+                <a:solidFill>
+                  <a:schemeClr val="accent1"/>
+                </a:solidFill>
+                <a:latin typeface="Consolas" pitchFamily="49" charset="0"/>
+                <a:cs typeface="Consolas" pitchFamily="49" charset="0"/>
+              </a:rPr>
+              <a:t>void</a:t>
+            </a:r>
+            <a:r>
+              <a:rPr lang="pt-BR" dirty="0">
+                <a:latin typeface="Consolas" pitchFamily="49" charset="0"/>
+                <a:cs typeface="Consolas" pitchFamily="49" charset="0"/>
+              </a:rPr>
+              <a:t> Init();</a:t>
+            </a:r>
+          </a:p>
+          <a:p>
+            <a:r>
+              <a:rPr lang="pt-BR" dirty="0">
+                <a:latin typeface="Consolas" pitchFamily="49" charset="0"/>
+                <a:cs typeface="Consolas" pitchFamily="49" charset="0"/>
+              </a:rPr>
+              <a:t>	</a:t>
+            </a:r>
+            <a:r>
+              <a:rPr lang="pt-BR" dirty="0" err="1">
+                <a:solidFill>
+                  <a:schemeClr val="accent1"/>
+                </a:solidFill>
+                <a:latin typeface="Consolas" pitchFamily="49" charset="0"/>
+                <a:cs typeface="Consolas" pitchFamily="49" charset="0"/>
+              </a:rPr>
+              <a:t>void</a:t>
+            </a:r>
+            <a:r>
+              <a:rPr lang="pt-BR" dirty="0">
+                <a:latin typeface="Consolas" pitchFamily="49" charset="0"/>
+                <a:cs typeface="Consolas" pitchFamily="49" charset="0"/>
+              </a:rPr>
+              <a:t> Update();</a:t>
+            </a:r>
+          </a:p>
+          <a:p>
+            <a:r>
+              <a:rPr lang="pt-BR" dirty="0">
+                <a:latin typeface="Consolas" pitchFamily="49" charset="0"/>
+                <a:cs typeface="Consolas" pitchFamily="49" charset="0"/>
+              </a:rPr>
+              <a:t>	</a:t>
+            </a:r>
+            <a:r>
+              <a:rPr lang="pt-BR" dirty="0" err="1">
+                <a:solidFill>
+                  <a:schemeClr val="accent1"/>
+                </a:solidFill>
+                <a:latin typeface="Consolas" pitchFamily="49" charset="0"/>
+                <a:cs typeface="Consolas" pitchFamily="49" charset="0"/>
+              </a:rPr>
+              <a:t>void</a:t>
+            </a:r>
+            <a:r>
+              <a:rPr lang="pt-BR" dirty="0">
+                <a:latin typeface="Consolas" pitchFamily="49" charset="0"/>
+                <a:cs typeface="Consolas" pitchFamily="49" charset="0"/>
+              </a:rPr>
+              <a:t> Display();</a:t>
+            </a:r>
+          </a:p>
+          <a:p>
+            <a:r>
+              <a:rPr lang="pt-BR" dirty="0">
+                <a:latin typeface="Consolas" pitchFamily="49" charset="0"/>
+                <a:cs typeface="Consolas" pitchFamily="49" charset="0"/>
+              </a:rPr>
+              <a:t>	</a:t>
+            </a:r>
+            <a:r>
+              <a:rPr lang="pt-BR" dirty="0" err="1">
+                <a:solidFill>
+                  <a:schemeClr val="accent1"/>
+                </a:solidFill>
+                <a:latin typeface="Consolas" pitchFamily="49" charset="0"/>
+                <a:cs typeface="Consolas" pitchFamily="49" charset="0"/>
+              </a:rPr>
+              <a:t>void</a:t>
+            </a:r>
+            <a:r>
+              <a:rPr lang="pt-BR" dirty="0">
+                <a:latin typeface="Consolas" pitchFamily="49" charset="0"/>
+                <a:cs typeface="Consolas" pitchFamily="49" charset="0"/>
+              </a:rPr>
+              <a:t> Finalize();</a:t>
+            </a:r>
+          </a:p>
+          <a:p>
+            <a:r>
+              <a:rPr lang="pt-BR" dirty="0">
+                <a:latin typeface="Consolas" pitchFamily="49" charset="0"/>
+                <a:cs typeface="Consolas" pitchFamily="49" charset="0"/>
+              </a:rPr>
+              <a:t>};</a:t>
+            </a:r>
+          </a:p>
+        </p:txBody>
+      </p:sp>
+      <p:sp>
+        <p:nvSpPr>
+          <p:cNvPr id="5" name="Retângulo 4">
+            <a:extLst>
+              <a:ext uri="{FF2B5EF4-FFF2-40B4-BE49-F238E27FC236}">
+                <a16:creationId xmlns:a16="http://schemas.microsoft.com/office/drawing/2014/main" id="{214007D2-6EC9-4B17-9C51-F6D008EB0473}"/>
+              </a:ext>
+            </a:extLst>
+          </p:cNvPr>
+          <p:cNvSpPr/>
+          <p:nvPr/>
+        </p:nvSpPr>
+        <p:spPr>
+          <a:xfrm>
+            <a:off x="6624171" y="2333592"/>
+            <a:ext cx="4824536" cy="3970318"/>
+          </a:xfrm>
+          <a:prstGeom prst="rect">
+            <a:avLst/>
+          </a:prstGeom>
+        </p:spPr>
+        <p:txBody>
+          <a:bodyPr wrap="square">
+            <a:spAutoFit/>
+          </a:bodyPr>
+          <a:lstStyle/>
+          <a:p>
+            <a:r>
+              <a:rPr lang="en-US" dirty="0">
+                <a:solidFill>
+                  <a:schemeClr val="accent1"/>
+                </a:solidFill>
+                <a:latin typeface="Consolas" pitchFamily="49" charset="0"/>
+                <a:cs typeface="Consolas" pitchFamily="49" charset="0"/>
+              </a:rPr>
+              <a:t>void</a:t>
+            </a:r>
+            <a:r>
+              <a:rPr lang="en-US" dirty="0">
+                <a:latin typeface="Consolas" pitchFamily="49" charset="0"/>
+                <a:cs typeface="Consolas" pitchFamily="49" charset="0"/>
+              </a:rPr>
+              <a:t> </a:t>
+            </a:r>
+            <a:r>
+              <a:rPr lang="en-US" dirty="0" err="1">
+                <a:solidFill>
+                  <a:schemeClr val="accent3"/>
+                </a:solidFill>
+                <a:latin typeface="Consolas" pitchFamily="49" charset="0"/>
+                <a:cs typeface="Consolas" pitchFamily="49" charset="0"/>
+              </a:rPr>
+              <a:t>MyApp</a:t>
+            </a:r>
+            <a:r>
+              <a:rPr lang="en-US" dirty="0">
+                <a:latin typeface="Consolas" pitchFamily="49" charset="0"/>
+                <a:cs typeface="Consolas" pitchFamily="49" charset="0"/>
+              </a:rPr>
+              <a:t>::Init()</a:t>
+            </a:r>
+          </a:p>
+          <a:p>
+            <a:r>
+              <a:rPr lang="en-US" dirty="0">
+                <a:latin typeface="Consolas" pitchFamily="49" charset="0"/>
+                <a:cs typeface="Consolas" pitchFamily="49" charset="0"/>
+              </a:rPr>
+              <a:t>{  x = </a:t>
+            </a:r>
+            <a:r>
+              <a:rPr lang="en-US" dirty="0">
+                <a:solidFill>
+                  <a:schemeClr val="accent2"/>
+                </a:solidFill>
+                <a:latin typeface="Consolas" pitchFamily="49" charset="0"/>
+                <a:cs typeface="Consolas" pitchFamily="49" charset="0"/>
+              </a:rPr>
+              <a:t>10</a:t>
+            </a:r>
+            <a:r>
+              <a:rPr lang="en-US" dirty="0">
+                <a:latin typeface="Consolas" pitchFamily="49" charset="0"/>
+                <a:cs typeface="Consolas" pitchFamily="49" charset="0"/>
+              </a:rPr>
+              <a:t>; y = </a:t>
+            </a:r>
+            <a:r>
+              <a:rPr lang="en-US" dirty="0">
+                <a:solidFill>
+                  <a:schemeClr val="accent2"/>
+                </a:solidFill>
+                <a:latin typeface="Consolas" pitchFamily="49" charset="0"/>
+                <a:cs typeface="Consolas" pitchFamily="49" charset="0"/>
+              </a:rPr>
+              <a:t>10</a:t>
+            </a:r>
+            <a:r>
+              <a:rPr lang="en-US" dirty="0">
+                <a:latin typeface="Consolas" pitchFamily="49" charset="0"/>
+                <a:cs typeface="Consolas" pitchFamily="49" charset="0"/>
+              </a:rPr>
+              <a:t>; } </a:t>
+            </a:r>
+            <a:endParaRPr lang="pt-BR" dirty="0">
+              <a:latin typeface="Consolas" pitchFamily="49" charset="0"/>
+              <a:cs typeface="Consolas" pitchFamily="49" charset="0"/>
+            </a:endParaRPr>
+          </a:p>
+          <a:p>
+            <a:endParaRPr lang="pt-BR" dirty="0">
+              <a:latin typeface="Consolas" pitchFamily="49" charset="0"/>
+              <a:cs typeface="Consolas" pitchFamily="49" charset="0"/>
+            </a:endParaRPr>
+          </a:p>
+          <a:p>
+            <a:r>
+              <a:rPr lang="en-US" dirty="0">
+                <a:solidFill>
+                  <a:schemeClr val="accent1"/>
+                </a:solidFill>
+                <a:latin typeface="Consolas" pitchFamily="49" charset="0"/>
+                <a:cs typeface="Consolas" pitchFamily="49" charset="0"/>
+              </a:rPr>
+              <a:t>void</a:t>
+            </a:r>
+            <a:r>
+              <a:rPr lang="en-US" dirty="0">
+                <a:latin typeface="Consolas" pitchFamily="49" charset="0"/>
+                <a:cs typeface="Consolas" pitchFamily="49" charset="0"/>
+              </a:rPr>
+              <a:t> </a:t>
+            </a:r>
+            <a:r>
+              <a:rPr lang="en-US" dirty="0" err="1">
+                <a:solidFill>
+                  <a:schemeClr val="accent3"/>
+                </a:solidFill>
+                <a:latin typeface="Consolas" pitchFamily="49" charset="0"/>
+                <a:cs typeface="Consolas" pitchFamily="49" charset="0"/>
+              </a:rPr>
+              <a:t>MyApp</a:t>
+            </a:r>
+            <a:r>
+              <a:rPr lang="en-US" dirty="0">
+                <a:latin typeface="Consolas" pitchFamily="49" charset="0"/>
+                <a:cs typeface="Consolas" pitchFamily="49" charset="0"/>
+              </a:rPr>
+              <a:t>::Update()</a:t>
+            </a:r>
+          </a:p>
+          <a:p>
+            <a:r>
+              <a:rPr lang="en-US" dirty="0">
+                <a:latin typeface="Consolas" pitchFamily="49" charset="0"/>
+                <a:cs typeface="Consolas" pitchFamily="49" charset="0"/>
+              </a:rPr>
+              <a:t>{} </a:t>
+            </a:r>
+            <a:endParaRPr lang="pt-BR" dirty="0">
+              <a:latin typeface="Consolas" pitchFamily="49" charset="0"/>
+              <a:cs typeface="Consolas" pitchFamily="49" charset="0"/>
+            </a:endParaRPr>
+          </a:p>
+          <a:p>
+            <a:endParaRPr lang="pt-BR" dirty="0">
+              <a:latin typeface="Consolas" pitchFamily="49" charset="0"/>
+              <a:cs typeface="Consolas" pitchFamily="49" charset="0"/>
+            </a:endParaRPr>
+          </a:p>
+          <a:p>
+            <a:r>
+              <a:rPr lang="en-US" dirty="0">
+                <a:solidFill>
+                  <a:schemeClr val="accent1"/>
+                </a:solidFill>
+                <a:latin typeface="Consolas" pitchFamily="49" charset="0"/>
+                <a:cs typeface="Consolas" pitchFamily="49" charset="0"/>
+              </a:rPr>
+              <a:t>void</a:t>
+            </a:r>
+            <a:r>
+              <a:rPr lang="en-US" dirty="0">
+                <a:latin typeface="Consolas" pitchFamily="49" charset="0"/>
+                <a:cs typeface="Consolas" pitchFamily="49" charset="0"/>
+              </a:rPr>
+              <a:t> </a:t>
+            </a:r>
+            <a:r>
+              <a:rPr lang="en-US" dirty="0" err="1">
+                <a:solidFill>
+                  <a:schemeClr val="accent3"/>
+                </a:solidFill>
+                <a:latin typeface="Consolas" pitchFamily="49" charset="0"/>
+                <a:cs typeface="Consolas" pitchFamily="49" charset="0"/>
+              </a:rPr>
+              <a:t>MyApp</a:t>
+            </a:r>
+            <a:r>
+              <a:rPr lang="en-US" dirty="0">
+                <a:latin typeface="Consolas" pitchFamily="49" charset="0"/>
+                <a:cs typeface="Consolas" pitchFamily="49" charset="0"/>
+              </a:rPr>
+              <a:t>::Display()</a:t>
+            </a:r>
+          </a:p>
+          <a:p>
+            <a:r>
+              <a:rPr lang="en-US" dirty="0">
+                <a:latin typeface="Consolas" pitchFamily="49" charset="0"/>
+                <a:cs typeface="Consolas" pitchFamily="49" charset="0"/>
+              </a:rPr>
+              <a:t>{</a:t>
+            </a:r>
+          </a:p>
+          <a:p>
+            <a:r>
+              <a:rPr lang="en-US" dirty="0">
+                <a:latin typeface="Consolas" pitchFamily="49" charset="0"/>
+                <a:cs typeface="Consolas" pitchFamily="49" charset="0"/>
+              </a:rPr>
+              <a:t>    Print(</a:t>
+            </a:r>
+            <a:r>
+              <a:rPr lang="en-US" dirty="0">
+                <a:solidFill>
+                  <a:schemeClr val="accent1">
+                    <a:lumMod val="60000"/>
+                    <a:lumOff val="40000"/>
+                  </a:schemeClr>
+                </a:solidFill>
+                <a:latin typeface="Consolas" pitchFamily="49" charset="0"/>
+                <a:cs typeface="Consolas" pitchFamily="49" charset="0"/>
+              </a:rPr>
+              <a:t>"Windows Application"</a:t>
+            </a:r>
+            <a:r>
+              <a:rPr lang="en-US" dirty="0">
+                <a:latin typeface="Consolas" pitchFamily="49" charset="0"/>
+                <a:cs typeface="Consolas" pitchFamily="49" charset="0"/>
+              </a:rPr>
+              <a:t>, </a:t>
+            </a:r>
+          </a:p>
+          <a:p>
+            <a:r>
+              <a:rPr lang="en-US" dirty="0">
+                <a:latin typeface="Consolas" pitchFamily="49" charset="0"/>
+                <a:cs typeface="Consolas" pitchFamily="49" charset="0"/>
+              </a:rPr>
+              <a:t>          x, y, </a:t>
+            </a:r>
+            <a:r>
+              <a:rPr lang="en-US" dirty="0">
+                <a:solidFill>
+                  <a:schemeClr val="accent2"/>
+                </a:solidFill>
+                <a:latin typeface="Consolas" pitchFamily="49" charset="0"/>
+                <a:cs typeface="Consolas" pitchFamily="49" charset="0"/>
+              </a:rPr>
+              <a:t>RGB</a:t>
+            </a:r>
+            <a:r>
+              <a:rPr lang="en-US" dirty="0">
+                <a:latin typeface="Consolas" pitchFamily="49" charset="0"/>
+                <a:cs typeface="Consolas" pitchFamily="49" charset="0"/>
+              </a:rPr>
+              <a:t>(</a:t>
+            </a:r>
+            <a:r>
+              <a:rPr lang="en-US" dirty="0">
+                <a:solidFill>
+                  <a:schemeClr val="accent2"/>
+                </a:solidFill>
+                <a:latin typeface="Consolas" pitchFamily="49" charset="0"/>
+                <a:cs typeface="Consolas" pitchFamily="49" charset="0"/>
+              </a:rPr>
+              <a:t>255</a:t>
+            </a:r>
+            <a:r>
+              <a:rPr lang="en-US" dirty="0">
+                <a:latin typeface="Consolas" pitchFamily="49" charset="0"/>
+                <a:cs typeface="Consolas" pitchFamily="49" charset="0"/>
+              </a:rPr>
+              <a:t>,</a:t>
+            </a:r>
+            <a:r>
+              <a:rPr lang="en-US" dirty="0">
+                <a:solidFill>
+                  <a:schemeClr val="accent2"/>
+                </a:solidFill>
+                <a:latin typeface="Consolas" pitchFamily="49" charset="0"/>
+                <a:cs typeface="Consolas" pitchFamily="49" charset="0"/>
+              </a:rPr>
+              <a:t>255</a:t>
+            </a:r>
+            <a:r>
+              <a:rPr lang="en-US" dirty="0">
+                <a:latin typeface="Consolas" pitchFamily="49" charset="0"/>
+                <a:cs typeface="Consolas" pitchFamily="49" charset="0"/>
+              </a:rPr>
+              <a:t>,</a:t>
+            </a:r>
+            <a:r>
+              <a:rPr lang="en-US" dirty="0">
+                <a:solidFill>
+                  <a:schemeClr val="accent2"/>
+                </a:solidFill>
+                <a:latin typeface="Consolas" pitchFamily="49" charset="0"/>
+                <a:cs typeface="Consolas" pitchFamily="49" charset="0"/>
+              </a:rPr>
+              <a:t>255</a:t>
+            </a:r>
+            <a:r>
+              <a:rPr lang="en-US" dirty="0">
+                <a:latin typeface="Consolas" pitchFamily="49" charset="0"/>
+                <a:cs typeface="Consolas" pitchFamily="49" charset="0"/>
+              </a:rPr>
+              <a:t>));</a:t>
+            </a:r>
+          </a:p>
+          <a:p>
+            <a:r>
+              <a:rPr lang="en-US" dirty="0">
+                <a:latin typeface="Consolas" pitchFamily="49" charset="0"/>
+                <a:cs typeface="Consolas" pitchFamily="49" charset="0"/>
+              </a:rPr>
+              <a:t>} </a:t>
+            </a:r>
+          </a:p>
+          <a:p>
+            <a:endParaRPr lang="en-US" dirty="0">
+              <a:latin typeface="Consolas" pitchFamily="49" charset="0"/>
+              <a:cs typeface="Consolas" pitchFamily="49" charset="0"/>
+            </a:endParaRPr>
+          </a:p>
+          <a:p>
+            <a:r>
+              <a:rPr lang="en-US" dirty="0">
+                <a:solidFill>
+                  <a:schemeClr val="accent1"/>
+                </a:solidFill>
+                <a:latin typeface="Consolas" pitchFamily="49" charset="0"/>
+                <a:cs typeface="Consolas" pitchFamily="49" charset="0"/>
+              </a:rPr>
+              <a:t>void</a:t>
+            </a:r>
+            <a:r>
+              <a:rPr lang="en-US" dirty="0">
+                <a:latin typeface="Consolas" pitchFamily="49" charset="0"/>
+                <a:cs typeface="Consolas" pitchFamily="49" charset="0"/>
+              </a:rPr>
+              <a:t> </a:t>
+            </a:r>
+            <a:r>
+              <a:rPr lang="en-US" dirty="0" err="1">
+                <a:solidFill>
+                  <a:schemeClr val="accent3"/>
+                </a:solidFill>
+                <a:latin typeface="Consolas" pitchFamily="49" charset="0"/>
+                <a:cs typeface="Consolas" pitchFamily="49" charset="0"/>
+              </a:rPr>
+              <a:t>MyApp</a:t>
+            </a:r>
+            <a:r>
+              <a:rPr lang="en-US" dirty="0">
+                <a:latin typeface="Consolas" pitchFamily="49" charset="0"/>
+                <a:cs typeface="Consolas" pitchFamily="49" charset="0"/>
+              </a:rPr>
+              <a:t>::Finalize()</a:t>
+            </a:r>
+          </a:p>
+          <a:p>
+            <a:r>
+              <a:rPr lang="en-US" dirty="0">
+                <a:latin typeface="Consolas" pitchFamily="49" charset="0"/>
+                <a:cs typeface="Consolas" pitchFamily="49" charset="0"/>
+              </a:rPr>
+              <a:t>{} </a:t>
+            </a:r>
+            <a:endParaRPr lang="pt-BR" dirty="0">
+              <a:latin typeface="Consolas" pitchFamily="49" charset="0"/>
+              <a:cs typeface="Consolas" pitchFamily="49" charset="0"/>
+            </a:endParaRPr>
+          </a:p>
+        </p:txBody>
+      </p:sp>
+      <p:cxnSp>
+        <p:nvCxnSpPr>
+          <p:cNvPr id="6" name="Conector reto 5">
+            <a:extLst>
+              <a:ext uri="{FF2B5EF4-FFF2-40B4-BE49-F238E27FC236}">
+                <a16:creationId xmlns:a16="http://schemas.microsoft.com/office/drawing/2014/main" id="{EFA4029E-623A-4C28-826E-71712DBDEA03}"/>
+              </a:ext>
+            </a:extLst>
+          </p:cNvPr>
+          <p:cNvCxnSpPr>
+            <a:cxnSpLocks/>
+          </p:cNvCxnSpPr>
+          <p:nvPr/>
+        </p:nvCxnSpPr>
+        <p:spPr>
+          <a:xfrm>
+            <a:off x="5544051" y="2448527"/>
+            <a:ext cx="0" cy="3672408"/>
+          </a:xfrm>
+          <a:prstGeom prst="line">
+            <a:avLst/>
+          </a:prstGeom>
+          <a:ln w="15875">
+            <a:solidFill>
+              <a:schemeClr val="accent1">
+                <a:lumMod val="75000"/>
+              </a:schemeClr>
+            </a:solidFill>
+          </a:ln>
+        </p:spPr>
+        <p:style>
+          <a:lnRef idx="1">
+            <a:schemeClr val="accent1"/>
+          </a:lnRef>
+          <a:fillRef idx="0">
+            <a:schemeClr val="accent1"/>
+          </a:fillRef>
+          <a:effectRef idx="0">
+            <a:schemeClr val="accent1"/>
+          </a:effectRef>
+          <a:fontRef idx="minor">
+            <a:schemeClr val="tx1"/>
+          </a:fontRef>
+        </p:style>
+      </p:cxnSp>
+    </p:spTree>
+    <p:extLst>
+      <p:ext uri="{BB962C8B-B14F-4D97-AF65-F5344CB8AC3E}">
+        <p14:creationId xmlns:p14="http://schemas.microsoft.com/office/powerpoint/2010/main" val="2485191779"/>
+      </p:ext>
+    </p:extLst>
+  </p:cSld>
+  <p:clrMapOvr>
+    <a:masterClrMapping/>
+  </p:clrMapOvr>
+  <mc:AlternateContent xmlns:mc="http://schemas.openxmlformats.org/markup-compatibility/2006" xmlns:p15="http://schemas.microsoft.com/office/powerpoint/2012/main">
+    <mc:Choice Requires="p15">
+      <p:transition xmlns:p14="http://schemas.microsoft.com/office/powerpoint/2010/main" spd="slow" p14:dur="1250">
+        <p15:prstTrans prst="pageCurlDouble"/>
+      </p:transition>
+    </mc:Choice>
+    <mc:Fallback xmlns="">
+      <p:transition spd="slow">
+        <p:fade/>
+      </p:transition>
+    </mc:Fallback>
+  </mc:AlternateContent>
+</p:sld>
+</file>
+
+<file path=ppt/slides/slide11.xml><?xml version="1.0" encoding="utf-8"?>
+<p:sld xmlns:a="http://schemas.openxmlformats.org/drawingml/2006/main" xmlns:r="http://schemas.openxmlformats.org/officeDocument/2006/relationships" xmlns:p="http://schemas.openxmlformats.org/presentationml/2006/main">
+  <p:cSld>
+    <p:spTree>
+      <p:nvGrpSpPr>
+        <p:cNvPr id="1" name=""/>
+        <p:cNvGrpSpPr/>
+        <p:nvPr/>
+      </p:nvGrpSpPr>
+      <p:grpSpPr>
+        <a:xfrm>
+          <a:off x="0" y="0"/>
+          <a:ext cx="0" cy="0"/>
+          <a:chOff x="0" y="0"/>
+          <a:chExt cx="0" cy="0"/>
+        </a:xfrm>
+      </p:grpSpPr>
+      <p:sp>
+        <p:nvSpPr>
           <p:cNvPr id="2" name="Espaço Reservado para Conteúdo 1"/>
           <p:cNvSpPr>
             <a:spLocks noGrp="1"/>
@@ -14445,7 +15910,7 @@
                 <a:latin typeface="Consolas" pitchFamily="49" charset="0"/>
                 <a:cs typeface="Consolas" pitchFamily="49" charset="0"/>
               </a:rPr>
-              <a:t>App</a:t>
+              <a:t>MyApp</a:t>
             </a:r>
             <a:r>
               <a:rPr lang="pt-BR" sz="1600" dirty="0">
@@ -14681,7 +16146,7 @@
 </p:sld>
 </file>
 
-<file path=ppt/slides/slide11.xml><?xml version="1.0" encoding="utf-8"?>
+<file path=ppt/slides/slide12.xml><?xml version="1.0" encoding="utf-8"?>
 <p:sld xmlns:a="http://schemas.openxmlformats.org/drawingml/2006/main" xmlns:r="http://schemas.openxmlformats.org/officeDocument/2006/relationships" xmlns:p="http://schemas.openxmlformats.org/presentationml/2006/main">
   <p:cSld>
     <p:spTree>
@@ -14837,9 +16302,9 @@
         <p:grpSpPr>
           <a:xfrm>
             <a:off x="1481219" y="4446946"/>
-            <a:ext cx="7652482" cy="1615631"/>
+            <a:ext cx="7567523" cy="1615631"/>
             <a:chOff x="1481219" y="4446946"/>
-            <a:chExt cx="7652482" cy="1615631"/>
+            <a:chExt cx="7567523" cy="1615631"/>
           </a:xfrm>
         </p:grpSpPr>
         <p:cxnSp>
@@ -15066,8 +16531,8 @@
           </p:nvSpPr>
           <p:spPr>
             <a:xfrm rot="3194236">
-              <a:off x="3262013" y="5555907"/>
-              <a:ext cx="369332" cy="602088"/>
+              <a:off x="3262013" y="5640866"/>
+              <a:ext cx="369332" cy="432170"/>
             </a:xfrm>
             <a:prstGeom prst="rect">
               <a:avLst/>
@@ -15085,7 +16550,7 @@
                   <a:latin typeface="Consolas" pitchFamily="49" charset="0"/>
                   <a:cs typeface="Consolas" pitchFamily="49" charset="0"/>
                 </a:rPr>
-                <a:t>Update</a:t>
+                <a:t>Draw</a:t>
               </a:r>
             </a:p>
           </p:txBody>
@@ -15104,8 +16569,8 @@
           </p:nvSpPr>
           <p:spPr>
             <a:xfrm rot="3194236">
-              <a:off x="5075229" y="5576867"/>
-              <a:ext cx="369332" cy="602088"/>
+              <a:off x="5075229" y="5661826"/>
+              <a:ext cx="369332" cy="432170"/>
             </a:xfrm>
             <a:prstGeom prst="rect">
               <a:avLst/>
@@ -15123,7 +16588,7 @@
                   <a:latin typeface="Consolas" pitchFamily="49" charset="0"/>
                   <a:cs typeface="Consolas" pitchFamily="49" charset="0"/>
                 </a:rPr>
-                <a:t>Update</a:t>
+                <a:t>Draw</a:t>
               </a:r>
             </a:p>
           </p:txBody>
@@ -15228,8 +16693,8 @@
           </p:nvSpPr>
           <p:spPr>
             <a:xfrm rot="3194236">
-              <a:off x="6827921" y="5576865"/>
-              <a:ext cx="369332" cy="602088"/>
+              <a:off x="6827921" y="5661824"/>
+              <a:ext cx="369332" cy="432170"/>
             </a:xfrm>
             <a:prstGeom prst="rect">
               <a:avLst/>
@@ -15247,7 +16712,7 @@
                   <a:latin typeface="Consolas" pitchFamily="49" charset="0"/>
                   <a:cs typeface="Consolas" pitchFamily="49" charset="0"/>
                 </a:rPr>
-                <a:t>Update</a:t>
+                <a:t>Draw</a:t>
               </a:r>
             </a:p>
           </p:txBody>
@@ -15310,8 +16775,8 @@
           </p:nvSpPr>
           <p:spPr>
             <a:xfrm rot="3194236">
-              <a:off x="8647991" y="5549382"/>
-              <a:ext cx="369332" cy="602088"/>
+              <a:off x="8647991" y="5634341"/>
+              <a:ext cx="369332" cy="432170"/>
             </a:xfrm>
             <a:prstGeom prst="rect">
               <a:avLst/>
@@ -15329,7 +16794,7 @@
                   <a:latin typeface="Consolas" pitchFamily="49" charset="0"/>
                   <a:cs typeface="Consolas" pitchFamily="49" charset="0"/>
                 </a:rPr>
-                <a:t>Update</a:t>
+                <a:t>Draw</a:t>
               </a:r>
             </a:p>
           </p:txBody>
@@ -15596,8 +17061,8 @@
           </p:nvSpPr>
           <p:spPr>
             <a:xfrm rot="3194236">
-              <a:off x="3246317" y="4684332"/>
-              <a:ext cx="369332" cy="602088"/>
+              <a:off x="3246317" y="4769291"/>
+              <a:ext cx="369332" cy="432170"/>
             </a:xfrm>
             <a:prstGeom prst="rect">
               <a:avLst/>
@@ -15615,7 +17080,7 @@
                   <a:latin typeface="Consolas" pitchFamily="49" charset="0"/>
                   <a:cs typeface="Consolas" pitchFamily="49" charset="0"/>
                 </a:rPr>
-                <a:t>Update</a:t>
+                <a:t>Draw</a:t>
               </a:r>
             </a:p>
           </p:txBody>
@@ -15634,8 +17099,8 @@
           </p:nvSpPr>
           <p:spPr>
             <a:xfrm rot="3194236">
-              <a:off x="5023473" y="4685702"/>
-              <a:ext cx="369332" cy="602088"/>
+              <a:off x="5023473" y="4770661"/>
+              <a:ext cx="369332" cy="432170"/>
             </a:xfrm>
             <a:prstGeom prst="rect">
               <a:avLst/>
@@ -15653,7 +17118,7 @@
                   <a:latin typeface="Consolas" pitchFamily="49" charset="0"/>
                   <a:cs typeface="Consolas" pitchFamily="49" charset="0"/>
                 </a:rPr>
-                <a:t>Update</a:t>
+                <a:t>Draw</a:t>
               </a:r>
             </a:p>
           </p:txBody>
@@ -15777,7 +17242,7 @@
                   <a:latin typeface="Consolas" pitchFamily="49" charset="0"/>
                   <a:cs typeface="Consolas" pitchFamily="49" charset="0"/>
                 </a:rPr>
-                <a:t>Init</a:t>
+                <a:t>Draw</a:t>
               </a:r>
             </a:p>
           </p:txBody>
@@ -15901,7 +17366,7 @@
                   <a:latin typeface="Consolas" pitchFamily="49" charset="0"/>
                   <a:cs typeface="Consolas" pitchFamily="49" charset="0"/>
                 </a:rPr>
-                <a:t>Init</a:t>
+                <a:t>Draw</a:t>
               </a:r>
             </a:p>
           </p:txBody>
@@ -16300,7 +17765,7 @@
 </p:sld>
 </file>
 
-<file path=ppt/slides/slide12.xml><?xml version="1.0" encoding="utf-8"?>
+<file path=ppt/slides/slide13.xml><?xml version="1.0" encoding="utf-8"?>
 <p:sld xmlns:a="http://schemas.openxmlformats.org/drawingml/2006/main" xmlns:r="http://schemas.openxmlformats.org/officeDocument/2006/relationships" xmlns:p="http://schemas.openxmlformats.org/presentationml/2006/main">
   <p:cSld>
     <p:spTree>
@@ -16489,7 +17954,7 @@
 </p:sld>
 </file>
 
-<file path=ppt/slides/slide13.xml><?xml version="1.0" encoding="utf-8"?>
+<file path=ppt/slides/slide14.xml><?xml version="1.0" encoding="utf-8"?>
 <p:sld xmlns:a="http://schemas.openxmlformats.org/drawingml/2006/main" xmlns:r="http://schemas.openxmlformats.org/officeDocument/2006/relationships" xmlns:p="http://schemas.openxmlformats.org/presentationml/2006/main">
   <p:cSld>
     <p:spTree>
@@ -16885,8 +18350,8 @@
           </p:nvSpPr>
           <p:spPr>
             <a:xfrm rot="3194236">
-              <a:off x="2456230" y="3087982"/>
-              <a:ext cx="461665" cy="852156"/>
+              <a:off x="2456230" y="3214619"/>
+              <a:ext cx="461665" cy="598882"/>
             </a:xfrm>
             <a:prstGeom prst="rect">
               <a:avLst/>
@@ -16904,7 +18369,7 @@
                   <a:latin typeface="Consolas" pitchFamily="49" charset="0"/>
                   <a:cs typeface="Consolas" pitchFamily="49" charset="0"/>
                 </a:rPr>
-                <a:t>Update</a:t>
+                <a:t>Draw</a:t>
               </a:r>
             </a:p>
           </p:txBody>
@@ -16984,8 +18449,8 @@
           </p:nvSpPr>
           <p:spPr>
             <a:xfrm rot="3194236">
-              <a:off x="3328392" y="3097508"/>
-              <a:ext cx="461665" cy="852156"/>
+              <a:off x="3328392" y="3224145"/>
+              <a:ext cx="461665" cy="598882"/>
             </a:xfrm>
             <a:prstGeom prst="rect">
               <a:avLst/>
@@ -17003,7 +18468,7 @@
                   <a:latin typeface="Consolas" pitchFamily="49" charset="0"/>
                   <a:cs typeface="Consolas" pitchFamily="49" charset="0"/>
                 </a:rPr>
-                <a:t>Update</a:t>
+                <a:t>Draw</a:t>
               </a:r>
             </a:p>
           </p:txBody>
@@ -17057,8 +18522,8 @@
           </p:nvSpPr>
           <p:spPr>
             <a:xfrm rot="3194236">
-              <a:off x="4183787" y="3092343"/>
-              <a:ext cx="461665" cy="852156"/>
+              <a:off x="4183787" y="3218980"/>
+              <a:ext cx="461665" cy="598882"/>
             </a:xfrm>
             <a:prstGeom prst="rect">
               <a:avLst/>
@@ -17076,7 +18541,7 @@
                   <a:latin typeface="Consolas" pitchFamily="49" charset="0"/>
                   <a:cs typeface="Consolas" pitchFamily="49" charset="0"/>
                 </a:rPr>
-                <a:t>Update</a:t>
+                <a:t>Draw</a:t>
               </a:r>
             </a:p>
           </p:txBody>
@@ -17089,8 +18554,8 @@
           </p:nvSpPr>
           <p:spPr>
             <a:xfrm rot="3194236">
-              <a:off x="5055949" y="3101869"/>
-              <a:ext cx="461665" cy="852156"/>
+              <a:off x="5055949" y="3228506"/>
+              <a:ext cx="461665" cy="598882"/>
             </a:xfrm>
             <a:prstGeom prst="rect">
               <a:avLst/>
@@ -17108,7 +18573,7 @@
                   <a:latin typeface="Consolas" pitchFamily="49" charset="0"/>
                   <a:cs typeface="Consolas" pitchFamily="49" charset="0"/>
                 </a:rPr>
-                <a:t>Update</a:t>
+                <a:t>Draw</a:t>
               </a:r>
             </a:p>
           </p:txBody>
@@ -17121,8 +18586,8 @@
           </p:nvSpPr>
           <p:spPr>
             <a:xfrm rot="3194236">
-              <a:off x="5904548" y="3092342"/>
-              <a:ext cx="461665" cy="852156"/>
+              <a:off x="5904548" y="3218979"/>
+              <a:ext cx="461665" cy="598882"/>
             </a:xfrm>
             <a:prstGeom prst="rect">
               <a:avLst/>
@@ -17140,7 +18605,7 @@
                   <a:latin typeface="Consolas" pitchFamily="49" charset="0"/>
                   <a:cs typeface="Consolas" pitchFamily="49" charset="0"/>
                 </a:rPr>
-                <a:t>Update</a:t>
+                <a:t>Draw</a:t>
               </a:r>
             </a:p>
           </p:txBody>
@@ -17153,8 +18618,8 @@
           </p:nvSpPr>
           <p:spPr>
             <a:xfrm rot="3194236">
-              <a:off x="6776710" y="3101868"/>
-              <a:ext cx="461665" cy="852156"/>
+              <a:off x="6776710" y="3228505"/>
+              <a:ext cx="461665" cy="598882"/>
             </a:xfrm>
             <a:prstGeom prst="rect">
               <a:avLst/>
@@ -17172,7 +18637,7 @@
                   <a:latin typeface="Consolas" pitchFamily="49" charset="0"/>
                   <a:cs typeface="Consolas" pitchFamily="49" charset="0"/>
                 </a:rPr>
-                <a:t>Update</a:t>
+                <a:t>Draw</a:t>
               </a:r>
             </a:p>
           </p:txBody>
@@ -17185,8 +18650,8 @@
           </p:nvSpPr>
           <p:spPr>
             <a:xfrm rot="3194236">
-              <a:off x="7632740" y="3082816"/>
-              <a:ext cx="461665" cy="852156"/>
+              <a:off x="7632740" y="3209453"/>
+              <a:ext cx="461665" cy="598882"/>
             </a:xfrm>
             <a:prstGeom prst="rect">
               <a:avLst/>
@@ -17204,7 +18669,7 @@
                   <a:latin typeface="Consolas" pitchFamily="49" charset="0"/>
                   <a:cs typeface="Consolas" pitchFamily="49" charset="0"/>
                 </a:rPr>
-                <a:t>Update</a:t>
+                <a:t>Draw</a:t>
               </a:r>
             </a:p>
           </p:txBody>
@@ -17217,8 +18682,8 @@
           </p:nvSpPr>
           <p:spPr>
             <a:xfrm rot="3194236">
-              <a:off x="8504902" y="3092342"/>
-              <a:ext cx="461665" cy="852156"/>
+              <a:off x="8504902" y="3218979"/>
+              <a:ext cx="461665" cy="598882"/>
             </a:xfrm>
             <a:prstGeom prst="rect">
               <a:avLst/>
@@ -17236,7 +18701,7 @@
                   <a:latin typeface="Consolas" pitchFamily="49" charset="0"/>
                   <a:cs typeface="Consolas" pitchFamily="49" charset="0"/>
                 </a:rPr>
-                <a:t>Update</a:t>
+                <a:t>Draw</a:t>
               </a:r>
             </a:p>
           </p:txBody>
@@ -17297,7 +18762,7 @@
 </p:sld>
 </file>
 
-<file path=ppt/slides/slide14.xml><?xml version="1.0" encoding="utf-8"?>
+<file path=ppt/slides/slide15.xml><?xml version="1.0" encoding="utf-8"?>
 <p:sld xmlns:a="http://schemas.openxmlformats.org/drawingml/2006/main" xmlns:r="http://schemas.openxmlformats.org/officeDocument/2006/relationships" xmlns:p="http://schemas.openxmlformats.org/presentationml/2006/main">
   <p:cSld>
     <p:spTree>
@@ -17652,8 +19117,8 @@
           </p:nvSpPr>
           <p:spPr>
             <a:xfrm rot="5400000">
-              <a:off x="2759802" y="2540995"/>
-              <a:ext cx="430887" cy="765594"/>
+              <a:off x="2715494" y="2653205"/>
+              <a:ext cx="430887" cy="541174"/>
             </a:xfrm>
             <a:prstGeom prst="rect">
               <a:avLst/>
@@ -17671,7 +19136,7 @@
                   <a:latin typeface="Consolas" pitchFamily="49" charset="0"/>
                   <a:cs typeface="Consolas" pitchFamily="49" charset="0"/>
                 </a:rPr>
-                <a:t>Update</a:t>
+                <a:t>Draw</a:t>
               </a:r>
             </a:p>
           </p:txBody>
@@ -17722,8 +19187,8 @@
           </p:nvSpPr>
           <p:spPr>
             <a:xfrm rot="5400000">
-              <a:off x="5312411" y="2556506"/>
-              <a:ext cx="430887" cy="765594"/>
+              <a:off x="5304355" y="2668716"/>
+              <a:ext cx="430887" cy="541174"/>
             </a:xfrm>
             <a:prstGeom prst="rect">
               <a:avLst/>
@@ -17741,7 +19206,7 @@
                   <a:latin typeface="Consolas" pitchFamily="49" charset="0"/>
                   <a:cs typeface="Consolas" pitchFamily="49" charset="0"/>
                 </a:rPr>
-                <a:t>Update</a:t>
+                <a:t>Draw</a:t>
               </a:r>
             </a:p>
           </p:txBody>
@@ -17754,8 +19219,8 @@
           </p:nvSpPr>
           <p:spPr>
             <a:xfrm rot="5400000">
-              <a:off x="7903449" y="2542538"/>
-              <a:ext cx="430887" cy="765594"/>
+              <a:off x="7899421" y="2654748"/>
+              <a:ext cx="430887" cy="541174"/>
             </a:xfrm>
             <a:prstGeom prst="rect">
               <a:avLst/>
@@ -17773,7 +19238,7 @@
                   <a:latin typeface="Consolas" pitchFamily="49" charset="0"/>
                   <a:cs typeface="Consolas" pitchFamily="49" charset="0"/>
                 </a:rPr>
-                <a:t>Update</a:t>
+                <a:t>Draw</a:t>
               </a:r>
             </a:p>
           </p:txBody>
@@ -18073,7 +19538,7 @@
 </p:sld>
 </file>
 
-<file path=ppt/slides/slide15.xml><?xml version="1.0" encoding="utf-8"?>
+<file path=ppt/slides/slide16.xml><?xml version="1.0" encoding="utf-8"?>
 <p:sld xmlns:a="http://schemas.openxmlformats.org/drawingml/2006/main" xmlns:r="http://schemas.openxmlformats.org/officeDocument/2006/relationships" xmlns:p="http://schemas.openxmlformats.org/presentationml/2006/main">
   <p:cSld>
     <p:spTree>
@@ -19255,7 +20720,7 @@
 </p:sld>
 </file>
 
-<file path=ppt/slides/slide16.xml><?xml version="1.0" encoding="utf-8"?>
+<file path=ppt/slides/slide17.xml><?xml version="1.0" encoding="utf-8"?>
 <p:sld xmlns:a="http://schemas.openxmlformats.org/drawingml/2006/main" xmlns:r="http://schemas.openxmlformats.org/officeDocument/2006/relationships" xmlns:p="http://schemas.openxmlformats.org/presentationml/2006/main">
   <p:cSld>
     <p:spTree>
@@ -19463,7 +20928,7 @@
 </p:sld>
 </file>
 
-<file path=ppt/slides/slide17.xml><?xml version="1.0" encoding="utf-8"?>
+<file path=ppt/slides/slide18.xml><?xml version="1.0" encoding="utf-8"?>
 <p:sld xmlns:a="http://schemas.openxmlformats.org/drawingml/2006/main" xmlns:r="http://schemas.openxmlformats.org/officeDocument/2006/relationships" xmlns:p="http://schemas.openxmlformats.org/presentationml/2006/main">
   <p:cSld>
     <p:spTree>
@@ -19892,8 +21357,8 @@
           </p:nvSpPr>
           <p:spPr>
             <a:xfrm rot="3194236">
-              <a:off x="5730044" y="2959799"/>
-              <a:ext cx="430887" cy="1486946"/>
+              <a:off x="5730044" y="2897282"/>
+              <a:ext cx="430887" cy="1611980"/>
             </a:xfrm>
             <a:prstGeom prst="rect">
               <a:avLst/>
@@ -19911,14 +21376,14 @@
                   <a:latin typeface="Consolas" pitchFamily="49" charset="0"/>
                   <a:cs typeface="Consolas" pitchFamily="49" charset="0"/>
                 </a:rPr>
-                <a:t>Update(</a:t>
+                <a:t>Update(14</a:t>
               </a:r>
               <a:r>
                 <a:rPr lang="pt-BR" sz="1400" dirty="0">
                   <a:latin typeface="Consolas" pitchFamily="49" charset="0"/>
                   <a:cs typeface="Consolas" pitchFamily="49" charset="0"/>
                 </a:rPr>
-                <a:t>2.0ms</a:t>
+                <a:t>.0ms</a:t>
               </a:r>
               <a:r>
                 <a:rPr lang="pt-BR" sz="1600" dirty="0">
@@ -19938,8 +21403,8 @@
           </p:nvSpPr>
           <p:spPr>
             <a:xfrm>
-              <a:off x="3252820" y="5026583"/>
-              <a:ext cx="720069" cy="307777"/>
+              <a:off x="3203127" y="5026583"/>
+              <a:ext cx="819456" cy="307777"/>
             </a:xfrm>
             <a:prstGeom prst="rect">
               <a:avLst/>
@@ -19955,7 +21420,7 @@
               <a:pPr algn="ctr"/>
               <a:r>
                 <a:rPr lang="pt-BR" sz="1400" dirty="0"/>
-                <a:t>1.6 </a:t>
+                <a:t>10.6 </a:t>
               </a:r>
               <a:r>
                 <a:rPr lang="pt-BR" sz="1400" dirty="0" err="1"/>
@@ -20003,8 +21468,8 @@
           </p:nvSpPr>
           <p:spPr>
             <a:xfrm rot="3194236">
-              <a:off x="4494027" y="2911830"/>
-              <a:ext cx="430887" cy="1486946"/>
+              <a:off x="4494027" y="2862137"/>
+              <a:ext cx="430887" cy="1586332"/>
             </a:xfrm>
             <a:prstGeom prst="rect">
               <a:avLst/>
@@ -20029,7 +21494,7 @@
                   <a:latin typeface="Consolas" pitchFamily="49" charset="0"/>
                   <a:cs typeface="Consolas" pitchFamily="49" charset="0"/>
                 </a:rPr>
-                <a:t>1.6ms</a:t>
+                <a:t>10.6ms</a:t>
               </a:r>
               <a:r>
                 <a:rPr lang="pt-BR" sz="1600" dirty="0">
@@ -20087,8 +21552,8 @@
           </p:nvSpPr>
           <p:spPr>
             <a:xfrm>
-              <a:off x="4388309" y="5675715"/>
-              <a:ext cx="720069" cy="307777"/>
+              <a:off x="4338616" y="5675715"/>
+              <a:ext cx="819456" cy="307777"/>
             </a:xfrm>
             <a:prstGeom prst="rect">
               <a:avLst/>
@@ -20104,7 +21569,7 @@
               <a:pPr algn="ctr"/>
               <a:r>
                 <a:rPr lang="pt-BR" sz="1400" dirty="0"/>
-                <a:t>2.0 </a:t>
+                <a:t>14.0 </a:t>
               </a:r>
               <a:r>
                 <a:rPr lang="pt-BR" sz="1400" dirty="0" err="1"/>
@@ -20201,8 +21666,8 @@
           </p:nvSpPr>
           <p:spPr>
             <a:xfrm>
-              <a:off x="5549950" y="5026583"/>
-              <a:ext cx="720069" cy="307777"/>
+              <a:off x="5500257" y="5026583"/>
+              <a:ext cx="819456" cy="307777"/>
             </a:xfrm>
             <a:prstGeom prst="rect">
               <a:avLst/>
@@ -20218,7 +21683,7 @@
               <a:pPr algn="ctr"/>
               <a:r>
                 <a:rPr lang="pt-BR" sz="1400" dirty="0"/>
-                <a:t>1.8 </a:t>
+                <a:t>10.8 </a:t>
               </a:r>
               <a:r>
                 <a:rPr lang="pt-BR" sz="1400" dirty="0" err="1"/>
@@ -20266,8 +21731,8 @@
           </p:nvSpPr>
           <p:spPr>
             <a:xfrm rot="3194236">
-              <a:off x="6769449" y="2953770"/>
-              <a:ext cx="430887" cy="1486946"/>
+              <a:off x="6769449" y="2904077"/>
+              <a:ext cx="430887" cy="1586332"/>
             </a:xfrm>
             <a:prstGeom prst="rect">
               <a:avLst/>
@@ -20292,7 +21757,7 @@
                   <a:latin typeface="Consolas" pitchFamily="49" charset="0"/>
                   <a:cs typeface="Consolas" pitchFamily="49" charset="0"/>
                 </a:rPr>
-                <a:t>1.8ms</a:t>
+                <a:t>10.8ms</a:t>
               </a:r>
               <a:r>
                 <a:rPr lang="pt-BR" sz="1600" dirty="0">
@@ -20391,8 +21856,8 @@
           </p:nvSpPr>
           <p:spPr>
             <a:xfrm>
-              <a:off x="7024000" y="5675715"/>
-              <a:ext cx="720069" cy="307777"/>
+              <a:off x="6974307" y="5675715"/>
+              <a:ext cx="819456" cy="307777"/>
             </a:xfrm>
             <a:prstGeom prst="rect">
               <a:avLst/>
@@ -20408,7 +21873,7 @@
               <a:pPr algn="ctr"/>
               <a:r>
                 <a:rPr lang="pt-BR" sz="1400" dirty="0"/>
-                <a:t>3.0 </a:t>
+                <a:t>12.0 </a:t>
               </a:r>
               <a:r>
                 <a:rPr lang="pt-BR" sz="1400" dirty="0" err="1"/>
@@ -20426,8 +21891,8 @@
           </p:nvSpPr>
           <p:spPr>
             <a:xfrm rot="3194236">
-              <a:off x="8669406" y="2945080"/>
-              <a:ext cx="430887" cy="1486946"/>
+              <a:off x="8669406" y="2895387"/>
+              <a:ext cx="430887" cy="1586332"/>
             </a:xfrm>
             <a:prstGeom prst="rect">
               <a:avLst/>
@@ -20452,7 +21917,7 @@
                   <a:latin typeface="Consolas" pitchFamily="49" charset="0"/>
                   <a:cs typeface="Consolas" pitchFamily="49" charset="0"/>
                 </a:rPr>
-                <a:t>3.0ms</a:t>
+                <a:t>12.0ms</a:t>
               </a:r>
               <a:r>
                 <a:rPr lang="pt-BR" sz="1600" dirty="0">
@@ -20572,8 +22037,8 @@
           </p:nvSpPr>
           <p:spPr>
             <a:xfrm rot="3194236">
-              <a:off x="3501005" y="2942863"/>
-              <a:ext cx="430887" cy="1486946"/>
+              <a:off x="3501005" y="2893170"/>
+              <a:ext cx="430887" cy="1586332"/>
             </a:xfrm>
             <a:prstGeom prst="rect">
               <a:avLst/>
@@ -20598,7 +22063,7 @@
                   <a:latin typeface="Consolas" pitchFamily="49" charset="0"/>
                   <a:cs typeface="Consolas" pitchFamily="49" charset="0"/>
                 </a:rPr>
-                <a:t>1.8ms</a:t>
+                <a:t>10.8ms</a:t>
               </a:r>
               <a:r>
                 <a:rPr lang="pt-BR" sz="1600" dirty="0">
@@ -20656,8 +22121,8 @@
           </p:nvSpPr>
           <p:spPr>
             <a:xfrm>
-              <a:off x="2265209" y="5673130"/>
-              <a:ext cx="720069" cy="307777"/>
+              <a:off x="2215516" y="5673130"/>
+              <a:ext cx="819456" cy="307777"/>
             </a:xfrm>
             <a:prstGeom prst="rect">
               <a:avLst/>
@@ -20673,7 +22138,7 @@
               <a:pPr algn="ctr"/>
               <a:r>
                 <a:rPr lang="pt-BR" sz="1400" dirty="0"/>
-                <a:t>1.8 </a:t>
+                <a:t>10.8 </a:t>
               </a:r>
               <a:r>
                 <a:rPr lang="pt-BR" sz="1400" dirty="0" err="1"/>
@@ -20709,7 +22174,7 @@
 </p:sld>
 </file>
 
-<file path=ppt/slides/slide18.xml><?xml version="1.0" encoding="utf-8"?>
+<file path=ppt/slides/slide19.xml><?xml version="1.0" encoding="utf-8"?>
 <p:sld xmlns:a="http://schemas.openxmlformats.org/drawingml/2006/main" xmlns:r="http://schemas.openxmlformats.org/officeDocument/2006/relationships" xmlns:p="http://schemas.openxmlformats.org/presentationml/2006/main">
   <p:cSld>
     <p:spTree>
@@ -20881,7 +22346,7 @@
                   <a:latin typeface="Consolas" pitchFamily="49" charset="0"/>
                   <a:cs typeface="Consolas" pitchFamily="49" charset="0"/>
                 </a:rPr>
-                <a:t>Update(0.5)</a:t>
+                <a:t>Update(1.0)</a:t>
               </a:r>
             </a:p>
           </p:txBody>
@@ -20913,7 +22378,7 @@
                   <a:latin typeface="Consolas" pitchFamily="49" charset="0"/>
                   <a:cs typeface="Consolas" pitchFamily="49" charset="0"/>
                 </a:rPr>
-                <a:t>Update(0.5)</a:t>
+                <a:t>Update(1.0)</a:t>
               </a:r>
             </a:p>
           </p:txBody>
@@ -20979,7 +22444,7 @@
                   <a:latin typeface="Consolas" pitchFamily="49" charset="0"/>
                   <a:cs typeface="Consolas" pitchFamily="49" charset="0"/>
                 </a:rPr>
-                <a:t>Update(0.5)</a:t>
+                <a:t>Update(1.0)</a:t>
               </a:r>
             </a:p>
           </p:txBody>
@@ -21197,7 +22662,7 @@
                   <a:latin typeface="Consolas" pitchFamily="49" charset="0"/>
                   <a:cs typeface="Consolas" pitchFamily="49" charset="0"/>
                 </a:rPr>
-                <a:t>Update(0.5)</a:t>
+                <a:t>Update(1.0)</a:t>
               </a:r>
             </a:p>
           </p:txBody>
@@ -21417,7 +22882,7 @@
                   <a:latin typeface="Consolas" pitchFamily="49" charset="0"/>
                   <a:cs typeface="Consolas" pitchFamily="49" charset="0"/>
                 </a:rPr>
-                <a:t>Update(2.0)</a:t>
+                <a:t>Update(4.0)</a:t>
               </a:r>
             </a:p>
           </p:txBody>
@@ -21449,7 +22914,7 @@
                   <a:latin typeface="Consolas" pitchFamily="49" charset="0"/>
                   <a:cs typeface="Consolas" pitchFamily="49" charset="0"/>
                 </a:rPr>
-                <a:t>Update(2.0)</a:t>
+                <a:t>Update(4.0)</a:t>
               </a:r>
             </a:p>
           </p:txBody>
@@ -21660,409 +23125,6 @@
 </p:sld>
 </file>
 
-<file path=ppt/slides/slide19.xml><?xml version="1.0" encoding="utf-8"?>
-<p:sld xmlns:a="http://schemas.openxmlformats.org/drawingml/2006/main" xmlns:r="http://schemas.openxmlformats.org/officeDocument/2006/relationships" xmlns:p="http://schemas.openxmlformats.org/presentationml/2006/main">
-  <p:cSld>
-    <p:spTree>
-      <p:nvGrpSpPr>
-        <p:cNvPr id="1" name=""/>
-        <p:cNvGrpSpPr/>
-        <p:nvPr/>
-      </p:nvGrpSpPr>
-      <p:grpSpPr>
-        <a:xfrm>
-          <a:off x="0" y="0"/>
-          <a:ext cx="0" cy="0"/>
-          <a:chOff x="0" y="0"/>
-          <a:chExt cx="0" cy="0"/>
-        </a:xfrm>
-      </p:grpSpPr>
-      <p:sp>
-        <p:nvSpPr>
-          <p:cNvPr id="2" name="Espaço Reservado para Conteúdo 1"/>
-          <p:cNvSpPr>
-            <a:spLocks noGrp="1"/>
-          </p:cNvSpPr>
-          <p:nvPr>
-            <p:ph idx="1"/>
-          </p:nvPr>
-        </p:nvSpPr>
-        <p:spPr/>
-        <p:txBody>
-          <a:bodyPr>
-            <a:normAutofit/>
-          </a:bodyPr>
-          <a:lstStyle/>
-          <a:p>
-            <a:r>
-              <a:rPr lang="pt-BR" dirty="0"/>
-              <a:t>Para </a:t>
-            </a:r>
-            <a:r>
-              <a:rPr lang="pt-BR" dirty="0">
-                <a:solidFill>
-                  <a:schemeClr val="accent3"/>
-                </a:solidFill>
-              </a:rPr>
-              <a:t>controlar a frequência de atualização </a:t>
-            </a:r>
-            <a:r>
-              <a:rPr lang="pt-BR" dirty="0"/>
-              <a:t>é preciso utilizar um </a:t>
-            </a:r>
-            <a:r>
-              <a:rPr lang="pt-BR" dirty="0">
-                <a:solidFill>
-                  <a:schemeClr val="accent1"/>
-                </a:solidFill>
-              </a:rPr>
-              <a:t>timer</a:t>
-            </a:r>
-          </a:p>
-          <a:p>
-            <a:pPr lvl="1"/>
-            <a:r>
-              <a:rPr lang="pt-BR" dirty="0"/>
-              <a:t>O C++ possui duas opções:</a:t>
-            </a:r>
-          </a:p>
-          <a:p>
-            <a:pPr lvl="2"/>
-            <a:r>
-              <a:rPr lang="pt-BR" dirty="0" err="1">
-                <a:solidFill>
-                  <a:schemeClr val="accent2"/>
-                </a:solidFill>
-              </a:rPr>
-              <a:t>Clock</a:t>
-            </a:r>
-            <a:r>
-              <a:rPr lang="pt-BR" dirty="0">
-                <a:solidFill>
-                  <a:schemeClr val="accent2"/>
-                </a:solidFill>
-              </a:rPr>
-              <a:t>()</a:t>
-            </a:r>
-            <a:r>
-              <a:rPr lang="pt-BR" dirty="0"/>
-              <a:t> - Baixa precisão (</a:t>
-            </a:r>
-            <a:r>
-              <a:rPr lang="pt-BR" sz="1600" dirty="0">
-                <a:solidFill>
-                  <a:schemeClr val="tx1">
-                    <a:lumMod val="75000"/>
-                  </a:schemeClr>
-                </a:solidFill>
-                <a:latin typeface="Consolas" panose="020B0609020204030204" pitchFamily="49" charset="0"/>
-              </a:rPr>
-              <a:t>#include </a:t>
-            </a:r>
-            <a:r>
-              <a:rPr lang="pt-BR" sz="1600" dirty="0">
-                <a:solidFill>
-                  <a:schemeClr val="accent1">
-                    <a:lumMod val="60000"/>
-                    <a:lumOff val="40000"/>
-                  </a:schemeClr>
-                </a:solidFill>
-                <a:latin typeface="Consolas" panose="020B0609020204030204" pitchFamily="49" charset="0"/>
-              </a:rPr>
-              <a:t>&lt;</a:t>
-            </a:r>
-            <a:r>
-              <a:rPr lang="pt-BR" sz="1600" dirty="0" err="1">
-                <a:solidFill>
-                  <a:schemeClr val="accent1">
-                    <a:lumMod val="60000"/>
-                    <a:lumOff val="40000"/>
-                  </a:schemeClr>
-                </a:solidFill>
-                <a:latin typeface="Consolas" panose="020B0609020204030204" pitchFamily="49" charset="0"/>
-              </a:rPr>
-              <a:t>ctime</a:t>
-            </a:r>
-            <a:r>
-              <a:rPr lang="pt-BR" sz="1600" dirty="0">
-                <a:solidFill>
-                  <a:schemeClr val="accent1">
-                    <a:lumMod val="60000"/>
-                    <a:lumOff val="40000"/>
-                  </a:schemeClr>
-                </a:solidFill>
-                <a:latin typeface="Consolas" panose="020B0609020204030204" pitchFamily="49" charset="0"/>
-              </a:rPr>
-              <a:t>&gt;</a:t>
-            </a:r>
-            <a:r>
-              <a:rPr lang="pt-BR" dirty="0"/>
-              <a:t>)</a:t>
-            </a:r>
-          </a:p>
-          <a:p>
-            <a:pPr lvl="2"/>
-            <a:r>
-              <a:rPr lang="pt-BR" dirty="0" err="1">
-                <a:solidFill>
-                  <a:schemeClr val="accent2"/>
-                </a:solidFill>
-              </a:rPr>
-              <a:t>Chrono</a:t>
-            </a:r>
-            <a:r>
-              <a:rPr lang="pt-BR" dirty="0"/>
-              <a:t> – Várias opções de precisão (</a:t>
-            </a:r>
-            <a:r>
-              <a:rPr lang="pt-BR" sz="1600" dirty="0">
-                <a:solidFill>
-                  <a:schemeClr val="tx1">
-                    <a:lumMod val="75000"/>
-                  </a:schemeClr>
-                </a:solidFill>
-                <a:latin typeface="Consolas" pitchFamily="49" charset="0"/>
-                <a:cs typeface="Consolas" pitchFamily="49" charset="0"/>
-              </a:rPr>
-              <a:t>#include</a:t>
-            </a:r>
-            <a:r>
-              <a:rPr lang="pt-BR" sz="1600" dirty="0">
-                <a:latin typeface="Consolas" pitchFamily="49" charset="0"/>
-                <a:cs typeface="Consolas" pitchFamily="49" charset="0"/>
-              </a:rPr>
-              <a:t> </a:t>
-            </a:r>
-            <a:r>
-              <a:rPr lang="pt-BR" sz="1600" dirty="0">
-                <a:solidFill>
-                  <a:schemeClr val="accent1">
-                    <a:lumMod val="60000"/>
-                    <a:lumOff val="40000"/>
-                  </a:schemeClr>
-                </a:solidFill>
-                <a:latin typeface="Consolas" pitchFamily="49" charset="0"/>
-                <a:cs typeface="Consolas" pitchFamily="49" charset="0"/>
-              </a:rPr>
-              <a:t>&lt;</a:t>
-            </a:r>
-            <a:r>
-              <a:rPr lang="pt-BR" sz="1600" dirty="0" err="1">
-                <a:solidFill>
-                  <a:schemeClr val="accent1">
-                    <a:lumMod val="60000"/>
-                    <a:lumOff val="40000"/>
-                  </a:schemeClr>
-                </a:solidFill>
-                <a:latin typeface="Consolas" pitchFamily="49" charset="0"/>
-                <a:cs typeface="Consolas" pitchFamily="49" charset="0"/>
-              </a:rPr>
-              <a:t>chrono</a:t>
-            </a:r>
-            <a:r>
-              <a:rPr lang="pt-BR" sz="1600" dirty="0">
-                <a:solidFill>
-                  <a:schemeClr val="accent1">
-                    <a:lumMod val="60000"/>
-                    <a:lumOff val="40000"/>
-                  </a:schemeClr>
-                </a:solidFill>
-                <a:latin typeface="Consolas" pitchFamily="49" charset="0"/>
-                <a:cs typeface="Consolas" pitchFamily="49" charset="0"/>
-              </a:rPr>
-              <a:t>&gt;</a:t>
-            </a:r>
-            <a:r>
-              <a:rPr lang="pt-BR" dirty="0"/>
-              <a:t>)</a:t>
-            </a:r>
-          </a:p>
-          <a:p>
-            <a:pPr lvl="1"/>
-            <a:r>
-              <a:rPr lang="pt-BR" dirty="0"/>
-              <a:t>O Windows possui três funções (</a:t>
-            </a:r>
-            <a:r>
-              <a:rPr lang="pt-BR" sz="1600" dirty="0">
-                <a:solidFill>
-                  <a:schemeClr val="tx1">
-                    <a:lumMod val="75000"/>
-                  </a:schemeClr>
-                </a:solidFill>
-                <a:latin typeface="Consolas" panose="020B0609020204030204" pitchFamily="49" charset="0"/>
-              </a:rPr>
-              <a:t>#include</a:t>
-            </a:r>
-            <a:r>
-              <a:rPr lang="pt-BR" sz="1600" dirty="0">
-                <a:latin typeface="Consolas" panose="020B0609020204030204" pitchFamily="49" charset="0"/>
-              </a:rPr>
-              <a:t> </a:t>
-            </a:r>
-            <a:r>
-              <a:rPr lang="pt-BR" sz="1600" dirty="0">
-                <a:solidFill>
-                  <a:schemeClr val="accent1">
-                    <a:lumMod val="60000"/>
-                    <a:lumOff val="40000"/>
-                  </a:schemeClr>
-                </a:solidFill>
-                <a:latin typeface="Consolas" panose="020B0609020204030204" pitchFamily="49" charset="0"/>
-              </a:rPr>
-              <a:t>&lt;</a:t>
-            </a:r>
-            <a:r>
-              <a:rPr lang="pt-BR" sz="1600" dirty="0" err="1">
-                <a:solidFill>
-                  <a:schemeClr val="accent1">
-                    <a:lumMod val="60000"/>
-                    <a:lumOff val="40000"/>
-                  </a:schemeClr>
-                </a:solidFill>
-                <a:latin typeface="Consolas" panose="020B0609020204030204" pitchFamily="49" charset="0"/>
-              </a:rPr>
-              <a:t>windows.h</a:t>
-            </a:r>
-            <a:r>
-              <a:rPr lang="pt-BR" sz="1600" dirty="0">
-                <a:solidFill>
-                  <a:schemeClr val="accent1">
-                    <a:lumMod val="60000"/>
-                    <a:lumOff val="40000"/>
-                  </a:schemeClr>
-                </a:solidFill>
-                <a:latin typeface="Consolas" panose="020B0609020204030204" pitchFamily="49" charset="0"/>
-              </a:rPr>
-              <a:t>&gt;</a:t>
-            </a:r>
-            <a:r>
-              <a:rPr lang="pt-BR" dirty="0"/>
-              <a:t>)</a:t>
-            </a:r>
-          </a:p>
-          <a:p>
-            <a:pPr lvl="2"/>
-            <a:r>
-              <a:rPr lang="pt-BR" dirty="0" err="1">
-                <a:solidFill>
-                  <a:schemeClr val="accent2"/>
-                </a:solidFill>
-              </a:rPr>
-              <a:t>GetTickCount</a:t>
-            </a:r>
-            <a:r>
-              <a:rPr lang="pt-BR" dirty="0">
-                <a:solidFill>
-                  <a:schemeClr val="accent2"/>
-                </a:solidFill>
-              </a:rPr>
-              <a:t>()</a:t>
-            </a:r>
-            <a:r>
-              <a:rPr lang="pt-BR" dirty="0"/>
-              <a:t>  - Baixa precisão</a:t>
-            </a:r>
-          </a:p>
-          <a:p>
-            <a:pPr lvl="2"/>
-            <a:r>
-              <a:rPr lang="pt-BR" dirty="0" err="1">
-                <a:solidFill>
-                  <a:schemeClr val="accent2"/>
-                </a:solidFill>
-              </a:rPr>
-              <a:t>timeGetTime</a:t>
-            </a:r>
-            <a:r>
-              <a:rPr lang="pt-BR" dirty="0">
-                <a:solidFill>
-                  <a:schemeClr val="accent2"/>
-                </a:solidFill>
-              </a:rPr>
-              <a:t>()</a:t>
-            </a:r>
-            <a:r>
-              <a:rPr lang="pt-BR" dirty="0"/>
-              <a:t> - Precisão média (</a:t>
-            </a:r>
-            <a:r>
-              <a:rPr lang="pt-BR" dirty="0" err="1"/>
-              <a:t>winmm</a:t>
-            </a:r>
-            <a:r>
-              <a:rPr lang="pt-BR" dirty="0"/>
-              <a:t>)</a:t>
-            </a:r>
-          </a:p>
-          <a:p>
-            <a:pPr lvl="2"/>
-            <a:r>
-              <a:rPr lang="pt-BR" dirty="0">
-                <a:solidFill>
-                  <a:schemeClr val="accent2"/>
-                </a:solidFill>
-              </a:rPr>
-              <a:t>QueryPerformanceCounter()</a:t>
-            </a:r>
-            <a:r>
-              <a:rPr lang="pt-BR" dirty="0"/>
-              <a:t> - Alta precisão</a:t>
-            </a:r>
-          </a:p>
-          <a:p>
-            <a:pPr lvl="1"/>
-            <a:endParaRPr lang="pt-BR" dirty="0"/>
-          </a:p>
-        </p:txBody>
-      </p:sp>
-      <p:sp>
-        <p:nvSpPr>
-          <p:cNvPr id="3" name="Título 2"/>
-          <p:cNvSpPr>
-            <a:spLocks noGrp="1"/>
-          </p:cNvSpPr>
-          <p:nvPr>
-            <p:ph type="title"/>
-          </p:nvPr>
-        </p:nvSpPr>
-        <p:spPr/>
-        <p:txBody>
-          <a:bodyPr/>
-          <a:lstStyle/>
-          <a:p>
-            <a:r>
-              <a:rPr lang="pt-BR" dirty="0"/>
-              <a:t>Timer</a:t>
-            </a:r>
-          </a:p>
-        </p:txBody>
-      </p:sp>
-    </p:spTree>
-    <p:extLst>
-      <p:ext uri="{BB962C8B-B14F-4D97-AF65-F5344CB8AC3E}">
-        <p14:creationId xmlns:p14="http://schemas.microsoft.com/office/powerpoint/2010/main" val="1022008173"/>
-      </p:ext>
-    </p:extLst>
-  </p:cSld>
-  <p:clrMapOvr>
-    <a:masterClrMapping/>
-  </p:clrMapOvr>
-  <mc:AlternateContent xmlns:mc="http://schemas.openxmlformats.org/markup-compatibility/2006" xmlns:p15="http://schemas.microsoft.com/office/powerpoint/2012/main">
-    <mc:Choice Requires="p15">
-      <p:transition xmlns:p14="http://schemas.microsoft.com/office/powerpoint/2010/main" spd="slow" p14:dur="1250">
-        <p15:prstTrans prst="pageCurlDouble"/>
-      </p:transition>
-    </mc:Choice>
-    <mc:Fallback xmlns="">
-      <p:transition spd="slow">
-        <p:fade/>
-      </p:transition>
-    </mc:Fallback>
-  </mc:AlternateContent>
-</p:sld>
-</file>
-
 <file path=ppt/slides/slide2.xml><?xml version="1.0" encoding="utf-8"?>
 <p:sld xmlns:a="http://schemas.openxmlformats.org/drawingml/2006/main" xmlns:r="http://schemas.openxmlformats.org/officeDocument/2006/relationships" xmlns:p="http://schemas.openxmlformats.org/presentationml/2006/main">
   <p:cSld>
@@ -22096,8 +23158,12 @@
           <a:lstStyle/>
           <a:p>
             <a:r>
+              <a:rPr lang="pt-BR" b="1" dirty="0"/>
+              <a:t>Algumas</a:t>
+            </a:r>
+            <a:r>
               <a:rPr lang="pt-BR" dirty="0"/>
-              <a:t>Algumas </a:t>
+              <a:t> </a:t>
             </a:r>
             <a:r>
               <a:rPr lang="pt-BR" dirty="0">
@@ -22496,6 +23562,409 @@
         </p:nvSpPr>
         <p:spPr/>
         <p:txBody>
+          <a:bodyPr>
+            <a:normAutofit/>
+          </a:bodyPr>
+          <a:lstStyle/>
+          <a:p>
+            <a:r>
+              <a:rPr lang="pt-BR" dirty="0"/>
+              <a:t>Para </a:t>
+            </a:r>
+            <a:r>
+              <a:rPr lang="pt-BR" dirty="0">
+                <a:solidFill>
+                  <a:schemeClr val="accent3"/>
+                </a:solidFill>
+              </a:rPr>
+              <a:t>controlar a frequência de atualização </a:t>
+            </a:r>
+            <a:r>
+              <a:rPr lang="pt-BR" dirty="0"/>
+              <a:t>é preciso utilizar um </a:t>
+            </a:r>
+            <a:r>
+              <a:rPr lang="pt-BR" dirty="0">
+                <a:solidFill>
+                  <a:schemeClr val="accent1"/>
+                </a:solidFill>
+              </a:rPr>
+              <a:t>timer</a:t>
+            </a:r>
+          </a:p>
+          <a:p>
+            <a:pPr lvl="1"/>
+            <a:r>
+              <a:rPr lang="pt-BR" dirty="0"/>
+              <a:t>O C++ possui duas opções:</a:t>
+            </a:r>
+          </a:p>
+          <a:p>
+            <a:pPr lvl="2"/>
+            <a:r>
+              <a:rPr lang="pt-BR" dirty="0" err="1">
+                <a:solidFill>
+                  <a:schemeClr val="accent2"/>
+                </a:solidFill>
+              </a:rPr>
+              <a:t>Clock</a:t>
+            </a:r>
+            <a:r>
+              <a:rPr lang="pt-BR" dirty="0">
+                <a:solidFill>
+                  <a:schemeClr val="accent2"/>
+                </a:solidFill>
+              </a:rPr>
+              <a:t>()</a:t>
+            </a:r>
+            <a:r>
+              <a:rPr lang="pt-BR" dirty="0"/>
+              <a:t> - Baixa precisão (</a:t>
+            </a:r>
+            <a:r>
+              <a:rPr lang="pt-BR" sz="1600" dirty="0">
+                <a:solidFill>
+                  <a:schemeClr val="tx1">
+                    <a:lumMod val="75000"/>
+                  </a:schemeClr>
+                </a:solidFill>
+                <a:latin typeface="Consolas" panose="020B0609020204030204" pitchFamily="49" charset="0"/>
+              </a:rPr>
+              <a:t>#include </a:t>
+            </a:r>
+            <a:r>
+              <a:rPr lang="pt-BR" sz="1600" dirty="0">
+                <a:solidFill>
+                  <a:schemeClr val="accent1">
+                    <a:lumMod val="60000"/>
+                    <a:lumOff val="40000"/>
+                  </a:schemeClr>
+                </a:solidFill>
+                <a:latin typeface="Consolas" panose="020B0609020204030204" pitchFamily="49" charset="0"/>
+              </a:rPr>
+              <a:t>&lt;</a:t>
+            </a:r>
+            <a:r>
+              <a:rPr lang="pt-BR" sz="1600" dirty="0" err="1">
+                <a:solidFill>
+                  <a:schemeClr val="accent1">
+                    <a:lumMod val="60000"/>
+                    <a:lumOff val="40000"/>
+                  </a:schemeClr>
+                </a:solidFill>
+                <a:latin typeface="Consolas" panose="020B0609020204030204" pitchFamily="49" charset="0"/>
+              </a:rPr>
+              <a:t>ctime</a:t>
+            </a:r>
+            <a:r>
+              <a:rPr lang="pt-BR" sz="1600" dirty="0">
+                <a:solidFill>
+                  <a:schemeClr val="accent1">
+                    <a:lumMod val="60000"/>
+                    <a:lumOff val="40000"/>
+                  </a:schemeClr>
+                </a:solidFill>
+                <a:latin typeface="Consolas" panose="020B0609020204030204" pitchFamily="49" charset="0"/>
+              </a:rPr>
+              <a:t>&gt;</a:t>
+            </a:r>
+            <a:r>
+              <a:rPr lang="pt-BR" dirty="0"/>
+              <a:t>)</a:t>
+            </a:r>
+          </a:p>
+          <a:p>
+            <a:pPr lvl="2"/>
+            <a:r>
+              <a:rPr lang="pt-BR" dirty="0" err="1">
+                <a:solidFill>
+                  <a:schemeClr val="accent2"/>
+                </a:solidFill>
+              </a:rPr>
+              <a:t>Chrono</a:t>
+            </a:r>
+            <a:r>
+              <a:rPr lang="pt-BR" dirty="0"/>
+              <a:t> – Várias opções de precisão (</a:t>
+            </a:r>
+            <a:r>
+              <a:rPr lang="pt-BR" sz="1600" dirty="0">
+                <a:solidFill>
+                  <a:schemeClr val="tx1">
+                    <a:lumMod val="75000"/>
+                  </a:schemeClr>
+                </a:solidFill>
+                <a:latin typeface="Consolas" pitchFamily="49" charset="0"/>
+                <a:cs typeface="Consolas" pitchFamily="49" charset="0"/>
+              </a:rPr>
+              <a:t>#include</a:t>
+            </a:r>
+            <a:r>
+              <a:rPr lang="pt-BR" sz="1600" dirty="0">
+                <a:latin typeface="Consolas" pitchFamily="49" charset="0"/>
+                <a:cs typeface="Consolas" pitchFamily="49" charset="0"/>
+              </a:rPr>
+              <a:t> </a:t>
+            </a:r>
+            <a:r>
+              <a:rPr lang="pt-BR" sz="1600" dirty="0">
+                <a:solidFill>
+                  <a:schemeClr val="accent1">
+                    <a:lumMod val="60000"/>
+                    <a:lumOff val="40000"/>
+                  </a:schemeClr>
+                </a:solidFill>
+                <a:latin typeface="Consolas" pitchFamily="49" charset="0"/>
+                <a:cs typeface="Consolas" pitchFamily="49" charset="0"/>
+              </a:rPr>
+              <a:t>&lt;</a:t>
+            </a:r>
+            <a:r>
+              <a:rPr lang="pt-BR" sz="1600" dirty="0" err="1">
+                <a:solidFill>
+                  <a:schemeClr val="accent1">
+                    <a:lumMod val="60000"/>
+                    <a:lumOff val="40000"/>
+                  </a:schemeClr>
+                </a:solidFill>
+                <a:latin typeface="Consolas" pitchFamily="49" charset="0"/>
+                <a:cs typeface="Consolas" pitchFamily="49" charset="0"/>
+              </a:rPr>
+              <a:t>chrono</a:t>
+            </a:r>
+            <a:r>
+              <a:rPr lang="pt-BR" sz="1600" dirty="0">
+                <a:solidFill>
+                  <a:schemeClr val="accent1">
+                    <a:lumMod val="60000"/>
+                    <a:lumOff val="40000"/>
+                  </a:schemeClr>
+                </a:solidFill>
+                <a:latin typeface="Consolas" pitchFamily="49" charset="0"/>
+                <a:cs typeface="Consolas" pitchFamily="49" charset="0"/>
+              </a:rPr>
+              <a:t>&gt;</a:t>
+            </a:r>
+            <a:r>
+              <a:rPr lang="pt-BR" dirty="0"/>
+              <a:t>)</a:t>
+            </a:r>
+          </a:p>
+          <a:p>
+            <a:pPr lvl="1"/>
+            <a:r>
+              <a:rPr lang="pt-BR" dirty="0"/>
+              <a:t>O Windows possui três funções (</a:t>
+            </a:r>
+            <a:r>
+              <a:rPr lang="pt-BR" sz="1600" dirty="0">
+                <a:solidFill>
+                  <a:schemeClr val="tx1">
+                    <a:lumMod val="75000"/>
+                  </a:schemeClr>
+                </a:solidFill>
+                <a:latin typeface="Consolas" panose="020B0609020204030204" pitchFamily="49" charset="0"/>
+              </a:rPr>
+              <a:t>#include</a:t>
+            </a:r>
+            <a:r>
+              <a:rPr lang="pt-BR" sz="1600" dirty="0">
+                <a:latin typeface="Consolas" panose="020B0609020204030204" pitchFamily="49" charset="0"/>
+              </a:rPr>
+              <a:t> </a:t>
+            </a:r>
+            <a:r>
+              <a:rPr lang="pt-BR" sz="1600" dirty="0">
+                <a:solidFill>
+                  <a:schemeClr val="accent1">
+                    <a:lumMod val="60000"/>
+                    <a:lumOff val="40000"/>
+                  </a:schemeClr>
+                </a:solidFill>
+                <a:latin typeface="Consolas" panose="020B0609020204030204" pitchFamily="49" charset="0"/>
+              </a:rPr>
+              <a:t>&lt;</a:t>
+            </a:r>
+            <a:r>
+              <a:rPr lang="pt-BR" sz="1600" dirty="0" err="1">
+                <a:solidFill>
+                  <a:schemeClr val="accent1">
+                    <a:lumMod val="60000"/>
+                    <a:lumOff val="40000"/>
+                  </a:schemeClr>
+                </a:solidFill>
+                <a:latin typeface="Consolas" panose="020B0609020204030204" pitchFamily="49" charset="0"/>
+              </a:rPr>
+              <a:t>windows.h</a:t>
+            </a:r>
+            <a:r>
+              <a:rPr lang="pt-BR" sz="1600" dirty="0">
+                <a:solidFill>
+                  <a:schemeClr val="accent1">
+                    <a:lumMod val="60000"/>
+                    <a:lumOff val="40000"/>
+                  </a:schemeClr>
+                </a:solidFill>
+                <a:latin typeface="Consolas" panose="020B0609020204030204" pitchFamily="49" charset="0"/>
+              </a:rPr>
+              <a:t>&gt;</a:t>
+            </a:r>
+            <a:r>
+              <a:rPr lang="pt-BR" dirty="0"/>
+              <a:t>)</a:t>
+            </a:r>
+          </a:p>
+          <a:p>
+            <a:pPr lvl="2"/>
+            <a:r>
+              <a:rPr lang="pt-BR" dirty="0" err="1">
+                <a:solidFill>
+                  <a:schemeClr val="accent2"/>
+                </a:solidFill>
+              </a:rPr>
+              <a:t>GetTickCount</a:t>
+            </a:r>
+            <a:r>
+              <a:rPr lang="pt-BR" dirty="0">
+                <a:solidFill>
+                  <a:schemeClr val="accent2"/>
+                </a:solidFill>
+              </a:rPr>
+              <a:t>()</a:t>
+            </a:r>
+            <a:r>
+              <a:rPr lang="pt-BR" dirty="0"/>
+              <a:t>  - Baixa precisão</a:t>
+            </a:r>
+          </a:p>
+          <a:p>
+            <a:pPr lvl="2"/>
+            <a:r>
+              <a:rPr lang="pt-BR" dirty="0" err="1">
+                <a:solidFill>
+                  <a:schemeClr val="accent2"/>
+                </a:solidFill>
+              </a:rPr>
+              <a:t>timeGetTime</a:t>
+            </a:r>
+            <a:r>
+              <a:rPr lang="pt-BR" dirty="0">
+                <a:solidFill>
+                  <a:schemeClr val="accent2"/>
+                </a:solidFill>
+              </a:rPr>
+              <a:t>()</a:t>
+            </a:r>
+            <a:r>
+              <a:rPr lang="pt-BR" dirty="0"/>
+              <a:t> - Precisão média (</a:t>
+            </a:r>
+            <a:r>
+              <a:rPr lang="pt-BR" dirty="0" err="1"/>
+              <a:t>winmm</a:t>
+            </a:r>
+            <a:r>
+              <a:rPr lang="pt-BR" dirty="0"/>
+              <a:t>)</a:t>
+            </a:r>
+          </a:p>
+          <a:p>
+            <a:pPr lvl="2"/>
+            <a:r>
+              <a:rPr lang="pt-BR" dirty="0">
+                <a:solidFill>
+                  <a:schemeClr val="accent2"/>
+                </a:solidFill>
+              </a:rPr>
+              <a:t>QueryPerformanceCounter()</a:t>
+            </a:r>
+            <a:r>
+              <a:rPr lang="pt-BR" dirty="0"/>
+              <a:t> - Alta precisão</a:t>
+            </a:r>
+          </a:p>
+          <a:p>
+            <a:pPr lvl="1"/>
+            <a:endParaRPr lang="pt-BR" dirty="0"/>
+          </a:p>
+        </p:txBody>
+      </p:sp>
+      <p:sp>
+        <p:nvSpPr>
+          <p:cNvPr id="3" name="Título 2"/>
+          <p:cNvSpPr>
+            <a:spLocks noGrp="1"/>
+          </p:cNvSpPr>
+          <p:nvPr>
+            <p:ph type="title"/>
+          </p:nvPr>
+        </p:nvSpPr>
+        <p:spPr/>
+        <p:txBody>
+          <a:bodyPr/>
+          <a:lstStyle/>
+          <a:p>
+            <a:r>
+              <a:rPr lang="pt-BR" dirty="0"/>
+              <a:t>Timer</a:t>
+            </a:r>
+          </a:p>
+        </p:txBody>
+      </p:sp>
+    </p:spTree>
+    <p:extLst>
+      <p:ext uri="{BB962C8B-B14F-4D97-AF65-F5344CB8AC3E}">
+        <p14:creationId xmlns:p14="http://schemas.microsoft.com/office/powerpoint/2010/main" val="1022008173"/>
+      </p:ext>
+    </p:extLst>
+  </p:cSld>
+  <p:clrMapOvr>
+    <a:masterClrMapping/>
+  </p:clrMapOvr>
+  <mc:AlternateContent xmlns:mc="http://schemas.openxmlformats.org/markup-compatibility/2006" xmlns:p15="http://schemas.microsoft.com/office/powerpoint/2012/main">
+    <mc:Choice Requires="p15">
+      <p:transition xmlns:p14="http://schemas.microsoft.com/office/powerpoint/2010/main" spd="slow" p14:dur="1250">
+        <p15:prstTrans prst="pageCurlDouble"/>
+      </p:transition>
+    </mc:Choice>
+    <mc:Fallback xmlns="">
+      <p:transition spd="slow">
+        <p:fade/>
+      </p:transition>
+    </mc:Fallback>
+  </mc:AlternateContent>
+</p:sld>
+</file>
+
+<file path=ppt/slides/slide21.xml><?xml version="1.0" encoding="utf-8"?>
+<p:sld xmlns:a="http://schemas.openxmlformats.org/drawingml/2006/main" xmlns:r="http://schemas.openxmlformats.org/officeDocument/2006/relationships" xmlns:p="http://schemas.openxmlformats.org/presentationml/2006/main">
+  <p:cSld>
+    <p:spTree>
+      <p:nvGrpSpPr>
+        <p:cNvPr id="1" name=""/>
+        <p:cNvGrpSpPr/>
+        <p:nvPr/>
+      </p:nvGrpSpPr>
+      <p:grpSpPr>
+        <a:xfrm>
+          <a:off x="0" y="0"/>
+          <a:ext cx="0" cy="0"/>
+          <a:chOff x="0" y="0"/>
+          <a:chExt cx="0" cy="0"/>
+        </a:xfrm>
+      </p:grpSpPr>
+      <p:sp>
+        <p:nvSpPr>
+          <p:cNvPr id="2" name="Espaço Reservado para Conteúdo 1"/>
+          <p:cNvSpPr>
+            <a:spLocks noGrp="1"/>
+          </p:cNvSpPr>
+          <p:nvPr>
+            <p:ph idx="1"/>
+          </p:nvPr>
+        </p:nvSpPr>
+        <p:spPr/>
+        <p:txBody>
           <a:bodyPr/>
           <a:lstStyle/>
           <a:p>
@@ -22926,7 +24395,7 @@
 </p:sld>
 </file>
 
-<file path=ppt/slides/slide21.xml><?xml version="1.0" encoding="utf-8"?>
+<file path=ppt/slides/slide22.xml><?xml version="1.0" encoding="utf-8"?>
 <p:sld xmlns:a="http://schemas.openxmlformats.org/drawingml/2006/main" xmlns:r="http://schemas.openxmlformats.org/officeDocument/2006/relationships" xmlns:p="http://schemas.openxmlformats.org/presentationml/2006/main">
   <p:cSld>
     <p:spTree>
@@ -24142,13 +25611,13 @@
   <p:clrMapOvr>
     <a:masterClrMapping/>
   </p:clrMapOvr>
-  <mc:AlternateContent xmlns:mc="http://schemas.openxmlformats.org/markup-compatibility/2006">
-    <mc:Choice xmlns:p15="http://schemas.microsoft.com/office/powerpoint/2012/main" Requires="p15">
+  <mc:AlternateContent xmlns:mc="http://schemas.openxmlformats.org/markup-compatibility/2006" xmlns:p15="http://schemas.microsoft.com/office/powerpoint/2012/main">
+    <mc:Choice Requires="p15">
       <p:transition xmlns:p14="http://schemas.microsoft.com/office/powerpoint/2010/main" spd="slow" p14:dur="1250">
         <p15:prstTrans prst="pageCurlDouble"/>
       </p:transition>
     </mc:Choice>
-    <mc:Fallback>
+    <mc:Fallback xmlns="">
       <p:transition spd="slow">
         <p:fade/>
       </p:transition>
@@ -24157,7 +25626,7 @@
 </p:sld>
 </file>
 
-<file path=ppt/slides/slide22.xml><?xml version="1.0" encoding="utf-8"?>
+<file path=ppt/slides/slide23.xml><?xml version="1.0" encoding="utf-8"?>
 <p:sld xmlns:a="http://schemas.openxmlformats.org/drawingml/2006/main" xmlns:r="http://schemas.openxmlformats.org/officeDocument/2006/relationships" xmlns:p="http://schemas.openxmlformats.org/presentationml/2006/main">
   <p:cSld>
     <p:spTree>
@@ -25245,7 +26714,7 @@
 </p:sld>
 </file>
 
-<file path=ppt/slides/slide23.xml><?xml version="1.0" encoding="utf-8"?>
+<file path=ppt/slides/slide24.xml><?xml version="1.0" encoding="utf-8"?>
 <p:sld xmlns:a="http://schemas.openxmlformats.org/drawingml/2006/main" xmlns:r="http://schemas.openxmlformats.org/officeDocument/2006/relationships" xmlns:p="http://schemas.openxmlformats.org/presentationml/2006/main">
   <p:cSld>
     <p:spTree>
@@ -25306,19 +26775,7 @@
                   <a:schemeClr val="accent1"/>
                 </a:solidFill>
               </a:rPr>
-              <a:t>organizar</a:t>
-            </a:r>
-            <a:r>
-              <a:rPr lang="pt-BR" dirty="0"/>
-              <a:t> e </a:t>
-            </a:r>
-            <a:r>
-              <a:rPr lang="pt-BR" dirty="0">
-                <a:solidFill>
-                  <a:schemeClr val="accent2"/>
-                </a:solidFill>
-              </a:rPr>
-              <a:t>simplificar</a:t>
+              <a:t>organizar e simplificar</a:t>
             </a:r>
             <a:r>
               <a:rPr lang="pt-BR" dirty="0"/>
@@ -25343,7 +26800,7 @@
               </a:lnSpc>
             </a:pPr>
             <a:r>
-              <a:rPr lang="pt-BR" cap="small" dirty="0">
+              <a:rPr lang="pt-BR" dirty="0">
                 <a:solidFill>
                   <a:schemeClr val="accent2"/>
                 </a:solidFill>
@@ -25362,7 +26819,7 @@
               </a:lnSpc>
             </a:pPr>
             <a:r>
-              <a:rPr lang="pt-BR" cap="small" dirty="0">
+              <a:rPr lang="pt-BR" dirty="0">
                 <a:solidFill>
                   <a:schemeClr val="accent2"/>
                 </a:solidFill>
@@ -25381,7 +26838,7 @@
               </a:lnSpc>
             </a:pPr>
             <a:r>
-              <a:rPr lang="pt-BR" cap="small" dirty="0">
+              <a:rPr lang="pt-BR" dirty="0">
                 <a:solidFill>
                   <a:schemeClr val="accent2"/>
                 </a:solidFill>
@@ -25400,7 +26857,7 @@
               </a:lnSpc>
             </a:pPr>
             <a:r>
-              <a:rPr lang="pt-BR" cap="small" dirty="0">
+              <a:rPr lang="pt-BR" dirty="0">
                 <a:solidFill>
                   <a:schemeClr val="accent2"/>
                 </a:solidFill>
@@ -25419,7 +26876,7 @@
               </a:lnSpc>
             </a:pPr>
             <a:r>
-              <a:rPr lang="pt-BR" cap="small" dirty="0">
+              <a:rPr lang="pt-BR" dirty="0">
                 <a:solidFill>
                   <a:schemeClr val="accent2"/>
                 </a:solidFill>
@@ -25483,7 +26940,7 @@
 </p:sld>
 </file>
 
-<file path=ppt/slides/slide24.xml><?xml version="1.0" encoding="utf-8"?>
+<file path=ppt/slides/slide25.xml><?xml version="1.0" encoding="utf-8"?>
 <p:sld xmlns:a="http://schemas.openxmlformats.org/drawingml/2006/main" xmlns:r="http://schemas.openxmlformats.org/officeDocument/2006/relationships" xmlns:p="http://schemas.openxmlformats.org/presentationml/2006/main">
   <p:cSld>
     <p:spTree>
@@ -25732,7 +27189,7 @@
             </a:r>
             <a:r>
               <a:rPr lang="pt-BR" dirty="0"/>
-              <a:t>Update(2.3)</a:t>
+              <a:t>Update(10.8)</a:t>
             </a:r>
             <a:endParaRPr lang="pt-BR" dirty="0">
               <a:solidFill>
@@ -25773,6 +27230,379 @@
 </file>
 
 <file path=ppt/slides/slide3.xml><?xml version="1.0" encoding="utf-8"?>
+<p:sld xmlns:a="http://schemas.openxmlformats.org/drawingml/2006/main" xmlns:r="http://schemas.openxmlformats.org/officeDocument/2006/relationships" xmlns:p="http://schemas.openxmlformats.org/presentationml/2006/main">
+  <p:cSld>
+    <p:spTree>
+      <p:nvGrpSpPr>
+        <p:cNvPr id="1" name=""/>
+        <p:cNvGrpSpPr/>
+        <p:nvPr/>
+      </p:nvGrpSpPr>
+      <p:grpSpPr>
+        <a:xfrm>
+          <a:off x="0" y="0"/>
+          <a:ext cx="0" cy="0"/>
+          <a:chOff x="0" y="0"/>
+          <a:chExt cx="0" cy="0"/>
+        </a:xfrm>
+      </p:grpSpPr>
+      <p:sp>
+        <p:nvSpPr>
+          <p:cNvPr id="2" name="Espaço Reservado para Conteúdo 1"/>
+          <p:cNvSpPr>
+            <a:spLocks noGrp="1"/>
+          </p:cNvSpPr>
+          <p:nvPr>
+            <p:ph idx="1"/>
+          </p:nvPr>
+        </p:nvSpPr>
+        <p:spPr/>
+        <p:txBody>
+          <a:bodyPr/>
+          <a:lstStyle/>
+          <a:p>
+            <a:r>
+              <a:rPr lang="pt-BR" b="1" dirty="0"/>
+              <a:t>Todas</a:t>
+            </a:r>
+            <a:r>
+              <a:rPr lang="pt-BR" dirty="0"/>
+              <a:t> as </a:t>
+            </a:r>
+            <a:r>
+              <a:rPr lang="pt-BR" dirty="0">
+                <a:solidFill>
+                  <a:schemeClr val="accent3"/>
+                </a:solidFill>
+              </a:rPr>
+              <a:t>aplicações gráficas </a:t>
+            </a:r>
+            <a:r>
+              <a:rPr lang="pt-BR" dirty="0">
+                <a:solidFill>
+                  <a:schemeClr val="accent1"/>
+                </a:solidFill>
+              </a:rPr>
+              <a:t>precisam</a:t>
+            </a:r>
+            <a:r>
+              <a:rPr lang="pt-BR" dirty="0"/>
+              <a:t>:</a:t>
+            </a:r>
+          </a:p>
+          <a:p>
+            <a:pPr lvl="1"/>
+            <a:r>
+              <a:rPr lang="pt-BR" dirty="0"/>
+              <a:t>Carregar arquivos e alocar memória</a:t>
+            </a:r>
+          </a:p>
+          <a:p>
+            <a:pPr lvl="2"/>
+            <a:r>
+              <a:rPr lang="pt-BR" dirty="0"/>
+              <a:t>Modelos 3D</a:t>
+            </a:r>
+          </a:p>
+          <a:p>
+            <a:pPr lvl="2"/>
+            <a:r>
+              <a:rPr lang="pt-BR" dirty="0"/>
+              <a:t>Texturas</a:t>
+            </a:r>
+          </a:p>
+          <a:p>
+            <a:pPr lvl="1"/>
+            <a:r>
+              <a:rPr lang="pt-BR" dirty="0"/>
+              <a:t>Ler os dispositivos de entrada</a:t>
+            </a:r>
+          </a:p>
+          <a:p>
+            <a:pPr lvl="1"/>
+            <a:r>
+              <a:rPr lang="pt-BR" dirty="0"/>
+              <a:t>Atualizar os objetos na cena</a:t>
+            </a:r>
+          </a:p>
+          <a:p>
+            <a:pPr lvl="1"/>
+            <a:r>
+              <a:rPr lang="pt-BR" dirty="0"/>
+              <a:t>Produzir uma imagem</a:t>
+            </a:r>
+          </a:p>
+          <a:p>
+            <a:pPr lvl="1"/>
+            <a:r>
+              <a:rPr lang="pt-BR" dirty="0"/>
+              <a:t>Exibir o resultado</a:t>
+            </a:r>
+          </a:p>
+        </p:txBody>
+      </p:sp>
+      <p:sp>
+        <p:nvSpPr>
+          <p:cNvPr id="3" name="Título 2"/>
+          <p:cNvSpPr>
+            <a:spLocks noGrp="1"/>
+          </p:cNvSpPr>
+          <p:nvPr>
+            <p:ph type="title"/>
+          </p:nvPr>
+        </p:nvSpPr>
+        <p:spPr/>
+        <p:txBody>
+          <a:bodyPr/>
+          <a:lstStyle/>
+          <a:p>
+            <a:r>
+              <a:rPr lang="pt-BR" dirty="0"/>
+              <a:t>Introdução</a:t>
+            </a:r>
+          </a:p>
+        </p:txBody>
+      </p:sp>
+      <p:pic>
+        <p:nvPicPr>
+          <p:cNvPr id="4" name="spreadsheet-editor-293">
+            <a:hlinkClick r:id="" action="ppaction://media"/>
+            <a:extLst>
+              <a:ext uri="{FF2B5EF4-FFF2-40B4-BE49-F238E27FC236}">
+                <a16:creationId xmlns:a16="http://schemas.microsoft.com/office/drawing/2014/main" id="{9065903C-0BB9-4894-A480-0C6ABAEDA6E1}"/>
+              </a:ext>
+            </a:extLst>
+          </p:cNvPr>
+          <p:cNvPicPr>
+            <a:picLocks noChangeAspect="1"/>
+          </p:cNvPicPr>
+          <p:nvPr>
+            <a:videoFile r:link="rId1"/>
+            <p:extLst>
+              <p:ext uri="{DAA4B4D4-6D71-4841-9C94-3DE7FCFB9230}">
+                <p14:media xmlns:p14="http://schemas.microsoft.com/office/powerpoint/2010/main" r:embed="rId2">
+                  <p14:trim end="14667"/>
+                </p14:media>
+              </p:ext>
+            </p:extLst>
+          </p:nvPr>
+        </p:nvPicPr>
+        <p:blipFill rotWithShape="1">
+          <a:blip r:embed="rId5"/>
+          <a:srcRect l="21631" t="230" r="16728" b="-1"/>
+          <a:stretch>
+            <a:fillRect/>
+          </a:stretch>
+        </p:blipFill>
+        <p:spPr>
+          <a:xfrm>
+            <a:off x="6505533" y="3233222"/>
+            <a:ext cx="4547830" cy="2089530"/>
+          </a:xfrm>
+          <a:prstGeom prst="rect">
+            <a:avLst/>
+          </a:prstGeom>
+        </p:spPr>
+      </p:pic>
+      <p:sp>
+        <p:nvSpPr>
+          <p:cNvPr id="6" name="CaixaDeTexto 5">
+            <a:extLst>
+              <a:ext uri="{FF2B5EF4-FFF2-40B4-BE49-F238E27FC236}">
+                <a16:creationId xmlns:a16="http://schemas.microsoft.com/office/drawing/2014/main" id="{423EFE73-4405-43CF-9C3B-D123D0D5D140}"/>
+              </a:ext>
+            </a:extLst>
+          </p:cNvPr>
+          <p:cNvSpPr txBox="1"/>
+          <p:nvPr/>
+        </p:nvSpPr>
+        <p:spPr>
+          <a:xfrm>
+            <a:off x="10209862" y="5381245"/>
+            <a:ext cx="843501" cy="307777"/>
+          </a:xfrm>
+          <a:prstGeom prst="rect">
+            <a:avLst/>
+          </a:prstGeom>
+          <a:noFill/>
+        </p:spPr>
+        <p:txBody>
+          <a:bodyPr wrap="none" rtlCol="0">
+            <a:spAutoFit/>
+          </a:bodyPr>
+          <a:lstStyle/>
+          <a:p>
+            <a:r>
+              <a:rPr lang="pt-BR" sz="1400" dirty="0"/>
+              <a:t>Blender</a:t>
+            </a:r>
+          </a:p>
+        </p:txBody>
+      </p:sp>
+    </p:spTree>
+    <p:extLst>
+      <p:ext uri="{BB962C8B-B14F-4D97-AF65-F5344CB8AC3E}">
+        <p14:creationId xmlns:p14="http://schemas.microsoft.com/office/powerpoint/2010/main" val="2454946794"/>
+      </p:ext>
+    </p:extLst>
+  </p:cSld>
+  <p:clrMapOvr>
+    <a:masterClrMapping/>
+  </p:clrMapOvr>
+  <mc:AlternateContent xmlns:mc="http://schemas.openxmlformats.org/markup-compatibility/2006">
+    <mc:Choice xmlns:p15="http://schemas.microsoft.com/office/powerpoint/2012/main" Requires="p15">
+      <p:transition xmlns:p14="http://schemas.microsoft.com/office/powerpoint/2010/main" spd="slow" p14:dur="1250">
+        <p15:prstTrans prst="pageCurlDouble"/>
+      </p:transition>
+    </mc:Choice>
+    <mc:Fallback>
+      <p:transition spd="slow">
+        <p:fade/>
+      </p:transition>
+    </mc:Fallback>
+  </mc:AlternateContent>
+  <p:timing>
+    <p:tnLst>
+      <p:par>
+        <p:cTn id="1" dur="indefinite" restart="never" nodeType="tmRoot">
+          <p:childTnLst>
+            <p:seq concurrent="1" nextAc="seek">
+              <p:cTn id="2" dur="indefinite" nodeType="mainSeq">
+                <p:childTnLst>
+                  <p:par>
+                    <p:cTn id="3" fill="hold">
+                      <p:stCondLst>
+                        <p:cond delay="indefinite"/>
+                        <p:cond evt="onBegin" delay="0">
+                          <p:tn val="2"/>
+                        </p:cond>
+                      </p:stCondLst>
+                      <p:childTnLst>
+                        <p:par>
+                          <p:cTn id="4" fill="hold">
+                            <p:stCondLst>
+                              <p:cond delay="0"/>
+                            </p:stCondLst>
+                            <p:childTnLst>
+                              <p:par>
+                                <p:cTn id="5" presetID="1" presetClass="mediacall" presetSubtype="0" fill="hold" nodeType="afterEffect">
+                                  <p:stCondLst>
+                                    <p:cond delay="0"/>
+                                  </p:stCondLst>
+                                  <p:childTnLst>
+                                    <p:cmd type="call" cmd="playFrom(0.0)">
+                                      <p:cBhvr>
+                                        <p:cTn id="6" dur="17417" fill="hold"/>
+                                        <p:tgtEl>
+                                          <p:spTgt spid="4"/>
+                                        </p:tgtEl>
+                                      </p:cBhvr>
+                                    </p:cmd>
+                                  </p:childTnLst>
+                                </p:cTn>
+                              </p:par>
+                            </p:childTnLst>
+                          </p:cTn>
+                        </p:par>
+                      </p:childTnLst>
+                    </p:cTn>
+                  </p:par>
+                </p:childTnLst>
+              </p:cTn>
+              <p:prevCondLst>
+                <p:cond evt="onPrev" delay="0">
+                  <p:tgtEl>
+                    <p:sldTgt/>
+                  </p:tgtEl>
+                </p:cond>
+              </p:prevCondLst>
+              <p:nextCondLst>
+                <p:cond evt="onNext" delay="0">
+                  <p:tgtEl>
+                    <p:sldTgt/>
+                  </p:tgtEl>
+                </p:cond>
+              </p:nextCondLst>
+            </p:seq>
+            <p:video>
+              <p:cMediaNode vol="80000">
+                <p:cTn id="7" repeatCount="indefinite" fill="hold" display="0">
+                  <p:stCondLst>
+                    <p:cond delay="indefinite"/>
+                  </p:stCondLst>
+                </p:cTn>
+                <p:tgtEl>
+                  <p:spTgt spid="4"/>
+                </p:tgtEl>
+              </p:cMediaNode>
+            </p:video>
+            <p:seq concurrent="1" nextAc="seek">
+              <p:cTn id="8" restart="whenNotActive" fill="hold" evtFilter="cancelBubble" nodeType="interactiveSeq">
+                <p:stCondLst>
+                  <p:cond evt="onClick" delay="0">
+                    <p:tgtEl>
+                      <p:spTgt spid="4"/>
+                    </p:tgtEl>
+                  </p:cond>
+                </p:stCondLst>
+                <p:endSync evt="end" delay="0">
+                  <p:rtn val="all"/>
+                </p:endSync>
+                <p:childTnLst>
+                  <p:par>
+                    <p:cTn id="9" fill="hold">
+                      <p:stCondLst>
+                        <p:cond delay="0"/>
+                      </p:stCondLst>
+                      <p:childTnLst>
+                        <p:par>
+                          <p:cTn id="10" fill="hold">
+                            <p:stCondLst>
+                              <p:cond delay="0"/>
+                            </p:stCondLst>
+                            <p:childTnLst>
+                              <p:par>
+                                <p:cTn id="11" presetID="2" presetClass="mediacall" presetSubtype="0" fill="hold" nodeType="clickEffect">
+                                  <p:stCondLst>
+                                    <p:cond delay="0"/>
+                                  </p:stCondLst>
+                                  <p:childTnLst>
+                                    <p:cmd type="call" cmd="togglePause">
+                                      <p:cBhvr>
+                                        <p:cTn id="12" dur="1" fill="hold"/>
+                                        <p:tgtEl>
+                                          <p:spTgt spid="4"/>
+                                        </p:tgtEl>
+                                      </p:cBhvr>
+                                    </p:cmd>
+                                  </p:childTnLst>
+                                </p:cTn>
+                              </p:par>
+                            </p:childTnLst>
+                          </p:cTn>
+                        </p:par>
+                      </p:childTnLst>
+                    </p:cTn>
+                  </p:par>
+                </p:childTnLst>
+              </p:cTn>
+              <p:nextCondLst>
+                <p:cond evt="onClick" delay="0">
+                  <p:tgtEl>
+                    <p:spTgt spid="4"/>
+                  </p:tgtEl>
+                </p:cond>
+              </p:nextCondLst>
+            </p:seq>
+          </p:childTnLst>
+        </p:cTn>
+      </p:par>
+    </p:tnLst>
+  </p:timing>
+</p:sld>
+</file>
+
+<file path=ppt/slides/slide4.xml><?xml version="1.0" encoding="utf-8"?>
 <p:sld xmlns:a="http://schemas.openxmlformats.org/drawingml/2006/main" xmlns:r="http://schemas.openxmlformats.org/officeDocument/2006/relationships" xmlns:p="http://schemas.openxmlformats.org/presentationml/2006/main">
   <p:cSld>
     <p:spTree>
@@ -26032,7 +27862,7 @@
         </p:nvSpPr>
         <p:spPr>
           <a:xfrm>
-            <a:off x="5364008" y="3370102"/>
+            <a:off x="5364008" y="3494970"/>
             <a:ext cx="1713424" cy="359372"/>
           </a:xfrm>
           <a:prstGeom prst="rect">
@@ -26097,7 +27927,7 @@
         </p:nvSpPr>
         <p:spPr>
           <a:xfrm>
-            <a:off x="5365328" y="3835059"/>
+            <a:off x="5365328" y="3959927"/>
             <a:ext cx="1710128" cy="359373"/>
           </a:xfrm>
           <a:prstGeom prst="rect">
@@ -26162,7 +27992,7 @@
         </p:nvSpPr>
         <p:spPr>
           <a:xfrm>
-            <a:off x="5364009" y="2899079"/>
+            <a:off x="5364009" y="3023947"/>
             <a:ext cx="1722134" cy="362007"/>
           </a:xfrm>
           <a:prstGeom prst="rect">
@@ -26227,7 +28057,7 @@
         </p:nvSpPr>
         <p:spPr>
           <a:xfrm>
-            <a:off x="1841078" y="3573143"/>
+            <a:off x="1841078" y="3698011"/>
             <a:ext cx="2385539" cy="883203"/>
           </a:xfrm>
           <a:prstGeom prst="rect">
@@ -26307,7 +28137,7 @@
         </p:nvSpPr>
         <p:spPr>
           <a:xfrm>
-            <a:off x="8096954" y="3199415"/>
+            <a:off x="8096954" y="3324283"/>
             <a:ext cx="843834" cy="326996"/>
           </a:xfrm>
           <a:prstGeom prst="rect">
@@ -26372,7 +28202,7 @@
         </p:nvSpPr>
         <p:spPr>
           <a:xfrm>
-            <a:off x="8092336" y="3586746"/>
+            <a:off x="8092336" y="3711614"/>
             <a:ext cx="853070" cy="326996"/>
           </a:xfrm>
           <a:prstGeom prst="rect">
@@ -26435,13 +28265,12 @@
           <p:cNvCxnSpPr>
             <a:cxnSpLocks/>
             <a:stCxn id="11" idx="1"/>
-            <a:endCxn id="7" idx="3"/>
           </p:cNvCxnSpPr>
           <p:nvPr/>
         </p:nvCxnSpPr>
         <p:spPr>
           <a:xfrm rot="10800000" flipV="1">
-            <a:off x="7077432" y="3362912"/>
+            <a:off x="7077432" y="3487780"/>
             <a:ext cx="1019522" cy="186875"/>
           </a:xfrm>
           <a:prstGeom prst="bentConnector3">
@@ -26481,13 +28310,12 @@
           <p:cNvCxnSpPr>
             <a:cxnSpLocks/>
             <a:stCxn id="12" idx="1"/>
-            <a:endCxn id="7" idx="3"/>
           </p:cNvCxnSpPr>
           <p:nvPr/>
         </p:nvCxnSpPr>
         <p:spPr>
           <a:xfrm rot="10800000">
-            <a:off x="7077432" y="3549788"/>
+            <a:off x="7077432" y="3674656"/>
             <a:ext cx="1014904" cy="200456"/>
           </a:xfrm>
           <a:prstGeom prst="bentConnector3">
@@ -26533,12 +28361,12 @@
         </p:nvCxnSpPr>
         <p:spPr>
           <a:xfrm flipH="1" flipV="1">
-            <a:off x="9090143" y="2582738"/>
-            <a:ext cx="718059" cy="3345861"/>
+            <a:off x="9090143" y="2631074"/>
+            <a:ext cx="718059" cy="3297525"/>
           </a:xfrm>
           <a:prstGeom prst="bentConnector3">
             <a:avLst>
-              <a:gd name="adj1" fmla="val -120037"/>
+              <a:gd name="adj1" fmla="val -121032"/>
             </a:avLst>
           </a:prstGeom>
           <a:ln>
@@ -26577,7 +28405,7 @@
         </p:nvSpPr>
         <p:spPr>
           <a:xfrm>
-            <a:off x="4323899" y="3709661"/>
+            <a:off x="4323899" y="3834529"/>
             <a:ext cx="535724" cy="276999"/>
           </a:xfrm>
           <a:prstGeom prst="rect">
@@ -26612,7 +28440,7 @@
         </p:nvSpPr>
         <p:spPr>
           <a:xfrm>
-            <a:off x="5174828" y="2399621"/>
+            <a:off x="5174828" y="2447957"/>
             <a:ext cx="2091128" cy="369332"/>
           </a:xfrm>
           <a:prstGeom prst="rect">
@@ -26636,7 +28464,7 @@
       </p:sp>
       <p:sp>
         <p:nvSpPr>
-          <p:cNvPr id="18" name="Retângulo: Cantos Arredondados 17">
+          <p:cNvPr id="18" name="Retângulo 17">
             <a:extLst>
               <a:ext uri="{FF2B5EF4-FFF2-40B4-BE49-F238E27FC236}">
                 <a16:creationId xmlns:a16="http://schemas.microsoft.com/office/drawing/2014/main" id="{7079E3DB-8B8D-41B9-878E-FC44C60C839C}"/>
@@ -26648,22 +28476,21 @@
         </p:nvSpPr>
         <p:spPr>
           <a:xfrm>
-            <a:off x="5602574" y="4611074"/>
-            <a:ext cx="1232996" cy="359373"/>
+            <a:off x="5364008" y="4424885"/>
+            <a:ext cx="1722135" cy="359373"/>
           </a:xfrm>
-          <a:prstGeom prst="roundRect">
+          <a:prstGeom prst="rect">
             <a:avLst/>
           </a:prstGeom>
           <a:solidFill>
             <a:schemeClr val="accent1">
               <a:lumMod val="50000"/>
-              <a:alpha val="50000"/>
             </a:schemeClr>
           </a:solidFill>
           <a:ln>
             <a:solidFill>
               <a:schemeClr val="accent1">
-                <a:lumMod val="50000"/>
+                <a:lumMod val="75000"/>
               </a:schemeClr>
             </a:solidFill>
           </a:ln>
@@ -26718,7 +28545,7 @@
         </p:nvCxnSpPr>
         <p:spPr>
           <a:xfrm flipH="1">
-            <a:off x="7265956" y="2582738"/>
+            <a:off x="7265956" y="2631074"/>
             <a:ext cx="681644" cy="1549"/>
           </a:xfrm>
           <a:prstGeom prst="straightConnector1">
@@ -26760,7 +28587,7 @@
         </p:nvGrpSpPr>
         <p:grpSpPr>
           <a:xfrm>
-            <a:off x="7947600" y="2201890"/>
+            <a:off x="7947600" y="2250226"/>
             <a:ext cx="1142543" cy="761695"/>
             <a:chOff x="5347254" y="5456990"/>
             <a:chExt cx="1512168" cy="1008112"/>
@@ -27083,7 +28910,7 @@
         </p:nvCxnSpPr>
         <p:spPr>
           <a:xfrm>
-            <a:off x="4226617" y="2584287"/>
+            <a:off x="4226617" y="2632623"/>
             <a:ext cx="948211" cy="0"/>
           </a:xfrm>
           <a:prstGeom prst="straightConnector1">
@@ -27129,7 +28956,7 @@
         </p:nvCxnSpPr>
         <p:spPr>
           <a:xfrm flipH="1" flipV="1">
-            <a:off x="4226617" y="4014745"/>
+            <a:off x="4226617" y="4139613"/>
             <a:ext cx="1138711" cy="1"/>
           </a:xfrm>
           <a:prstGeom prst="straightConnector1">
@@ -27234,7 +29061,7 @@
         </p:nvSpPr>
         <p:spPr>
           <a:xfrm>
-            <a:off x="1842220" y="2308860"/>
+            <a:off x="1842220" y="2357196"/>
             <a:ext cx="2385539" cy="864096"/>
           </a:xfrm>
           <a:prstGeom prst="rect">
@@ -27457,7 +29284,7 @@
 </p:sld>
 </file>
 
-<file path=ppt/slides/slide4.xml><?xml version="1.0" encoding="utf-8"?>
+<file path=ppt/slides/slide5.xml><?xml version="1.0" encoding="utf-8"?>
 <p:sld xmlns:a="http://schemas.openxmlformats.org/drawingml/2006/main" xmlns:r="http://schemas.openxmlformats.org/officeDocument/2006/relationships" xmlns:p="http://schemas.openxmlformats.org/presentationml/2006/main">
   <p:cSld>
     <p:spTree>
@@ -28390,7 +30217,7 @@
 </p:sld>
 </file>
 
-<file path=ppt/slides/slide5.xml><?xml version="1.0" encoding="utf-8"?>
+<file path=ppt/slides/slide6.xml><?xml version="1.0" encoding="utf-8"?>
 <p:sld xmlns:a="http://schemas.openxmlformats.org/drawingml/2006/main" xmlns:r="http://schemas.openxmlformats.org/officeDocument/2006/relationships" xmlns:p="http://schemas.openxmlformats.org/presentationml/2006/main">
   <p:cSld>
     <p:spTree>
@@ -29281,7 +31108,7 @@
           </a:xfrm>
           <a:prstGeom prst="bentConnector3">
             <a:avLst>
-              <a:gd name="adj1" fmla="val 91959"/>
+              <a:gd name="adj1" fmla="val 85481"/>
             </a:avLst>
           </a:prstGeom>
           <a:ln>
@@ -29431,11 +31258,9 @@
           <a:p>
             <a:pPr algn="ctr"/>
             <a:r>
-              <a:rPr lang="pt-BR" sz="1200" dirty="0">
+              <a:rPr lang="pt-BR" sz="1200" b="1" dirty="0">
                 <a:solidFill>
-                  <a:schemeClr val="tx1">
-                    <a:lumMod val="85000"/>
-                  </a:schemeClr>
+                  <a:schemeClr val="tx1"/>
                 </a:solidFill>
               </a:rPr>
               <a:t>Atualização</a:t>
@@ -29637,13 +31462,12 @@
           <a:solidFill>
             <a:schemeClr val="accent1">
               <a:lumMod val="50000"/>
-              <a:alpha val="50000"/>
             </a:schemeClr>
           </a:solidFill>
           <a:ln>
             <a:solidFill>
               <a:schemeClr val="accent1">
-                <a:lumMod val="50000"/>
+                <a:lumMod val="75000"/>
               </a:schemeClr>
             </a:solidFill>
           </a:ln>
@@ -29668,11 +31492,9 @@
           <a:p>
             <a:pPr algn="ctr"/>
             <a:r>
-              <a:rPr lang="pt-BR" sz="1200" dirty="0">
+              <a:rPr lang="pt-BR" sz="1200" b="1" dirty="0">
                 <a:solidFill>
-                  <a:schemeClr val="tx1">
-                    <a:lumMod val="85000"/>
-                  </a:schemeClr>
+                  <a:schemeClr val="tx1"/>
                 </a:solidFill>
               </a:rPr>
               <a:t>Desenho</a:t>
@@ -29705,7 +31527,7 @@
 </p:sld>
 </file>
 
-<file path=ppt/slides/slide6.xml><?xml version="1.0" encoding="utf-8"?>
+<file path=ppt/slides/slide7.xml><?xml version="1.0" encoding="utf-8"?>
 <p:sld xmlns:a="http://schemas.openxmlformats.org/drawingml/2006/main" xmlns:r="http://schemas.openxmlformats.org/officeDocument/2006/relationships" xmlns:p="http://schemas.openxmlformats.org/presentationml/2006/main">
   <p:cSld>
     <p:spTree>
@@ -29744,7 +31566,7 @@
             </a:pPr>
             <a:r>
               <a:rPr lang="pt-BR" dirty="0"/>
-              <a:t>A </a:t>
+              <a:t>Podemos </a:t>
             </a:r>
             <a:r>
               <a:rPr lang="pt-BR" dirty="0">
@@ -29752,11 +31574,11 @@
                   <a:schemeClr val="accent3"/>
                 </a:solidFill>
               </a:rPr>
-              <a:t>execução da aplicação</a:t>
+              <a:t>abstrair o laço principal </a:t>
             </a:r>
             <a:r>
               <a:rPr lang="pt-BR" dirty="0"/>
-              <a:t> pode ser </a:t>
+              <a:t>usando um </a:t>
             </a:r>
             <a:r>
               <a:rPr lang="pt-BR" dirty="0">
@@ -29764,7 +31586,7 @@
                   <a:schemeClr val="accent1"/>
                 </a:solidFill>
               </a:rPr>
-              <a:t>controlada por um motor</a:t>
+              <a:t>motor gráfico</a:t>
             </a:r>
           </a:p>
           <a:p>
@@ -29806,7 +31628,7 @@
             <a:pPr lvl="1"/>
             <a:r>
               <a:rPr lang="pt-BR" dirty="0"/>
-              <a:t>O motor deve facilitar a </a:t>
+              <a:t>O motor facilita a </a:t>
             </a:r>
             <a:br>
               <a:rPr lang="pt-BR" dirty="0"/>
@@ -30201,8 +32023,8 @@
           </p:nvSpPr>
           <p:spPr>
             <a:xfrm>
-              <a:off x="9159542" y="4685307"/>
-              <a:ext cx="647934" cy="261610"/>
+              <a:off x="9143430" y="4685307"/>
+              <a:ext cx="803425" cy="261610"/>
             </a:xfrm>
             <a:prstGeom prst="rect">
               <a:avLst/>
@@ -30217,7 +32039,7 @@
             <a:p>
               <a:r>
                 <a:rPr lang="pt-BR" sz="1100" dirty="0"/>
-                <a:t>Engine</a:t>
+                <a:t>Graphics</a:t>
               </a:r>
               <a:endParaRPr lang="pt-BR" sz="1200" dirty="0"/>
             </a:p>
@@ -30528,7 +32350,7 @@
 </p:sld>
 </file>
 
-<file path=ppt/slides/slide7.xml><?xml version="1.0" encoding="utf-8"?>
+<file path=ppt/slides/slide8.xml><?xml version="1.0" encoding="utf-8"?>
 <p:sld xmlns:a="http://schemas.openxmlformats.org/drawingml/2006/main" xmlns:r="http://schemas.openxmlformats.org/officeDocument/2006/relationships" xmlns:p="http://schemas.openxmlformats.org/presentationml/2006/main">
   <p:cSld>
     <p:spTree>
@@ -30769,7 +32591,7 @@
               <a:p>
                 <a:pPr algn="ctr"/>
                 <a:r>
-                  <a:rPr lang="pt-BR" sz="1200" dirty="0" err="1">
+                  <a:rPr lang="pt-BR" sz="1200" dirty="0">
                     <a:solidFill>
                       <a:schemeClr val="tx1"/>
                     </a:solidFill>
@@ -30778,13 +32600,6 @@
                   </a:rPr>
                   <a:t>Graphics</a:t>
                 </a:r>
-                <a:endParaRPr lang="pt-BR" sz="1200" dirty="0">
-                  <a:solidFill>
-                    <a:schemeClr val="tx1"/>
-                  </a:solidFill>
-                  <a:latin typeface="Consolas" pitchFamily="49" charset="0"/>
-                  <a:cs typeface="Consolas" pitchFamily="49" charset="0"/>
-                </a:endParaRPr>
               </a:p>
             </p:txBody>
           </p:sp>
@@ -31840,7 +33655,7 @@
               <a:p>
                 <a:pPr algn="ctr"/>
                 <a:r>
-                  <a:rPr lang="pt-BR" sz="1200" dirty="0" err="1">
+                  <a:rPr lang="pt-BR" sz="1200" dirty="0">
                     <a:solidFill>
                       <a:schemeClr val="tx1"/>
                     </a:solidFill>
@@ -31849,13 +33664,6 @@
                   </a:rPr>
                   <a:t>MyApp</a:t>
                 </a:r>
-                <a:endParaRPr lang="pt-BR" sz="1200" dirty="0">
-                  <a:solidFill>
-                    <a:schemeClr val="tx1"/>
-                  </a:solidFill>
-                  <a:latin typeface="Consolas" pitchFamily="49" charset="0"/>
-                  <a:cs typeface="Consolas" pitchFamily="49" charset="0"/>
-                </a:endParaRPr>
               </a:p>
             </p:txBody>
           </p:sp>
@@ -32084,7 +33892,7 @@
               <a:p>
                 <a:pPr algn="ctr"/>
                 <a:r>
-                  <a:rPr lang="pt-BR" sz="1200" dirty="0" err="1">
+                  <a:rPr lang="pt-BR" sz="1200" dirty="0">
                     <a:solidFill>
                       <a:schemeClr val="tx1"/>
                     </a:solidFill>
@@ -32093,13 +33901,6 @@
                   </a:rPr>
                   <a:t>Graphics</a:t>
                 </a:r>
-                <a:endParaRPr lang="pt-BR" sz="1200" dirty="0">
-                  <a:solidFill>
-                    <a:schemeClr val="tx1"/>
-                  </a:solidFill>
-                  <a:latin typeface="Consolas" pitchFamily="49" charset="0"/>
-                  <a:cs typeface="Consolas" pitchFamily="49" charset="0"/>
-                </a:endParaRPr>
               </a:p>
             </p:txBody>
           </p:sp>
@@ -32608,7 +34409,7 @@
 </p:sld>
 </file>
 
-<file path=ppt/slides/slide8.xml><?xml version="1.0" encoding="utf-8"?>
+<file path=ppt/slides/slide9.xml><?xml version="1.0" encoding="utf-8"?>
 <p:sld xmlns:a="http://schemas.openxmlformats.org/drawingml/2006/main" xmlns:r="http://schemas.openxmlformats.org/officeDocument/2006/relationships" xmlns:p="http://schemas.openxmlformats.org/presentationml/2006/main">
   <p:cSld>
     <p:spTree>
@@ -32747,7 +34548,7 @@
             <a:pPr lvl="2"/>
             <a:r>
               <a:rPr lang="pt-BR" dirty="0"/>
-              <a:t>Cria uma instância da aplicação</a:t>
+              <a:t>Cria uma instância do motor e da aplicação</a:t>
             </a:r>
             <a:endParaRPr lang="pt-BR" b="1" dirty="0"/>
           </a:p>
@@ -32755,62 +34556,15 @@
             <a:pPr lvl="2"/>
             <a:r>
               <a:rPr lang="pt-BR" dirty="0"/>
-              <a:t>Chama os métodos de configuração do motor</a:t>
-            </a:r>
-          </a:p>
-          <a:p>
-            <a:pPr lvl="1"/>
+              <a:t>Chama os métodos de configuração da aplicação</a:t>
+            </a:r>
+          </a:p>
+          <a:p>
+            <a:pPr lvl="2"/>
             <a:r>
               <a:rPr lang="pt-BR" dirty="0"/>
-              <a:t>Pode ser facilmente </a:t>
-            </a:r>
-            <a:r>
-              <a:rPr lang="pt-BR" dirty="0">
-                <a:solidFill>
-                  <a:schemeClr val="accent3"/>
-                </a:solidFill>
-              </a:rPr>
-              <a:t>encapsulada</a:t>
-            </a:r>
-            <a:r>
-              <a:rPr lang="pt-BR" dirty="0">
-                <a:solidFill>
-                  <a:schemeClr val="accent1">
-                    <a:lumMod val="75000"/>
-                  </a:schemeClr>
-                </a:solidFill>
-              </a:rPr>
-              <a:t> </a:t>
-            </a:r>
-            <a:r>
-              <a:rPr lang="pt-BR" dirty="0">
-                <a:solidFill>
-                  <a:schemeClr val="accent1"/>
-                </a:solidFill>
-              </a:rPr>
-              <a:t>em uma biblioteca</a:t>
-            </a:r>
-            <a:r>
-              <a:rPr lang="pt-BR" dirty="0">
-                <a:solidFill>
-                  <a:schemeClr val="accent1">
-                    <a:lumMod val="75000"/>
-                  </a:schemeClr>
-                </a:solidFill>
-              </a:rPr>
-              <a:t> </a:t>
-            </a:r>
-            <a:r>
-              <a:rPr lang="pt-BR" dirty="0"/>
-              <a:t>(DLL)</a:t>
-            </a:r>
-            <a:endParaRPr lang="pt-BR" dirty="0">
-              <a:solidFill>
-                <a:schemeClr val="accent1">
-                  <a:lumMod val="75000"/>
-                </a:schemeClr>
-              </a:solidFill>
-            </a:endParaRPr>
+              <a:t>Dá a partida no motor (para rodar a aplicação)</a:t>
+            </a:r>
           </a:p>
         </p:txBody>
       </p:sp>
@@ -32840,809 +34594,6 @@
     <p:extLst>
       <p:ext uri="{BB962C8B-B14F-4D97-AF65-F5344CB8AC3E}">
         <p14:creationId xmlns:p14="http://schemas.microsoft.com/office/powerpoint/2010/main" val="2344508535"/>
-      </p:ext>
-    </p:extLst>
-  </p:cSld>
-  <p:clrMapOvr>
-    <a:masterClrMapping/>
-  </p:clrMapOvr>
-  <mc:AlternateContent xmlns:mc="http://schemas.openxmlformats.org/markup-compatibility/2006" xmlns:p15="http://schemas.microsoft.com/office/powerpoint/2012/main">
-    <mc:Choice Requires="p15">
-      <p:transition xmlns:p14="http://schemas.microsoft.com/office/powerpoint/2010/main" spd="slow" p14:dur="1250">
-        <p15:prstTrans prst="pageCurlDouble"/>
-      </p:transition>
-    </mc:Choice>
-    <mc:Fallback xmlns="">
-      <p:transition spd="slow">
-        <p:fade/>
-      </p:transition>
-    </mc:Fallback>
-  </mc:AlternateContent>
-</p:sld>
-</file>
-
-<file path=ppt/slides/slide9.xml><?xml version="1.0" encoding="utf-8"?>
-<p:sld xmlns:a="http://schemas.openxmlformats.org/drawingml/2006/main" xmlns:r="http://schemas.openxmlformats.org/officeDocument/2006/relationships" xmlns:p="http://schemas.openxmlformats.org/presentationml/2006/main">
-  <p:cSld>
-    <p:spTree>
-      <p:nvGrpSpPr>
-        <p:cNvPr id="1" name=""/>
-        <p:cNvGrpSpPr/>
-        <p:nvPr/>
-      </p:nvGrpSpPr>
-      <p:grpSpPr>
-        <a:xfrm>
-          <a:off x="0" y="0"/>
-          <a:ext cx="0" cy="0"/>
-          <a:chOff x="0" y="0"/>
-          <a:chExt cx="0" cy="0"/>
-        </a:xfrm>
-      </p:grpSpPr>
-      <p:sp>
-        <p:nvSpPr>
-          <p:cNvPr id="2" name="Título 1">
-            <a:extLst>
-              <a:ext uri="{FF2B5EF4-FFF2-40B4-BE49-F238E27FC236}">
-                <a16:creationId xmlns:a16="http://schemas.microsoft.com/office/drawing/2014/main" id="{AF94B782-44C1-46C6-96BC-9B641997B772}"/>
-              </a:ext>
-            </a:extLst>
-          </p:cNvPr>
-          <p:cNvSpPr>
-            <a:spLocks noGrp="1"/>
-          </p:cNvSpPr>
-          <p:nvPr>
-            <p:ph type="title"/>
-          </p:nvPr>
-        </p:nvSpPr>
-        <p:spPr/>
-        <p:txBody>
-          <a:bodyPr/>
-          <a:lstStyle/>
-          <a:p>
-            <a:r>
-              <a:rPr lang="pt-BR" dirty="0"/>
-              <a:t>Usando o Motor</a:t>
-            </a:r>
-          </a:p>
-        </p:txBody>
-      </p:sp>
-      <p:sp>
-        <p:nvSpPr>
-          <p:cNvPr id="3" name="Espaço Reservado para Conteúdo 2">
-            <a:extLst>
-              <a:ext uri="{FF2B5EF4-FFF2-40B4-BE49-F238E27FC236}">
-                <a16:creationId xmlns:a16="http://schemas.microsoft.com/office/drawing/2014/main" id="{65D5ED6A-9666-43F7-BC6C-3282C111B1EC}"/>
-              </a:ext>
-            </a:extLst>
-          </p:cNvPr>
-          <p:cNvSpPr>
-            <a:spLocks noGrp="1"/>
-          </p:cNvSpPr>
-          <p:nvPr>
-            <p:ph idx="1"/>
-          </p:nvPr>
-        </p:nvSpPr>
-        <p:spPr/>
-        <p:txBody>
-          <a:bodyPr/>
-          <a:lstStyle/>
-          <a:p>
-            <a:r>
-              <a:rPr lang="pt-BR" dirty="0"/>
-              <a:t>A classe da aplicação:</a:t>
-            </a:r>
-          </a:p>
-        </p:txBody>
-      </p:sp>
-      <p:sp>
-        <p:nvSpPr>
-          <p:cNvPr id="4" name="Retângulo 3">
-            <a:extLst>
-              <a:ext uri="{FF2B5EF4-FFF2-40B4-BE49-F238E27FC236}">
-                <a16:creationId xmlns:a16="http://schemas.microsoft.com/office/drawing/2014/main" id="{CE6E7373-391A-424C-ABBD-959A1832B049}"/>
-              </a:ext>
-            </a:extLst>
-          </p:cNvPr>
-          <p:cNvSpPr/>
-          <p:nvPr/>
-        </p:nvSpPr>
-        <p:spPr>
-          <a:xfrm>
-            <a:off x="1223571" y="2825459"/>
-            <a:ext cx="4253584" cy="3139321"/>
-          </a:xfrm>
-          <a:prstGeom prst="rect">
-            <a:avLst/>
-          </a:prstGeom>
-        </p:spPr>
-        <p:txBody>
-          <a:bodyPr wrap="square">
-            <a:spAutoFit/>
-          </a:bodyPr>
-          <a:lstStyle/>
-          <a:p>
-            <a:r>
-              <a:rPr lang="pt-BR" dirty="0" err="1">
-                <a:solidFill>
-                  <a:schemeClr val="accent1"/>
-                </a:solidFill>
-                <a:latin typeface="Consolas" pitchFamily="49" charset="0"/>
-                <a:cs typeface="Consolas" pitchFamily="49" charset="0"/>
-              </a:rPr>
-              <a:t>class</a:t>
-            </a:r>
-            <a:r>
-              <a:rPr lang="pt-BR" dirty="0">
-                <a:latin typeface="Consolas" pitchFamily="49" charset="0"/>
-                <a:cs typeface="Consolas" pitchFamily="49" charset="0"/>
-              </a:rPr>
-              <a:t> </a:t>
-            </a:r>
-            <a:r>
-              <a:rPr lang="pt-BR" dirty="0" err="1">
-                <a:solidFill>
-                  <a:schemeClr val="accent3"/>
-                </a:solidFill>
-                <a:latin typeface="Consolas" pitchFamily="49" charset="0"/>
-                <a:cs typeface="Consolas" pitchFamily="49" charset="0"/>
-              </a:rPr>
-              <a:t>MyApp</a:t>
-            </a:r>
-            <a:r>
-              <a:rPr lang="pt-BR" dirty="0">
-                <a:latin typeface="Consolas" pitchFamily="49" charset="0"/>
-                <a:cs typeface="Consolas" pitchFamily="49" charset="0"/>
-              </a:rPr>
-              <a:t> : </a:t>
-            </a:r>
-            <a:r>
-              <a:rPr lang="pt-BR" dirty="0" err="1">
-                <a:solidFill>
-                  <a:schemeClr val="accent1"/>
-                </a:solidFill>
-                <a:latin typeface="Consolas" pitchFamily="49" charset="0"/>
-                <a:cs typeface="Consolas" pitchFamily="49" charset="0"/>
-              </a:rPr>
-              <a:t>public</a:t>
-            </a:r>
-            <a:r>
-              <a:rPr lang="pt-BR" dirty="0">
-                <a:latin typeface="Consolas" pitchFamily="49" charset="0"/>
-                <a:cs typeface="Consolas" pitchFamily="49" charset="0"/>
-              </a:rPr>
-              <a:t> App</a:t>
-            </a:r>
-          </a:p>
-          <a:p>
-            <a:r>
-              <a:rPr lang="pt-BR" dirty="0">
-                <a:latin typeface="Consolas" pitchFamily="49" charset="0"/>
-                <a:cs typeface="Consolas" pitchFamily="49" charset="0"/>
-              </a:rPr>
-              <a:t>{</a:t>
-            </a:r>
-          </a:p>
-          <a:p>
-            <a:r>
-              <a:rPr lang="pt-BR" dirty="0" err="1">
-                <a:solidFill>
-                  <a:schemeClr val="accent1"/>
-                </a:solidFill>
-                <a:latin typeface="Consolas" pitchFamily="49" charset="0"/>
-                <a:cs typeface="Consolas" pitchFamily="49" charset="0"/>
-              </a:rPr>
-              <a:t>private</a:t>
-            </a:r>
-            <a:r>
-              <a:rPr lang="pt-BR" dirty="0">
-                <a:latin typeface="Consolas" pitchFamily="49" charset="0"/>
-                <a:cs typeface="Consolas" pitchFamily="49" charset="0"/>
-              </a:rPr>
-              <a:t>:</a:t>
-            </a:r>
-          </a:p>
-          <a:p>
-            <a:r>
-              <a:rPr lang="pt-BR" dirty="0">
-                <a:latin typeface="Consolas" pitchFamily="49" charset="0"/>
-                <a:cs typeface="Consolas" pitchFamily="49" charset="0"/>
-              </a:rPr>
-              <a:t>	</a:t>
-            </a:r>
-            <a:r>
-              <a:rPr lang="pt-BR" dirty="0" err="1">
-                <a:solidFill>
-                  <a:schemeClr val="accent1"/>
-                </a:solidFill>
-                <a:latin typeface="Consolas" pitchFamily="49" charset="0"/>
-                <a:cs typeface="Consolas" pitchFamily="49" charset="0"/>
-              </a:rPr>
-              <a:t>int</a:t>
-            </a:r>
-            <a:r>
-              <a:rPr lang="pt-BR" dirty="0">
-                <a:latin typeface="Consolas" pitchFamily="49" charset="0"/>
-                <a:cs typeface="Consolas" pitchFamily="49" charset="0"/>
-              </a:rPr>
-              <a:t> x, y;</a:t>
-            </a:r>
-          </a:p>
-          <a:p>
-            <a:endParaRPr lang="pt-BR" dirty="0">
-              <a:latin typeface="Consolas" pitchFamily="49" charset="0"/>
-              <a:cs typeface="Consolas" pitchFamily="49" charset="0"/>
-            </a:endParaRPr>
-          </a:p>
-          <a:p>
-            <a:r>
-              <a:rPr lang="pt-BR" dirty="0" err="1">
-                <a:solidFill>
-                  <a:schemeClr val="accent1"/>
-                </a:solidFill>
-                <a:latin typeface="Consolas" pitchFamily="49" charset="0"/>
-                <a:cs typeface="Consolas" pitchFamily="49" charset="0"/>
-              </a:rPr>
-              <a:t>public</a:t>
-            </a:r>
-            <a:r>
-              <a:rPr lang="pt-BR" dirty="0">
-                <a:latin typeface="Consolas" pitchFamily="49" charset="0"/>
-                <a:cs typeface="Consolas" pitchFamily="49" charset="0"/>
-              </a:rPr>
-              <a:t>:</a:t>
-            </a:r>
-          </a:p>
-          <a:p>
-            <a:r>
-              <a:rPr lang="pt-BR" dirty="0">
-                <a:latin typeface="Consolas" pitchFamily="49" charset="0"/>
-                <a:cs typeface="Consolas" pitchFamily="49" charset="0"/>
-              </a:rPr>
-              <a:t>	</a:t>
-            </a:r>
-            <a:r>
-              <a:rPr lang="pt-BR" dirty="0" err="1">
-                <a:solidFill>
-                  <a:schemeClr val="accent1"/>
-                </a:solidFill>
-                <a:latin typeface="Consolas" pitchFamily="49" charset="0"/>
-                <a:cs typeface="Consolas" pitchFamily="49" charset="0"/>
-              </a:rPr>
-              <a:t>void</a:t>
-            </a:r>
-            <a:r>
-              <a:rPr lang="pt-BR" dirty="0">
-                <a:latin typeface="Consolas" pitchFamily="49" charset="0"/>
-                <a:cs typeface="Consolas" pitchFamily="49" charset="0"/>
-              </a:rPr>
-              <a:t> Init();</a:t>
-            </a:r>
-          </a:p>
-          <a:p>
-            <a:r>
-              <a:rPr lang="pt-BR" dirty="0">
-                <a:latin typeface="Consolas" pitchFamily="49" charset="0"/>
-                <a:cs typeface="Consolas" pitchFamily="49" charset="0"/>
-              </a:rPr>
-              <a:t>	</a:t>
-            </a:r>
-            <a:r>
-              <a:rPr lang="pt-BR" dirty="0" err="1">
-                <a:solidFill>
-                  <a:schemeClr val="accent1"/>
-                </a:solidFill>
-                <a:latin typeface="Consolas" pitchFamily="49" charset="0"/>
-                <a:cs typeface="Consolas" pitchFamily="49" charset="0"/>
-              </a:rPr>
-              <a:t>void</a:t>
-            </a:r>
-            <a:r>
-              <a:rPr lang="pt-BR" dirty="0">
-                <a:latin typeface="Consolas" pitchFamily="49" charset="0"/>
-                <a:cs typeface="Consolas" pitchFamily="49" charset="0"/>
-              </a:rPr>
-              <a:t> Update();</a:t>
-            </a:r>
-          </a:p>
-          <a:p>
-            <a:r>
-              <a:rPr lang="pt-BR" dirty="0">
-                <a:latin typeface="Consolas" pitchFamily="49" charset="0"/>
-                <a:cs typeface="Consolas" pitchFamily="49" charset="0"/>
-              </a:rPr>
-              <a:t>	</a:t>
-            </a:r>
-            <a:r>
-              <a:rPr lang="pt-BR" dirty="0" err="1">
-                <a:solidFill>
-                  <a:schemeClr val="accent1"/>
-                </a:solidFill>
-                <a:latin typeface="Consolas" pitchFamily="49" charset="0"/>
-                <a:cs typeface="Consolas" pitchFamily="49" charset="0"/>
-              </a:rPr>
-              <a:t>void</a:t>
-            </a:r>
-            <a:r>
-              <a:rPr lang="pt-BR" dirty="0">
-                <a:latin typeface="Consolas" pitchFamily="49" charset="0"/>
-                <a:cs typeface="Consolas" pitchFamily="49" charset="0"/>
-              </a:rPr>
-              <a:t> Display();</a:t>
-            </a:r>
-          </a:p>
-          <a:p>
-            <a:r>
-              <a:rPr lang="pt-BR" dirty="0">
-                <a:latin typeface="Consolas" pitchFamily="49" charset="0"/>
-                <a:cs typeface="Consolas" pitchFamily="49" charset="0"/>
-              </a:rPr>
-              <a:t>	</a:t>
-            </a:r>
-            <a:r>
-              <a:rPr lang="pt-BR" dirty="0" err="1">
-                <a:solidFill>
-                  <a:schemeClr val="accent1"/>
-                </a:solidFill>
-                <a:latin typeface="Consolas" pitchFamily="49" charset="0"/>
-                <a:cs typeface="Consolas" pitchFamily="49" charset="0"/>
-              </a:rPr>
-              <a:t>void</a:t>
-            </a:r>
-            <a:r>
-              <a:rPr lang="pt-BR" dirty="0">
-                <a:latin typeface="Consolas" pitchFamily="49" charset="0"/>
-                <a:cs typeface="Consolas" pitchFamily="49" charset="0"/>
-              </a:rPr>
-              <a:t> Finalize();</a:t>
-            </a:r>
-          </a:p>
-          <a:p>
-            <a:r>
-              <a:rPr lang="pt-BR" dirty="0">
-                <a:latin typeface="Consolas" pitchFamily="49" charset="0"/>
-                <a:cs typeface="Consolas" pitchFamily="49" charset="0"/>
-              </a:rPr>
-              <a:t>};</a:t>
-            </a:r>
-          </a:p>
-        </p:txBody>
-      </p:sp>
-      <p:sp>
-        <p:nvSpPr>
-          <p:cNvPr id="5" name="Retângulo 4">
-            <a:extLst>
-              <a:ext uri="{FF2B5EF4-FFF2-40B4-BE49-F238E27FC236}">
-                <a16:creationId xmlns:a16="http://schemas.microsoft.com/office/drawing/2014/main" id="{214007D2-6EC9-4B17-9C51-F6D008EB0473}"/>
-              </a:ext>
-            </a:extLst>
-          </p:cNvPr>
-          <p:cNvSpPr/>
-          <p:nvPr/>
-        </p:nvSpPr>
-        <p:spPr>
-          <a:xfrm>
-            <a:off x="6624171" y="2333592"/>
-            <a:ext cx="4824536" cy="3970318"/>
-          </a:xfrm>
-          <a:prstGeom prst="rect">
-            <a:avLst/>
-          </a:prstGeom>
-        </p:spPr>
-        <p:txBody>
-          <a:bodyPr wrap="square">
-            <a:spAutoFit/>
-          </a:bodyPr>
-          <a:lstStyle/>
-          <a:p>
-            <a:r>
-              <a:rPr lang="en-US" dirty="0">
-                <a:solidFill>
-                  <a:schemeClr val="accent1"/>
-                </a:solidFill>
-                <a:latin typeface="Consolas" pitchFamily="49" charset="0"/>
-                <a:cs typeface="Consolas" pitchFamily="49" charset="0"/>
-              </a:rPr>
-              <a:t>void</a:t>
-            </a:r>
-            <a:r>
-              <a:rPr lang="en-US" dirty="0">
-                <a:latin typeface="Consolas" pitchFamily="49" charset="0"/>
-                <a:cs typeface="Consolas" pitchFamily="49" charset="0"/>
-              </a:rPr>
-              <a:t> </a:t>
-            </a:r>
-            <a:r>
-              <a:rPr lang="en-US" dirty="0" err="1">
-                <a:solidFill>
-                  <a:schemeClr val="accent3"/>
-                </a:solidFill>
-                <a:latin typeface="Consolas" pitchFamily="49" charset="0"/>
-                <a:cs typeface="Consolas" pitchFamily="49" charset="0"/>
-              </a:rPr>
-              <a:t>MyApp</a:t>
-            </a:r>
-            <a:r>
-              <a:rPr lang="en-US" dirty="0">
-                <a:latin typeface="Consolas" pitchFamily="49" charset="0"/>
-                <a:cs typeface="Consolas" pitchFamily="49" charset="0"/>
-              </a:rPr>
-              <a:t>::Init()</a:t>
-            </a:r>
-          </a:p>
-          <a:p>
-            <a:r>
-              <a:rPr lang="en-US" dirty="0">
-                <a:latin typeface="Consolas" pitchFamily="49" charset="0"/>
-                <a:cs typeface="Consolas" pitchFamily="49" charset="0"/>
-              </a:rPr>
-              <a:t>{  x = </a:t>
-            </a:r>
-            <a:r>
-              <a:rPr lang="en-US" dirty="0">
-                <a:solidFill>
-                  <a:schemeClr val="accent2"/>
-                </a:solidFill>
-                <a:latin typeface="Consolas" pitchFamily="49" charset="0"/>
-                <a:cs typeface="Consolas" pitchFamily="49" charset="0"/>
-              </a:rPr>
-              <a:t>10</a:t>
-            </a:r>
-            <a:r>
-              <a:rPr lang="en-US" dirty="0">
-                <a:latin typeface="Consolas" pitchFamily="49" charset="0"/>
-                <a:cs typeface="Consolas" pitchFamily="49" charset="0"/>
-              </a:rPr>
-              <a:t>; y = </a:t>
-            </a:r>
-            <a:r>
-              <a:rPr lang="en-US" dirty="0">
-                <a:solidFill>
-                  <a:schemeClr val="accent2"/>
-                </a:solidFill>
-                <a:latin typeface="Consolas" pitchFamily="49" charset="0"/>
-                <a:cs typeface="Consolas" pitchFamily="49" charset="0"/>
-              </a:rPr>
-              <a:t>10</a:t>
-            </a:r>
-            <a:r>
-              <a:rPr lang="en-US" dirty="0">
-                <a:latin typeface="Consolas" pitchFamily="49" charset="0"/>
-                <a:cs typeface="Consolas" pitchFamily="49" charset="0"/>
-              </a:rPr>
-              <a:t>; } </a:t>
-            </a:r>
-            <a:endParaRPr lang="pt-BR" dirty="0">
-              <a:latin typeface="Consolas" pitchFamily="49" charset="0"/>
-              <a:cs typeface="Consolas" pitchFamily="49" charset="0"/>
-            </a:endParaRPr>
-          </a:p>
-          <a:p>
-            <a:endParaRPr lang="pt-BR" dirty="0">
-              <a:latin typeface="Consolas" pitchFamily="49" charset="0"/>
-              <a:cs typeface="Consolas" pitchFamily="49" charset="0"/>
-            </a:endParaRPr>
-          </a:p>
-          <a:p>
-            <a:r>
-              <a:rPr lang="en-US" dirty="0">
-                <a:solidFill>
-                  <a:schemeClr val="accent1"/>
-                </a:solidFill>
-                <a:latin typeface="Consolas" pitchFamily="49" charset="0"/>
-                <a:cs typeface="Consolas" pitchFamily="49" charset="0"/>
-              </a:rPr>
-              <a:t>void</a:t>
-            </a:r>
-            <a:r>
-              <a:rPr lang="en-US" dirty="0">
-                <a:latin typeface="Consolas" pitchFamily="49" charset="0"/>
-                <a:cs typeface="Consolas" pitchFamily="49" charset="0"/>
-              </a:rPr>
-              <a:t> </a:t>
-            </a:r>
-            <a:r>
-              <a:rPr lang="en-US" dirty="0" err="1">
-                <a:solidFill>
-                  <a:schemeClr val="accent3"/>
-                </a:solidFill>
-                <a:latin typeface="Consolas" pitchFamily="49" charset="0"/>
-                <a:cs typeface="Consolas" pitchFamily="49" charset="0"/>
-              </a:rPr>
-              <a:t>MyApp</a:t>
-            </a:r>
-            <a:r>
-              <a:rPr lang="en-US" dirty="0">
-                <a:latin typeface="Consolas" pitchFamily="49" charset="0"/>
-                <a:cs typeface="Consolas" pitchFamily="49" charset="0"/>
-              </a:rPr>
-              <a:t>::Update()</a:t>
-            </a:r>
-          </a:p>
-          <a:p>
-            <a:r>
-              <a:rPr lang="en-US" dirty="0">
-                <a:latin typeface="Consolas" pitchFamily="49" charset="0"/>
-                <a:cs typeface="Consolas" pitchFamily="49" charset="0"/>
-              </a:rPr>
-              <a:t>{} </a:t>
-            </a:r>
-            <a:endParaRPr lang="pt-BR" dirty="0">
-              <a:latin typeface="Consolas" pitchFamily="49" charset="0"/>
-              <a:cs typeface="Consolas" pitchFamily="49" charset="0"/>
-            </a:endParaRPr>
-          </a:p>
-          <a:p>
-            <a:endParaRPr lang="pt-BR" dirty="0">
-              <a:latin typeface="Consolas" pitchFamily="49" charset="0"/>
-              <a:cs typeface="Consolas" pitchFamily="49" charset="0"/>
-            </a:endParaRPr>
-          </a:p>
-          <a:p>
-            <a:r>
-              <a:rPr lang="en-US" dirty="0">
-                <a:solidFill>
-                  <a:schemeClr val="accent1"/>
-                </a:solidFill>
-                <a:latin typeface="Consolas" pitchFamily="49" charset="0"/>
-                <a:cs typeface="Consolas" pitchFamily="49" charset="0"/>
-              </a:rPr>
-              <a:t>void</a:t>
-            </a:r>
-            <a:r>
-              <a:rPr lang="en-US" dirty="0">
-                <a:latin typeface="Consolas" pitchFamily="49" charset="0"/>
-                <a:cs typeface="Consolas" pitchFamily="49" charset="0"/>
-              </a:rPr>
-              <a:t> </a:t>
-            </a:r>
-            <a:r>
-              <a:rPr lang="en-US" dirty="0" err="1">
-                <a:solidFill>
-                  <a:schemeClr val="accent3"/>
-                </a:solidFill>
-                <a:latin typeface="Consolas" pitchFamily="49" charset="0"/>
-                <a:cs typeface="Consolas" pitchFamily="49" charset="0"/>
-              </a:rPr>
-              <a:t>MyApp</a:t>
-            </a:r>
-            <a:r>
-              <a:rPr lang="en-US" dirty="0">
-                <a:latin typeface="Consolas" pitchFamily="49" charset="0"/>
-                <a:cs typeface="Consolas" pitchFamily="49" charset="0"/>
-              </a:rPr>
-              <a:t>::Display()</a:t>
-            </a:r>
-          </a:p>
-          <a:p>
-            <a:r>
-              <a:rPr lang="en-US" dirty="0">
-                <a:latin typeface="Consolas" pitchFamily="49" charset="0"/>
-                <a:cs typeface="Consolas" pitchFamily="49" charset="0"/>
-              </a:rPr>
-              <a:t>{</a:t>
-            </a:r>
-          </a:p>
-          <a:p>
-            <a:r>
-              <a:rPr lang="en-US" dirty="0">
-                <a:latin typeface="Consolas" pitchFamily="49" charset="0"/>
-                <a:cs typeface="Consolas" pitchFamily="49" charset="0"/>
-              </a:rPr>
-              <a:t>    Print(</a:t>
-            </a:r>
-            <a:r>
-              <a:rPr lang="en-US" dirty="0">
-                <a:solidFill>
-                  <a:schemeClr val="accent1">
-                    <a:lumMod val="60000"/>
-                    <a:lumOff val="40000"/>
-                  </a:schemeClr>
-                </a:solidFill>
-                <a:latin typeface="Consolas" pitchFamily="49" charset="0"/>
-                <a:cs typeface="Consolas" pitchFamily="49" charset="0"/>
-              </a:rPr>
-              <a:t>"Windows Application"</a:t>
-            </a:r>
-            <a:r>
-              <a:rPr lang="en-US" dirty="0">
-                <a:latin typeface="Consolas" pitchFamily="49" charset="0"/>
-                <a:cs typeface="Consolas" pitchFamily="49" charset="0"/>
-              </a:rPr>
-              <a:t>, </a:t>
-            </a:r>
-          </a:p>
-          <a:p>
-            <a:r>
-              <a:rPr lang="en-US" dirty="0">
-                <a:latin typeface="Consolas" pitchFamily="49" charset="0"/>
-                <a:cs typeface="Consolas" pitchFamily="49" charset="0"/>
-              </a:rPr>
-              <a:t>          x, y, </a:t>
-            </a:r>
-            <a:r>
-              <a:rPr lang="en-US" dirty="0">
-                <a:solidFill>
-                  <a:schemeClr val="accent2"/>
-                </a:solidFill>
-                <a:latin typeface="Consolas" pitchFamily="49" charset="0"/>
-                <a:cs typeface="Consolas" pitchFamily="49" charset="0"/>
-              </a:rPr>
-              <a:t>RGB</a:t>
-            </a:r>
-            <a:r>
-              <a:rPr lang="en-US" dirty="0">
-                <a:latin typeface="Consolas" pitchFamily="49" charset="0"/>
-                <a:cs typeface="Consolas" pitchFamily="49" charset="0"/>
-              </a:rPr>
-              <a:t>(</a:t>
-            </a:r>
-            <a:r>
-              <a:rPr lang="en-US" dirty="0">
-                <a:solidFill>
-                  <a:schemeClr val="accent2"/>
-                </a:solidFill>
-                <a:latin typeface="Consolas" pitchFamily="49" charset="0"/>
-                <a:cs typeface="Consolas" pitchFamily="49" charset="0"/>
-              </a:rPr>
-              <a:t>255</a:t>
-            </a:r>
-            <a:r>
-              <a:rPr lang="en-US" dirty="0">
-                <a:latin typeface="Consolas" pitchFamily="49" charset="0"/>
-                <a:cs typeface="Consolas" pitchFamily="49" charset="0"/>
-              </a:rPr>
-              <a:t>,</a:t>
-            </a:r>
-            <a:r>
-              <a:rPr lang="en-US" dirty="0">
-                <a:solidFill>
-                  <a:schemeClr val="accent2"/>
-                </a:solidFill>
-                <a:latin typeface="Consolas" pitchFamily="49" charset="0"/>
-                <a:cs typeface="Consolas" pitchFamily="49" charset="0"/>
-              </a:rPr>
-              <a:t>255</a:t>
-            </a:r>
-            <a:r>
-              <a:rPr lang="en-US" dirty="0">
-                <a:latin typeface="Consolas" pitchFamily="49" charset="0"/>
-                <a:cs typeface="Consolas" pitchFamily="49" charset="0"/>
-              </a:rPr>
-              <a:t>,</a:t>
-            </a:r>
-            <a:r>
-              <a:rPr lang="en-US" dirty="0">
-                <a:solidFill>
-                  <a:schemeClr val="accent2"/>
-                </a:solidFill>
-                <a:latin typeface="Consolas" pitchFamily="49" charset="0"/>
-                <a:cs typeface="Consolas" pitchFamily="49" charset="0"/>
-              </a:rPr>
-              <a:t>255</a:t>
-            </a:r>
-            <a:r>
-              <a:rPr lang="en-US" dirty="0">
-                <a:latin typeface="Consolas" pitchFamily="49" charset="0"/>
-                <a:cs typeface="Consolas" pitchFamily="49" charset="0"/>
-              </a:rPr>
-              <a:t>));</a:t>
-            </a:r>
-          </a:p>
-          <a:p>
-            <a:r>
-              <a:rPr lang="en-US" dirty="0">
-                <a:latin typeface="Consolas" pitchFamily="49" charset="0"/>
-                <a:cs typeface="Consolas" pitchFamily="49" charset="0"/>
-              </a:rPr>
-              <a:t>} </a:t>
-            </a:r>
-          </a:p>
-          <a:p>
-            <a:endParaRPr lang="en-US" dirty="0">
-              <a:latin typeface="Consolas" pitchFamily="49" charset="0"/>
-              <a:cs typeface="Consolas" pitchFamily="49" charset="0"/>
-            </a:endParaRPr>
-          </a:p>
-          <a:p>
-            <a:r>
-              <a:rPr lang="en-US" dirty="0">
-                <a:solidFill>
-                  <a:schemeClr val="accent1"/>
-                </a:solidFill>
-                <a:latin typeface="Consolas" pitchFamily="49" charset="0"/>
-                <a:cs typeface="Consolas" pitchFamily="49" charset="0"/>
-              </a:rPr>
-              <a:t>void</a:t>
-            </a:r>
-            <a:r>
-              <a:rPr lang="en-US" dirty="0">
-                <a:latin typeface="Consolas" pitchFamily="49" charset="0"/>
-                <a:cs typeface="Consolas" pitchFamily="49" charset="0"/>
-              </a:rPr>
-              <a:t> </a:t>
-            </a:r>
-            <a:r>
-              <a:rPr lang="en-US" dirty="0" err="1">
-                <a:solidFill>
-                  <a:schemeClr val="accent3"/>
-                </a:solidFill>
-                <a:latin typeface="Consolas" pitchFamily="49" charset="0"/>
-                <a:cs typeface="Consolas" pitchFamily="49" charset="0"/>
-              </a:rPr>
-              <a:t>MyApp</a:t>
-            </a:r>
-            <a:r>
-              <a:rPr lang="en-US" dirty="0">
-                <a:latin typeface="Consolas" pitchFamily="49" charset="0"/>
-                <a:cs typeface="Consolas" pitchFamily="49" charset="0"/>
-              </a:rPr>
-              <a:t>::Finalize()</a:t>
-            </a:r>
-          </a:p>
-          <a:p>
-            <a:r>
-              <a:rPr lang="en-US" dirty="0">
-                <a:latin typeface="Consolas" pitchFamily="49" charset="0"/>
-                <a:cs typeface="Consolas" pitchFamily="49" charset="0"/>
-              </a:rPr>
-              <a:t>{} </a:t>
-            </a:r>
-            <a:endParaRPr lang="pt-BR" dirty="0">
-              <a:latin typeface="Consolas" pitchFamily="49" charset="0"/>
-              <a:cs typeface="Consolas" pitchFamily="49" charset="0"/>
-            </a:endParaRPr>
-          </a:p>
-        </p:txBody>
-      </p:sp>
-      <p:cxnSp>
-        <p:nvCxnSpPr>
-          <p:cNvPr id="6" name="Conector reto 5">
-            <a:extLst>
-              <a:ext uri="{FF2B5EF4-FFF2-40B4-BE49-F238E27FC236}">
-                <a16:creationId xmlns:a16="http://schemas.microsoft.com/office/drawing/2014/main" id="{EFA4029E-623A-4C28-826E-71712DBDEA03}"/>
-              </a:ext>
-            </a:extLst>
-          </p:cNvPr>
-          <p:cNvCxnSpPr>
-            <a:cxnSpLocks/>
-          </p:cNvCxnSpPr>
-          <p:nvPr/>
-        </p:nvCxnSpPr>
-        <p:spPr>
-          <a:xfrm>
-            <a:off x="5544051" y="2448527"/>
-            <a:ext cx="0" cy="3672408"/>
-          </a:xfrm>
-          <a:prstGeom prst="line">
-            <a:avLst/>
-          </a:prstGeom>
-          <a:ln w="15875">
-            <a:solidFill>
-              <a:schemeClr val="accent1">
-                <a:lumMod val="75000"/>
-              </a:schemeClr>
-            </a:solidFill>
-          </a:ln>
-        </p:spPr>
-        <p:style>
-          <a:lnRef idx="1">
-            <a:schemeClr val="accent1"/>
-          </a:lnRef>
-          <a:fillRef idx="0">
-            <a:schemeClr val="accent1"/>
-          </a:fillRef>
-          <a:effectRef idx="0">
-            <a:schemeClr val="accent1"/>
-          </a:effectRef>
-          <a:fontRef idx="minor">
-            <a:schemeClr val="tx1"/>
-          </a:fontRef>
-        </p:style>
-      </p:cxnSp>
-    </p:spTree>
-    <p:extLst>
-      <p:ext uri="{BB962C8B-B14F-4D97-AF65-F5344CB8AC3E}">
-        <p14:creationId xmlns:p14="http://schemas.microsoft.com/office/powerpoint/2010/main" val="2485191779"/>
       </p:ext>
     </p:extLst>
   </p:cSld>
